--- a/Communist Poster.pptx
+++ b/Communist Poster.pptx
@@ -5210,7 +5210,7 @@
               <a:graphicData uri="http://schemas.openxmlformats.org/presentationml/2006/ole">
                 <mc:AlternateContent xmlns:mc="http://schemas.openxmlformats.org/markup-compatibility/2006">
                   <mc:Choice xmlns:v="urn:schemas-microsoft-com:vml" Requires="v">
-                    <p:oleObj spid="_x0000_s7202" name="Image" r:id="rId9" imgW="1828440" imgH="1117440" progId="Photoshop.Image.13">
+                    <p:oleObj spid="_x0000_s7210" name="Image" r:id="rId9" imgW="1828440" imgH="1117440" progId="Photoshop.Image.13">
                       <p:embed/>
                     </p:oleObj>
                   </mc:Choice>
@@ -5267,7 +5267,7 @@
               <a:graphicData uri="http://schemas.openxmlformats.org/presentationml/2006/ole">
                 <mc:AlternateContent xmlns:mc="http://schemas.openxmlformats.org/markup-compatibility/2006">
                   <mc:Choice xmlns:v="urn:schemas-microsoft-com:vml" Requires="v">
-                    <p:oleObj spid="_x0000_s7203" name="Image" r:id="rId11" imgW="1828440" imgH="1117440" progId="Photoshop.Image.13">
+                    <p:oleObj spid="_x0000_s7211" name="Image" r:id="rId11" imgW="1828440" imgH="1117440" progId="Photoshop.Image.13">
                       <p:embed/>
                     </p:oleObj>
                   </mc:Choice>
@@ -6289,7 +6289,7 @@
             <a:graphicData uri="http://schemas.openxmlformats.org/presentationml/2006/ole">
               <mc:AlternateContent xmlns:mc="http://schemas.openxmlformats.org/markup-compatibility/2006">
                 <mc:Choice xmlns:v="urn:schemas-microsoft-com:vml" Requires="v">
-                  <p:oleObj spid="_x0000_s7204" name="Image" r:id="rId13" imgW="4571280" imgH="1688760" progId="Photoshop.Image.13">
+                  <p:oleObj spid="_x0000_s7212" name="Image" r:id="rId13" imgW="4571280" imgH="1688760" progId="Photoshop.Image.13">
                     <p:embed/>
                   </p:oleObj>
                 </mc:Choice>
@@ -6373,7 +6373,7 @@
             <a:graphicData uri="http://schemas.openxmlformats.org/presentationml/2006/ole">
               <mc:AlternateContent xmlns:mc="http://schemas.openxmlformats.org/markup-compatibility/2006">
                 <mc:Choice xmlns:v="urn:schemas-microsoft-com:vml" Requires="v">
-                  <p:oleObj spid="_x0000_s7205" name="Image" r:id="rId16" imgW="1574280" imgH="1053720" progId="Photoshop.Image.13">
+                  <p:oleObj spid="_x0000_s7213" name="Image" r:id="rId16" imgW="1574280" imgH="1053720" progId="Photoshop.Image.13">
                     <p:embed/>
                   </p:oleObj>
                 </mc:Choice>
@@ -8308,7 +8308,7 @@
               <a:graphicData uri="http://schemas.openxmlformats.org/presentationml/2006/ole">
                 <mc:AlternateContent xmlns:mc="http://schemas.openxmlformats.org/markup-compatibility/2006">
                   <mc:Choice xmlns:v="urn:schemas-microsoft-com:vml" Requires="v">
-                    <p:oleObj spid="_x0000_s5158" name="Image" r:id="rId8" imgW="1828440" imgH="1117440" progId="Photoshop.Image.13">
+                    <p:oleObj spid="_x0000_s5166" name="Image" r:id="rId8" imgW="1828440" imgH="1117440" progId="Photoshop.Image.13">
                       <p:embed/>
                     </p:oleObj>
                   </mc:Choice>
@@ -8365,7 +8365,7 @@
               <a:graphicData uri="http://schemas.openxmlformats.org/presentationml/2006/ole">
                 <mc:AlternateContent xmlns:mc="http://schemas.openxmlformats.org/markup-compatibility/2006">
                   <mc:Choice xmlns:v="urn:schemas-microsoft-com:vml" Requires="v">
-                    <p:oleObj spid="_x0000_s5159" name="Image" r:id="rId10" imgW="1828440" imgH="1117440" progId="Photoshop.Image.13">
+                    <p:oleObj spid="_x0000_s5167" name="Image" r:id="rId10" imgW="1828440" imgH="1117440" progId="Photoshop.Image.13">
                       <p:embed/>
                     </p:oleObj>
                   </mc:Choice>
@@ -9387,7 +9387,7 @@
             <a:graphicData uri="http://schemas.openxmlformats.org/presentationml/2006/ole">
               <mc:AlternateContent xmlns:mc="http://schemas.openxmlformats.org/markup-compatibility/2006">
                 <mc:Choice xmlns:v="urn:schemas-microsoft-com:vml" Requires="v">
-                  <p:oleObj spid="_x0000_s5160" name="Image" r:id="rId12" imgW="4571280" imgH="1688760" progId="Photoshop.Image.13">
+                  <p:oleObj spid="_x0000_s5168" name="Image" r:id="rId12" imgW="4571280" imgH="1688760" progId="Photoshop.Image.13">
                     <p:embed/>
                   </p:oleObj>
                 </mc:Choice>
@@ -9471,7 +9471,7 @@
             <a:graphicData uri="http://schemas.openxmlformats.org/presentationml/2006/ole">
               <mc:AlternateContent xmlns:mc="http://schemas.openxmlformats.org/markup-compatibility/2006">
                 <mc:Choice xmlns:v="urn:schemas-microsoft-com:vml" Requires="v">
-                  <p:oleObj spid="_x0000_s5161" name="Image" r:id="rId15" imgW="1574280" imgH="1053720" progId="Photoshop.Image.13">
+                  <p:oleObj spid="_x0000_s5169" name="Image" r:id="rId15" imgW="1574280" imgH="1053720" progId="Photoshop.Image.13">
                     <p:embed/>
                   </p:oleObj>
                 </mc:Choice>
@@ -11446,7 +11446,7 @@
               <a:graphicData uri="http://schemas.openxmlformats.org/presentationml/2006/ole">
                 <mc:AlternateContent xmlns:mc="http://schemas.openxmlformats.org/markup-compatibility/2006">
                   <mc:Choice xmlns:v="urn:schemas-microsoft-com:vml" Requires="v">
-                    <p:oleObj spid="_x0000_s6182" name="Image" r:id="rId8" imgW="1828440" imgH="1117440" progId="Photoshop.Image.13">
+                    <p:oleObj spid="_x0000_s6190" name="Image" r:id="rId8" imgW="1828440" imgH="1117440" progId="Photoshop.Image.13">
                       <p:embed/>
                     </p:oleObj>
                   </mc:Choice>
@@ -11503,7 +11503,7 @@
               <a:graphicData uri="http://schemas.openxmlformats.org/presentationml/2006/ole">
                 <mc:AlternateContent xmlns:mc="http://schemas.openxmlformats.org/markup-compatibility/2006">
                   <mc:Choice xmlns:v="urn:schemas-microsoft-com:vml" Requires="v">
-                    <p:oleObj spid="_x0000_s6183" name="Image" r:id="rId10" imgW="1828440" imgH="1117440" progId="Photoshop.Image.13">
+                    <p:oleObj spid="_x0000_s6191" name="Image" r:id="rId10" imgW="1828440" imgH="1117440" progId="Photoshop.Image.13">
                       <p:embed/>
                     </p:oleObj>
                   </mc:Choice>
@@ -12525,7 +12525,7 @@
             <a:graphicData uri="http://schemas.openxmlformats.org/presentationml/2006/ole">
               <mc:AlternateContent xmlns:mc="http://schemas.openxmlformats.org/markup-compatibility/2006">
                 <mc:Choice xmlns:v="urn:schemas-microsoft-com:vml" Requires="v">
-                  <p:oleObj spid="_x0000_s6184" name="Image" r:id="rId12" imgW="4571280" imgH="1688760" progId="Photoshop.Image.13">
+                  <p:oleObj spid="_x0000_s6192" name="Image" r:id="rId12" imgW="4571280" imgH="1688760" progId="Photoshop.Image.13">
                     <p:embed/>
                   </p:oleObj>
                 </mc:Choice>
@@ -12609,7 +12609,7 @@
             <a:graphicData uri="http://schemas.openxmlformats.org/presentationml/2006/ole">
               <mc:AlternateContent xmlns:mc="http://schemas.openxmlformats.org/markup-compatibility/2006">
                 <mc:Choice xmlns:v="urn:schemas-microsoft-com:vml" Requires="v">
-                  <p:oleObj spid="_x0000_s6185" name="Image" r:id="rId15" imgW="1574280" imgH="1053720" progId="Photoshop.Image.13">
+                  <p:oleObj spid="_x0000_s6193" name="Image" r:id="rId15" imgW="1574280" imgH="1053720" progId="Photoshop.Image.13">
                     <p:embed/>
                   </p:oleObj>
                 </mc:Choice>
@@ -13325,7 +13325,7 @@
         <p:spPr>
           <a:xfrm>
             <a:off x="565118" y="4493728"/>
-            <a:ext cx="6285508" cy="3979040"/>
+            <a:ext cx="6285508" cy="5456368"/>
           </a:xfrm>
         </p:spPr>
         <p:txBody>
@@ -13333,30 +13333,14 @@
           <a:lstStyle/>
           <a:p>
             <a:r>
-              <a:rPr lang="en-US" sz="2400" dirty="0" smtClean="0">
+              <a:rPr lang="en-US" sz="2800" dirty="0" smtClean="0">
                 <a:solidFill>
                   <a:srgbClr val="002060"/>
                 </a:solidFill>
               </a:rPr>
-              <a:t>Communist Hunt is based on the original game of Duck Hunt. The player is sent by Harry Truman to protect his or her country by defeating an army of Joseph Stalin clones. The clones fly across the screen, and </a:t>
+              <a:t>Communist Hunt is based on the original game of Duck Hunt. The player is sent by Harry Truman to protect his or her country by defeating an army of Joseph Stalin clones. The clones fly across the screen, and several clones may be on the screen at once. Once the player kills a certain amount of clones, the game ends. The total duration of the game, as well as the player’s accuracy, are then displayed.</a:t>
             </a:r>
-            <a:r>
-              <a:rPr lang="en-US" sz="2400" dirty="0" smtClean="0">
-                <a:solidFill>
-                  <a:srgbClr val="002060"/>
-                </a:solidFill>
-              </a:rPr>
-              <a:t>several clones may be on the screen at once. </a:t>
-            </a:r>
-            <a:r>
-              <a:rPr lang="en-US" sz="2400" dirty="0" smtClean="0">
-                <a:solidFill>
-                  <a:srgbClr val="002060"/>
-                </a:solidFill>
-              </a:rPr>
-              <a:t>Once the player kills a certain amount of clones, the game ends. The total duration of the game, as well as the player’s accuracy, are then displayed.</a:t>
-            </a:r>
-            <a:endParaRPr lang="en-US" sz="2400" dirty="0">
+            <a:endParaRPr lang="en-US" sz="2800" dirty="0">
               <a:solidFill>
                 <a:srgbClr val="002060"/>
               </a:solidFill>
@@ -13412,8 +13396,8 @@
         </p:nvSpPr>
         <p:spPr>
           <a:xfrm>
-            <a:off x="564124" y="9193410"/>
-            <a:ext cx="6286500" cy="2501713"/>
+            <a:off x="533400" y="11049000"/>
+            <a:ext cx="6286500" cy="6587446"/>
           </a:xfrm>
         </p:spPr>
         <p:txBody>
@@ -13421,34 +13405,44 @@
           <a:lstStyle/>
           <a:p>
             <a:r>
-              <a:rPr lang="en-US" sz="2400" dirty="0" smtClean="0">
+              <a:rPr lang="en-US" sz="2800" dirty="0" smtClean="0">
                 <a:solidFill>
                   <a:srgbClr val="002060"/>
                 </a:solidFill>
               </a:rPr>
-              <a:t>Our target users include anyone who wants to sit down for a little bit and play a simple, yet en</a:t>
+              <a:t>Our target users include anyone who wants to sit down for a little bit and play a simple, yet engaging game. The game does not last long, but the player must devote considerable focus to the game during that time in order to get a good </a:t>
             </a:r>
             <a:r>
-              <a:rPr lang="en-US" sz="2400" dirty="0" smtClean="0">
+              <a:rPr lang="en-US" sz="2800" dirty="0" smtClean="0">
                 <a:solidFill>
                   <a:srgbClr val="002060"/>
                 </a:solidFill>
               </a:rPr>
-              <a:t>gaging game. The game does not last long, but the player must devote considerable focus to the game during that time in order to get a </a:t>
+              <a:t>score</a:t>
             </a:r>
             <a:r>
-              <a:rPr lang="en-US" sz="2400" smtClean="0">
+              <a:rPr lang="en-US" sz="2800" dirty="0" smtClean="0">
                 <a:solidFill>
                   <a:srgbClr val="002060"/>
                 </a:solidFill>
               </a:rPr>
-              <a:t>good score. </a:t>
+              <a:t>. </a:t>
             </a:r>
-            <a:endParaRPr lang="en-US" sz="2400" dirty="0">
+            <a:endParaRPr lang="en-US" sz="2800" dirty="0">
               <a:solidFill>
                 <a:srgbClr val="002060"/>
               </a:solidFill>
             </a:endParaRPr>
+          </a:p>
+          <a:p>
+            <a:r>
+              <a:rPr lang="en-US" sz="2800" dirty="0" smtClean="0">
+                <a:solidFill>
+                  <a:srgbClr val="002060"/>
+                </a:solidFill>
+              </a:rPr>
+              <a:t>In addition, our game is very much geared towards people who love simple shooter games. Communist Hunt is a game you can play casually, but can also be competitive. Players can challenge friends to beat their time or accuracy. </a:t>
+            </a:r>
           </a:p>
         </p:txBody>
       </p:sp>
@@ -13464,7 +13458,7 @@
         </p:nvSpPr>
         <p:spPr>
           <a:xfrm>
-            <a:off x="576462" y="8612463"/>
+            <a:off x="609600" y="10439400"/>
             <a:ext cx="6281539" cy="606730"/>
           </a:xfrm>
         </p:spPr>
@@ -13498,12 +13492,21 @@
             <p:ph type="body" sz="quarter" idx="21"/>
           </p:nvPr>
         </p:nvSpPr>
-        <p:spPr/>
+        <p:spPr>
+          <a:xfrm>
+            <a:off x="7241977" y="4488877"/>
+            <a:ext cx="6474023" cy="716608"/>
+          </a:xfrm>
+        </p:spPr>
         <p:txBody>
           <a:bodyPr/>
           <a:lstStyle/>
           <a:p>
-            <a:endParaRPr lang="en-US" dirty="0"/>
+            <a:endParaRPr lang="en-US" sz="2800" dirty="0">
+              <a:solidFill>
+                <a:srgbClr val="002060"/>
+              </a:solidFill>
+            </a:endParaRPr>
           </a:p>
         </p:txBody>
       </p:sp>
@@ -13517,12 +13520,29 @@
             <p:ph type="body" sz="quarter" idx="22"/>
           </p:nvPr>
         </p:nvSpPr>
-        <p:spPr/>
+        <p:spPr>
+          <a:xfrm>
+            <a:off x="7241978" y="3893158"/>
+            <a:ext cx="12950031" cy="606730"/>
+          </a:xfrm>
+        </p:spPr>
         <p:txBody>
           <a:bodyPr/>
           <a:lstStyle/>
           <a:p>
-            <a:endParaRPr lang="en-US"/>
+            <a:r>
+              <a:rPr lang="en-US" sz="3200" dirty="0" smtClean="0">
+                <a:solidFill>
+                  <a:srgbClr val="002060"/>
+                </a:solidFill>
+              </a:rPr>
+              <a:t>Code Structure and Data Structure</a:t>
+            </a:r>
+            <a:endParaRPr lang="en-US" sz="3200" dirty="0">
+              <a:solidFill>
+                <a:srgbClr val="002060"/>
+              </a:solidFill>
+            </a:endParaRPr>
           </a:p>
         </p:txBody>
       </p:sp>
@@ -13574,12 +13594,29 @@
             <p:ph type="body" sz="quarter" idx="25"/>
           </p:nvPr>
         </p:nvSpPr>
-        <p:spPr/>
+        <p:spPr>
+          <a:xfrm>
+            <a:off x="20565960" y="3893158"/>
+            <a:ext cx="6279386" cy="606730"/>
+          </a:xfrm>
+        </p:spPr>
         <p:txBody>
           <a:bodyPr/>
           <a:lstStyle/>
           <a:p>
-            <a:endParaRPr lang="en-US"/>
+            <a:r>
+              <a:rPr lang="en-US" sz="3200" dirty="0" smtClean="0">
+                <a:solidFill>
+                  <a:srgbClr val="002060"/>
+                </a:solidFill>
+              </a:rPr>
+              <a:t>Challenges</a:t>
+            </a:r>
+            <a:endParaRPr lang="en-US" sz="3200" dirty="0">
+              <a:solidFill>
+                <a:srgbClr val="002060"/>
+              </a:solidFill>
+            </a:endParaRPr>
           </a:p>
         </p:txBody>
       </p:sp>
@@ -13593,12 +13630,29 @@
             <p:ph type="body" sz="quarter" idx="26"/>
           </p:nvPr>
         </p:nvSpPr>
-        <p:spPr/>
+        <p:spPr>
+          <a:xfrm>
+            <a:off x="20565960" y="4493728"/>
+            <a:ext cx="6279386" cy="3732819"/>
+          </a:xfrm>
+        </p:spPr>
         <p:txBody>
           <a:bodyPr/>
           <a:lstStyle/>
           <a:p>
-            <a:endParaRPr lang="en-US"/>
+            <a:r>
+              <a:rPr lang="en-US" sz="2800" dirty="0" smtClean="0">
+                <a:solidFill>
+                  <a:srgbClr val="002060"/>
+                </a:solidFill>
+              </a:rPr>
+              <a:t>One of the big challenges we had was deciding how to structure our code. At first, we tried to use too many classes, and had a hard time using them all in conjunction with each other. We also spent a lot of time dealing with the AI movements of the Stalin clones.</a:t>
+            </a:r>
+            <a:endParaRPr lang="en-US" sz="2800" dirty="0">
+              <a:solidFill>
+                <a:srgbClr val="002060"/>
+              </a:solidFill>
+            </a:endParaRPr>
           </a:p>
         </p:txBody>
       </p:sp>
@@ -13612,12 +13666,29 @@
             <p:ph type="body" sz="quarter" idx="27"/>
           </p:nvPr>
         </p:nvSpPr>
-        <p:spPr/>
+        <p:spPr>
+          <a:xfrm>
+            <a:off x="20565960" y="8649267"/>
+            <a:ext cx="6279386" cy="606730"/>
+          </a:xfrm>
+        </p:spPr>
         <p:txBody>
           <a:bodyPr/>
           <a:lstStyle/>
           <a:p>
-            <a:endParaRPr lang="en-US"/>
+            <a:r>
+              <a:rPr lang="en-US" sz="3200" dirty="0" smtClean="0">
+                <a:solidFill>
+                  <a:srgbClr val="002060"/>
+                </a:solidFill>
+              </a:rPr>
+              <a:t>What’s Next?</a:t>
+            </a:r>
+            <a:endParaRPr lang="en-US" sz="3200" dirty="0">
+              <a:solidFill>
+                <a:srgbClr val="002060"/>
+              </a:solidFill>
+            </a:endParaRPr>
           </a:p>
         </p:txBody>
       </p:sp>
@@ -13631,12 +13702,17 @@
             <p:ph type="body" sz="quarter" idx="28"/>
           </p:nvPr>
         </p:nvSpPr>
-        <p:spPr/>
+        <p:spPr>
+          <a:xfrm>
+            <a:off x="20565961" y="9173635"/>
+            <a:ext cx="6282531" cy="716608"/>
+          </a:xfrm>
+        </p:spPr>
         <p:txBody>
           <a:bodyPr/>
           <a:lstStyle/>
           <a:p>
-            <a:endParaRPr lang="en-US"/>
+            <a:endParaRPr lang="en-US" sz="2800" dirty="0"/>
           </a:p>
         </p:txBody>
       </p:sp>

--- a/Communist Poster.pptx
+++ b/Communist Poster.pptx
@@ -109,6 +109,2776 @@
 </p:presentation>
 </file>
 
+<file path=ppt/diagrams/colors1.xml><?xml version="1.0" encoding="utf-8"?>
+<dgm:colorsDef xmlns:dgm="http://schemas.openxmlformats.org/drawingml/2006/diagram" xmlns:a="http://schemas.openxmlformats.org/drawingml/2006/main" uniqueId="urn:microsoft.com/office/officeart/2005/8/colors/accent1_2">
+  <dgm:title val=""/>
+  <dgm:desc val=""/>
+  <dgm:catLst>
+    <dgm:cat type="accent1" pri="11200"/>
+  </dgm:catLst>
+  <dgm:styleLbl name="node0">
+    <dgm:fillClrLst meth="repeat">
+      <a:schemeClr val="accent1"/>
+    </dgm:fillClrLst>
+    <dgm:linClrLst meth="repeat">
+      <a:schemeClr val="lt1"/>
+    </dgm:linClrLst>
+    <dgm:effectClrLst/>
+    <dgm:txLinClrLst/>
+    <dgm:txFillClrLst/>
+    <dgm:txEffectClrLst/>
+  </dgm:styleLbl>
+  <dgm:styleLbl name="alignNode1">
+    <dgm:fillClrLst meth="repeat">
+      <a:schemeClr val="accent1"/>
+    </dgm:fillClrLst>
+    <dgm:linClrLst meth="repeat">
+      <a:schemeClr val="accent1"/>
+    </dgm:linClrLst>
+    <dgm:effectClrLst/>
+    <dgm:txLinClrLst/>
+    <dgm:txFillClrLst/>
+    <dgm:txEffectClrLst/>
+  </dgm:styleLbl>
+  <dgm:styleLbl name="node1">
+    <dgm:fillClrLst meth="repeat">
+      <a:schemeClr val="accent1"/>
+    </dgm:fillClrLst>
+    <dgm:linClrLst meth="repeat">
+      <a:schemeClr val="lt1"/>
+    </dgm:linClrLst>
+    <dgm:effectClrLst/>
+    <dgm:txLinClrLst/>
+    <dgm:txFillClrLst/>
+    <dgm:txEffectClrLst/>
+  </dgm:styleLbl>
+  <dgm:styleLbl name="lnNode1">
+    <dgm:fillClrLst meth="repeat">
+      <a:schemeClr val="accent1"/>
+    </dgm:fillClrLst>
+    <dgm:linClrLst meth="repeat">
+      <a:schemeClr val="lt1"/>
+    </dgm:linClrLst>
+    <dgm:effectClrLst/>
+    <dgm:txLinClrLst/>
+    <dgm:txFillClrLst/>
+    <dgm:txEffectClrLst/>
+  </dgm:styleLbl>
+  <dgm:styleLbl name="vennNode1">
+    <dgm:fillClrLst meth="repeat">
+      <a:schemeClr val="accent1">
+        <a:alpha val="50000"/>
+      </a:schemeClr>
+    </dgm:fillClrLst>
+    <dgm:linClrLst meth="repeat">
+      <a:schemeClr val="lt1"/>
+    </dgm:linClrLst>
+    <dgm:effectClrLst/>
+    <dgm:txLinClrLst/>
+    <dgm:txFillClrLst/>
+    <dgm:txEffectClrLst/>
+  </dgm:styleLbl>
+  <dgm:styleLbl name="node2">
+    <dgm:fillClrLst meth="repeat">
+      <a:schemeClr val="accent1"/>
+    </dgm:fillClrLst>
+    <dgm:linClrLst meth="repeat">
+      <a:schemeClr val="lt1"/>
+    </dgm:linClrLst>
+    <dgm:effectClrLst/>
+    <dgm:txLinClrLst/>
+    <dgm:txFillClrLst/>
+    <dgm:txEffectClrLst/>
+  </dgm:styleLbl>
+  <dgm:styleLbl name="node3">
+    <dgm:fillClrLst meth="repeat">
+      <a:schemeClr val="accent1"/>
+    </dgm:fillClrLst>
+    <dgm:linClrLst meth="repeat">
+      <a:schemeClr val="lt1"/>
+    </dgm:linClrLst>
+    <dgm:effectClrLst/>
+    <dgm:txLinClrLst/>
+    <dgm:txFillClrLst/>
+    <dgm:txEffectClrLst/>
+  </dgm:styleLbl>
+  <dgm:styleLbl name="node4">
+    <dgm:fillClrLst meth="repeat">
+      <a:schemeClr val="accent1"/>
+    </dgm:fillClrLst>
+    <dgm:linClrLst meth="repeat">
+      <a:schemeClr val="lt1"/>
+    </dgm:linClrLst>
+    <dgm:effectClrLst/>
+    <dgm:txLinClrLst/>
+    <dgm:txFillClrLst/>
+    <dgm:txEffectClrLst/>
+  </dgm:styleLbl>
+  <dgm:styleLbl name="fgImgPlace1">
+    <dgm:fillClrLst meth="repeat">
+      <a:schemeClr val="accent1">
+        <a:tint val="50000"/>
+      </a:schemeClr>
+    </dgm:fillClrLst>
+    <dgm:linClrLst meth="repeat">
+      <a:schemeClr val="lt1"/>
+    </dgm:linClrLst>
+    <dgm:effectClrLst/>
+    <dgm:txLinClrLst/>
+    <dgm:txFillClrLst meth="repeat">
+      <a:schemeClr val="lt1"/>
+    </dgm:txFillClrLst>
+    <dgm:txEffectClrLst/>
+  </dgm:styleLbl>
+  <dgm:styleLbl name="alignImgPlace1">
+    <dgm:fillClrLst meth="repeat">
+      <a:schemeClr val="accent1">
+        <a:tint val="50000"/>
+      </a:schemeClr>
+    </dgm:fillClrLst>
+    <dgm:linClrLst meth="repeat">
+      <a:schemeClr val="lt1"/>
+    </dgm:linClrLst>
+    <dgm:effectClrLst/>
+    <dgm:txLinClrLst/>
+    <dgm:txFillClrLst meth="repeat">
+      <a:schemeClr val="lt1"/>
+    </dgm:txFillClrLst>
+    <dgm:txEffectClrLst/>
+  </dgm:styleLbl>
+  <dgm:styleLbl name="bgImgPlace1">
+    <dgm:fillClrLst meth="repeat">
+      <a:schemeClr val="accent1">
+        <a:tint val="50000"/>
+      </a:schemeClr>
+    </dgm:fillClrLst>
+    <dgm:linClrLst meth="repeat">
+      <a:schemeClr val="lt1"/>
+    </dgm:linClrLst>
+    <dgm:effectClrLst/>
+    <dgm:txLinClrLst/>
+    <dgm:txFillClrLst meth="repeat">
+      <a:schemeClr val="lt1"/>
+    </dgm:txFillClrLst>
+    <dgm:txEffectClrLst/>
+  </dgm:styleLbl>
+  <dgm:styleLbl name="sibTrans2D1">
+    <dgm:fillClrLst meth="repeat">
+      <a:schemeClr val="accent1">
+        <a:tint val="60000"/>
+      </a:schemeClr>
+    </dgm:fillClrLst>
+    <dgm:linClrLst meth="repeat">
+      <a:schemeClr val="accent1">
+        <a:tint val="60000"/>
+      </a:schemeClr>
+    </dgm:linClrLst>
+    <dgm:effectClrLst/>
+    <dgm:txLinClrLst/>
+    <dgm:txFillClrLst/>
+    <dgm:txEffectClrLst/>
+  </dgm:styleLbl>
+  <dgm:styleLbl name="fgSibTrans2D1">
+    <dgm:fillClrLst meth="repeat">
+      <a:schemeClr val="accent1">
+        <a:tint val="60000"/>
+      </a:schemeClr>
+    </dgm:fillClrLst>
+    <dgm:linClrLst meth="repeat">
+      <a:schemeClr val="accent1">
+        <a:tint val="60000"/>
+      </a:schemeClr>
+    </dgm:linClrLst>
+    <dgm:effectClrLst/>
+    <dgm:txLinClrLst/>
+    <dgm:txFillClrLst/>
+    <dgm:txEffectClrLst/>
+  </dgm:styleLbl>
+  <dgm:styleLbl name="bgSibTrans2D1">
+    <dgm:fillClrLst meth="repeat">
+      <a:schemeClr val="accent1">
+        <a:tint val="60000"/>
+      </a:schemeClr>
+    </dgm:fillClrLst>
+    <dgm:linClrLst meth="repeat">
+      <a:schemeClr val="accent1">
+        <a:tint val="60000"/>
+      </a:schemeClr>
+    </dgm:linClrLst>
+    <dgm:effectClrLst/>
+    <dgm:txLinClrLst/>
+    <dgm:txFillClrLst/>
+    <dgm:txEffectClrLst/>
+  </dgm:styleLbl>
+  <dgm:styleLbl name="sibTrans1D1">
+    <dgm:fillClrLst meth="repeat">
+      <a:schemeClr val="accent1"/>
+    </dgm:fillClrLst>
+    <dgm:linClrLst meth="repeat">
+      <a:schemeClr val="accent1"/>
+    </dgm:linClrLst>
+    <dgm:effectClrLst/>
+    <dgm:txLinClrLst/>
+    <dgm:txFillClrLst meth="repeat">
+      <a:schemeClr val="tx1"/>
+    </dgm:txFillClrLst>
+    <dgm:txEffectClrLst/>
+  </dgm:styleLbl>
+  <dgm:styleLbl name="callout">
+    <dgm:fillClrLst meth="repeat">
+      <a:schemeClr val="accent1"/>
+    </dgm:fillClrLst>
+    <dgm:linClrLst meth="repeat">
+      <a:schemeClr val="accent1">
+        <a:tint val="50000"/>
+      </a:schemeClr>
+    </dgm:linClrLst>
+    <dgm:effectClrLst/>
+    <dgm:txLinClrLst/>
+    <dgm:txFillClrLst meth="repeat">
+      <a:schemeClr val="tx1"/>
+    </dgm:txFillClrLst>
+    <dgm:txEffectClrLst/>
+  </dgm:styleLbl>
+  <dgm:styleLbl name="asst0">
+    <dgm:fillClrLst meth="repeat">
+      <a:schemeClr val="accent1"/>
+    </dgm:fillClrLst>
+    <dgm:linClrLst meth="repeat">
+      <a:schemeClr val="lt1"/>
+    </dgm:linClrLst>
+    <dgm:effectClrLst/>
+    <dgm:txLinClrLst/>
+    <dgm:txFillClrLst/>
+    <dgm:txEffectClrLst/>
+  </dgm:styleLbl>
+  <dgm:styleLbl name="asst1">
+    <dgm:fillClrLst meth="repeat">
+      <a:schemeClr val="accent1"/>
+    </dgm:fillClrLst>
+    <dgm:linClrLst meth="repeat">
+      <a:schemeClr val="lt1"/>
+    </dgm:linClrLst>
+    <dgm:effectClrLst/>
+    <dgm:txLinClrLst/>
+    <dgm:txFillClrLst/>
+    <dgm:txEffectClrLst/>
+  </dgm:styleLbl>
+  <dgm:styleLbl name="asst2">
+    <dgm:fillClrLst meth="repeat">
+      <a:schemeClr val="accent1"/>
+    </dgm:fillClrLst>
+    <dgm:linClrLst meth="repeat">
+      <a:schemeClr val="lt1"/>
+    </dgm:linClrLst>
+    <dgm:effectClrLst/>
+    <dgm:txLinClrLst/>
+    <dgm:txFillClrLst/>
+    <dgm:txEffectClrLst/>
+  </dgm:styleLbl>
+  <dgm:styleLbl name="asst3">
+    <dgm:fillClrLst meth="repeat">
+      <a:schemeClr val="accent1"/>
+    </dgm:fillClrLst>
+    <dgm:linClrLst meth="repeat">
+      <a:schemeClr val="lt1"/>
+    </dgm:linClrLst>
+    <dgm:effectClrLst/>
+    <dgm:txLinClrLst/>
+    <dgm:txFillClrLst/>
+    <dgm:txEffectClrLst/>
+  </dgm:styleLbl>
+  <dgm:styleLbl name="asst4">
+    <dgm:fillClrLst meth="repeat">
+      <a:schemeClr val="accent1"/>
+    </dgm:fillClrLst>
+    <dgm:linClrLst meth="repeat">
+      <a:schemeClr val="lt1"/>
+    </dgm:linClrLst>
+    <dgm:effectClrLst/>
+    <dgm:txLinClrLst/>
+    <dgm:txFillClrLst/>
+    <dgm:txEffectClrLst/>
+  </dgm:styleLbl>
+  <dgm:styleLbl name="parChTrans2D1">
+    <dgm:fillClrLst meth="repeat">
+      <a:schemeClr val="accent1">
+        <a:tint val="60000"/>
+      </a:schemeClr>
+    </dgm:fillClrLst>
+    <dgm:linClrLst meth="repeat">
+      <a:schemeClr val="accent1">
+        <a:tint val="60000"/>
+      </a:schemeClr>
+    </dgm:linClrLst>
+    <dgm:effectClrLst/>
+    <dgm:txLinClrLst/>
+    <dgm:txFillClrLst meth="repeat">
+      <a:schemeClr val="lt1"/>
+    </dgm:txFillClrLst>
+    <dgm:txEffectClrLst/>
+  </dgm:styleLbl>
+  <dgm:styleLbl name="parChTrans2D2">
+    <dgm:fillClrLst meth="repeat">
+      <a:schemeClr val="accent1"/>
+    </dgm:fillClrLst>
+    <dgm:linClrLst meth="repeat">
+      <a:schemeClr val="accent1"/>
+    </dgm:linClrLst>
+    <dgm:effectClrLst/>
+    <dgm:txLinClrLst/>
+    <dgm:txFillClrLst meth="repeat">
+      <a:schemeClr val="lt1"/>
+    </dgm:txFillClrLst>
+    <dgm:txEffectClrLst/>
+  </dgm:styleLbl>
+  <dgm:styleLbl name="parChTrans2D3">
+    <dgm:fillClrLst meth="repeat">
+      <a:schemeClr val="accent1"/>
+    </dgm:fillClrLst>
+    <dgm:linClrLst meth="repeat">
+      <a:schemeClr val="accent1"/>
+    </dgm:linClrLst>
+    <dgm:effectClrLst/>
+    <dgm:txLinClrLst/>
+    <dgm:txFillClrLst meth="repeat">
+      <a:schemeClr val="lt1"/>
+    </dgm:txFillClrLst>
+    <dgm:txEffectClrLst/>
+  </dgm:styleLbl>
+  <dgm:styleLbl name="parChTrans2D4">
+    <dgm:fillClrLst meth="repeat">
+      <a:schemeClr val="accent1"/>
+    </dgm:fillClrLst>
+    <dgm:linClrLst meth="repeat">
+      <a:schemeClr val="accent1"/>
+    </dgm:linClrLst>
+    <dgm:effectClrLst/>
+    <dgm:txLinClrLst/>
+    <dgm:txFillClrLst meth="repeat">
+      <a:schemeClr val="lt1"/>
+    </dgm:txFillClrLst>
+    <dgm:txEffectClrLst/>
+  </dgm:styleLbl>
+  <dgm:styleLbl name="parChTrans1D1">
+    <dgm:fillClrLst meth="repeat">
+      <a:schemeClr val="accent1"/>
+    </dgm:fillClrLst>
+    <dgm:linClrLst meth="repeat">
+      <a:schemeClr val="accent1">
+        <a:shade val="60000"/>
+      </a:schemeClr>
+    </dgm:linClrLst>
+    <dgm:effectClrLst/>
+    <dgm:txLinClrLst/>
+    <dgm:txFillClrLst meth="repeat">
+      <a:schemeClr val="tx1"/>
+    </dgm:txFillClrLst>
+    <dgm:txEffectClrLst/>
+  </dgm:styleLbl>
+  <dgm:styleLbl name="parChTrans1D2">
+    <dgm:fillClrLst meth="repeat">
+      <a:schemeClr val="accent1"/>
+    </dgm:fillClrLst>
+    <dgm:linClrLst meth="repeat">
+      <a:schemeClr val="accent1">
+        <a:shade val="60000"/>
+      </a:schemeClr>
+    </dgm:linClrLst>
+    <dgm:effectClrLst/>
+    <dgm:txLinClrLst/>
+    <dgm:txFillClrLst meth="repeat">
+      <a:schemeClr val="tx1"/>
+    </dgm:txFillClrLst>
+    <dgm:txEffectClrLst/>
+  </dgm:styleLbl>
+  <dgm:styleLbl name="parChTrans1D3">
+    <dgm:fillClrLst meth="repeat">
+      <a:schemeClr val="accent1"/>
+    </dgm:fillClrLst>
+    <dgm:linClrLst meth="repeat">
+      <a:schemeClr val="accent1">
+        <a:shade val="80000"/>
+      </a:schemeClr>
+    </dgm:linClrLst>
+    <dgm:effectClrLst/>
+    <dgm:txLinClrLst/>
+    <dgm:txFillClrLst meth="repeat">
+      <a:schemeClr val="tx1"/>
+    </dgm:txFillClrLst>
+    <dgm:txEffectClrLst/>
+  </dgm:styleLbl>
+  <dgm:styleLbl name="parChTrans1D4">
+    <dgm:fillClrLst meth="repeat">
+      <a:schemeClr val="accent1"/>
+    </dgm:fillClrLst>
+    <dgm:linClrLst meth="repeat">
+      <a:schemeClr val="accent1">
+        <a:shade val="80000"/>
+      </a:schemeClr>
+    </dgm:linClrLst>
+    <dgm:effectClrLst/>
+    <dgm:txLinClrLst/>
+    <dgm:txFillClrLst meth="repeat">
+      <a:schemeClr val="tx1"/>
+    </dgm:txFillClrLst>
+    <dgm:txEffectClrLst/>
+  </dgm:styleLbl>
+  <dgm:styleLbl name="fgAcc1">
+    <dgm:fillClrLst meth="repeat">
+      <a:schemeClr val="lt1">
+        <a:alpha val="90000"/>
+      </a:schemeClr>
+    </dgm:fillClrLst>
+    <dgm:linClrLst meth="repeat">
+      <a:schemeClr val="accent1"/>
+    </dgm:linClrLst>
+    <dgm:effectClrLst/>
+    <dgm:txLinClrLst/>
+    <dgm:txFillClrLst meth="repeat">
+      <a:schemeClr val="dk1"/>
+    </dgm:txFillClrLst>
+    <dgm:txEffectClrLst/>
+  </dgm:styleLbl>
+  <dgm:styleLbl name="conFgAcc1">
+    <dgm:fillClrLst meth="repeat">
+      <a:schemeClr val="lt1">
+        <a:alpha val="90000"/>
+      </a:schemeClr>
+    </dgm:fillClrLst>
+    <dgm:linClrLst meth="repeat">
+      <a:schemeClr val="accent1"/>
+    </dgm:linClrLst>
+    <dgm:effectClrLst/>
+    <dgm:txLinClrLst/>
+    <dgm:txFillClrLst meth="repeat">
+      <a:schemeClr val="dk1"/>
+    </dgm:txFillClrLst>
+    <dgm:txEffectClrLst/>
+  </dgm:styleLbl>
+  <dgm:styleLbl name="alignAcc1">
+    <dgm:fillClrLst meth="repeat">
+      <a:schemeClr val="lt1">
+        <a:alpha val="90000"/>
+      </a:schemeClr>
+    </dgm:fillClrLst>
+    <dgm:linClrLst meth="repeat">
+      <a:schemeClr val="accent1"/>
+    </dgm:linClrLst>
+    <dgm:effectClrLst/>
+    <dgm:txLinClrLst/>
+    <dgm:txFillClrLst meth="repeat">
+      <a:schemeClr val="dk1"/>
+    </dgm:txFillClrLst>
+    <dgm:txEffectClrLst/>
+  </dgm:styleLbl>
+  <dgm:styleLbl name="trAlignAcc1">
+    <dgm:fillClrLst meth="repeat">
+      <a:schemeClr val="lt1">
+        <a:alpha val="40000"/>
+      </a:schemeClr>
+    </dgm:fillClrLst>
+    <dgm:linClrLst meth="repeat">
+      <a:schemeClr val="accent1"/>
+    </dgm:linClrLst>
+    <dgm:effectClrLst/>
+    <dgm:txLinClrLst/>
+    <dgm:txFillClrLst meth="repeat">
+      <a:schemeClr val="dk1"/>
+    </dgm:txFillClrLst>
+    <dgm:txEffectClrLst/>
+  </dgm:styleLbl>
+  <dgm:styleLbl name="bgAcc1">
+    <dgm:fillClrLst meth="repeat">
+      <a:schemeClr val="lt1">
+        <a:alpha val="90000"/>
+      </a:schemeClr>
+    </dgm:fillClrLst>
+    <dgm:linClrLst meth="repeat">
+      <a:schemeClr val="accent1"/>
+    </dgm:linClrLst>
+    <dgm:effectClrLst/>
+    <dgm:txLinClrLst/>
+    <dgm:txFillClrLst meth="repeat">
+      <a:schemeClr val="dk1"/>
+    </dgm:txFillClrLst>
+    <dgm:txEffectClrLst/>
+  </dgm:styleLbl>
+  <dgm:styleLbl name="solidFgAcc1">
+    <dgm:fillClrLst meth="repeat">
+      <a:schemeClr val="lt1"/>
+    </dgm:fillClrLst>
+    <dgm:linClrLst meth="repeat">
+      <a:schemeClr val="accent1"/>
+    </dgm:linClrLst>
+    <dgm:effectClrLst/>
+    <dgm:txLinClrLst/>
+    <dgm:txFillClrLst meth="repeat">
+      <a:schemeClr val="dk1"/>
+    </dgm:txFillClrLst>
+    <dgm:txEffectClrLst/>
+  </dgm:styleLbl>
+  <dgm:styleLbl name="solidAlignAcc1">
+    <dgm:fillClrLst meth="repeat">
+      <a:schemeClr val="lt1"/>
+    </dgm:fillClrLst>
+    <dgm:linClrLst meth="repeat">
+      <a:schemeClr val="accent1"/>
+    </dgm:linClrLst>
+    <dgm:effectClrLst/>
+    <dgm:txLinClrLst/>
+    <dgm:txFillClrLst meth="repeat">
+      <a:schemeClr val="dk1"/>
+    </dgm:txFillClrLst>
+    <dgm:txEffectClrLst/>
+  </dgm:styleLbl>
+  <dgm:styleLbl name="solidBgAcc1">
+    <dgm:fillClrLst meth="repeat">
+      <a:schemeClr val="lt1"/>
+    </dgm:fillClrLst>
+    <dgm:linClrLst meth="repeat">
+      <a:schemeClr val="accent1"/>
+    </dgm:linClrLst>
+    <dgm:effectClrLst/>
+    <dgm:txLinClrLst/>
+    <dgm:txFillClrLst meth="repeat">
+      <a:schemeClr val="dk1"/>
+    </dgm:txFillClrLst>
+    <dgm:txEffectClrLst/>
+  </dgm:styleLbl>
+  <dgm:styleLbl name="fgAccFollowNode1">
+    <dgm:fillClrLst meth="repeat">
+      <a:schemeClr val="accent1">
+        <a:alpha val="90000"/>
+        <a:tint val="40000"/>
+      </a:schemeClr>
+    </dgm:fillClrLst>
+    <dgm:linClrLst meth="repeat">
+      <a:schemeClr val="accent1">
+        <a:alpha val="90000"/>
+        <a:tint val="40000"/>
+      </a:schemeClr>
+    </dgm:linClrLst>
+    <dgm:effectClrLst/>
+    <dgm:txLinClrLst/>
+    <dgm:txFillClrLst meth="repeat">
+      <a:schemeClr val="dk1"/>
+    </dgm:txFillClrLst>
+    <dgm:txEffectClrLst/>
+  </dgm:styleLbl>
+  <dgm:styleLbl name="alignAccFollowNode1">
+    <dgm:fillClrLst meth="repeat">
+      <a:schemeClr val="accent1">
+        <a:alpha val="90000"/>
+        <a:tint val="40000"/>
+      </a:schemeClr>
+    </dgm:fillClrLst>
+    <dgm:linClrLst meth="repeat">
+      <a:schemeClr val="accent1">
+        <a:alpha val="90000"/>
+        <a:tint val="40000"/>
+      </a:schemeClr>
+    </dgm:linClrLst>
+    <dgm:effectClrLst/>
+    <dgm:txLinClrLst/>
+    <dgm:txFillClrLst meth="repeat">
+      <a:schemeClr val="dk1"/>
+    </dgm:txFillClrLst>
+    <dgm:txEffectClrLst/>
+  </dgm:styleLbl>
+  <dgm:styleLbl name="bgAccFollowNode1">
+    <dgm:fillClrLst meth="repeat">
+      <a:schemeClr val="accent1">
+        <a:alpha val="90000"/>
+        <a:tint val="40000"/>
+      </a:schemeClr>
+    </dgm:fillClrLst>
+    <dgm:linClrLst meth="repeat">
+      <a:schemeClr val="accent1">
+        <a:alpha val="90000"/>
+        <a:tint val="40000"/>
+      </a:schemeClr>
+    </dgm:linClrLst>
+    <dgm:effectClrLst/>
+    <dgm:txLinClrLst/>
+    <dgm:txFillClrLst meth="repeat">
+      <a:schemeClr val="dk1"/>
+    </dgm:txFillClrLst>
+    <dgm:txEffectClrLst/>
+  </dgm:styleLbl>
+  <dgm:styleLbl name="fgAcc0">
+    <dgm:fillClrLst meth="repeat">
+      <a:schemeClr val="lt1">
+        <a:alpha val="90000"/>
+      </a:schemeClr>
+    </dgm:fillClrLst>
+    <dgm:linClrLst meth="repeat">
+      <a:schemeClr val="accent1"/>
+    </dgm:linClrLst>
+    <dgm:effectClrLst/>
+    <dgm:txLinClrLst/>
+    <dgm:txFillClrLst meth="repeat">
+      <a:schemeClr val="dk1"/>
+    </dgm:txFillClrLst>
+    <dgm:txEffectClrLst/>
+  </dgm:styleLbl>
+  <dgm:styleLbl name="fgAcc2">
+    <dgm:fillClrLst meth="repeat">
+      <a:schemeClr val="lt1">
+        <a:alpha val="90000"/>
+      </a:schemeClr>
+    </dgm:fillClrLst>
+    <dgm:linClrLst meth="repeat">
+      <a:schemeClr val="accent1"/>
+    </dgm:linClrLst>
+    <dgm:effectClrLst/>
+    <dgm:txLinClrLst/>
+    <dgm:txFillClrLst meth="repeat">
+      <a:schemeClr val="dk1"/>
+    </dgm:txFillClrLst>
+    <dgm:txEffectClrLst/>
+  </dgm:styleLbl>
+  <dgm:styleLbl name="fgAcc3">
+    <dgm:fillClrLst meth="repeat">
+      <a:schemeClr val="lt1">
+        <a:alpha val="90000"/>
+      </a:schemeClr>
+    </dgm:fillClrLst>
+    <dgm:linClrLst meth="repeat">
+      <a:schemeClr val="accent1"/>
+    </dgm:linClrLst>
+    <dgm:effectClrLst/>
+    <dgm:txLinClrLst/>
+    <dgm:txFillClrLst meth="repeat">
+      <a:schemeClr val="dk1"/>
+    </dgm:txFillClrLst>
+    <dgm:txEffectClrLst/>
+  </dgm:styleLbl>
+  <dgm:styleLbl name="fgAcc4">
+    <dgm:fillClrLst meth="repeat">
+      <a:schemeClr val="lt1">
+        <a:alpha val="90000"/>
+      </a:schemeClr>
+    </dgm:fillClrLst>
+    <dgm:linClrLst meth="repeat">
+      <a:schemeClr val="accent1"/>
+    </dgm:linClrLst>
+    <dgm:effectClrLst/>
+    <dgm:txLinClrLst/>
+    <dgm:txFillClrLst meth="repeat">
+      <a:schemeClr val="dk1"/>
+    </dgm:txFillClrLst>
+    <dgm:txEffectClrLst/>
+  </dgm:styleLbl>
+  <dgm:styleLbl name="bgShp">
+    <dgm:fillClrLst meth="repeat">
+      <a:schemeClr val="accent1">
+        <a:tint val="40000"/>
+      </a:schemeClr>
+    </dgm:fillClrLst>
+    <dgm:linClrLst meth="repeat">
+      <a:schemeClr val="accent1"/>
+    </dgm:linClrLst>
+    <dgm:effectClrLst/>
+    <dgm:txLinClrLst/>
+    <dgm:txFillClrLst meth="repeat">
+      <a:schemeClr val="dk1"/>
+    </dgm:txFillClrLst>
+    <dgm:txEffectClrLst/>
+  </dgm:styleLbl>
+  <dgm:styleLbl name="dkBgShp">
+    <dgm:fillClrLst meth="repeat">
+      <a:schemeClr val="accent1">
+        <a:shade val="80000"/>
+      </a:schemeClr>
+    </dgm:fillClrLst>
+    <dgm:linClrLst meth="repeat">
+      <a:schemeClr val="accent1"/>
+    </dgm:linClrLst>
+    <dgm:effectClrLst/>
+    <dgm:txLinClrLst/>
+    <dgm:txFillClrLst meth="repeat">
+      <a:schemeClr val="lt1"/>
+    </dgm:txFillClrLst>
+    <dgm:txEffectClrLst/>
+  </dgm:styleLbl>
+  <dgm:styleLbl name="trBgShp">
+    <dgm:fillClrLst meth="repeat">
+      <a:schemeClr val="accent1">
+        <a:tint val="50000"/>
+        <a:alpha val="40000"/>
+      </a:schemeClr>
+    </dgm:fillClrLst>
+    <dgm:linClrLst meth="repeat">
+      <a:schemeClr val="accent1"/>
+    </dgm:linClrLst>
+    <dgm:effectClrLst/>
+    <dgm:txLinClrLst/>
+    <dgm:txFillClrLst meth="repeat">
+      <a:schemeClr val="lt1"/>
+    </dgm:txFillClrLst>
+    <dgm:txEffectClrLst/>
+  </dgm:styleLbl>
+  <dgm:styleLbl name="fgShp">
+    <dgm:fillClrLst meth="repeat">
+      <a:schemeClr val="accent1">
+        <a:tint val="60000"/>
+      </a:schemeClr>
+    </dgm:fillClrLst>
+    <dgm:linClrLst meth="repeat">
+      <a:schemeClr val="lt1"/>
+    </dgm:linClrLst>
+    <dgm:effectClrLst/>
+    <dgm:txLinClrLst/>
+    <dgm:txFillClrLst meth="repeat">
+      <a:schemeClr val="dk1"/>
+    </dgm:txFillClrLst>
+    <dgm:txEffectClrLst/>
+  </dgm:styleLbl>
+  <dgm:styleLbl name="revTx">
+    <dgm:fillClrLst meth="repeat">
+      <a:schemeClr val="lt1">
+        <a:alpha val="0"/>
+      </a:schemeClr>
+    </dgm:fillClrLst>
+    <dgm:linClrLst meth="repeat">
+      <a:schemeClr val="dk1">
+        <a:alpha val="0"/>
+      </a:schemeClr>
+    </dgm:linClrLst>
+    <dgm:effectClrLst/>
+    <dgm:txLinClrLst/>
+    <dgm:txFillClrLst meth="repeat">
+      <a:schemeClr val="tx1"/>
+    </dgm:txFillClrLst>
+    <dgm:txEffectClrLst/>
+  </dgm:styleLbl>
+</dgm:colorsDef>
+</file>
+
+<file path=ppt/diagrams/data1.xml><?xml version="1.0" encoding="utf-8"?>
+<dgm:dataModel xmlns:dgm="http://schemas.openxmlformats.org/drawingml/2006/diagram" xmlns:a="http://schemas.openxmlformats.org/drawingml/2006/main">
+  <dgm:ptLst>
+    <dgm:pt modelId="{8C620DA7-2C12-794D-B01F-0C74BE1B33DB}" type="doc">
+      <dgm:prSet loTypeId="urn:microsoft.com/office/officeart/2005/8/layout/default" loCatId="" qsTypeId="urn:microsoft.com/office/officeart/2005/8/quickstyle/simple4" qsCatId="simple" csTypeId="urn:microsoft.com/office/officeart/2005/8/colors/accent1_2" csCatId="accent1" phldr="1"/>
+      <dgm:spPr/>
+      <dgm:t>
+        <a:bodyPr/>
+        <a:lstStyle/>
+        <a:p>
+          <a:endParaRPr lang="en-US"/>
+        </a:p>
+      </dgm:t>
+    </dgm:pt>
+    <dgm:pt modelId="{47161A47-9225-434F-AA66-18A31F798373}">
+      <dgm:prSet phldrT="[Text]" custT="1"/>
+      <dgm:spPr/>
+      <dgm:t>
+        <a:bodyPr/>
+        <a:lstStyle/>
+        <a:p>
+          <a:r>
+            <a:rPr lang="en-US" sz="3200" dirty="0" err="1" smtClean="0">
+              <a:solidFill>
+                <a:srgbClr val="000002"/>
+              </a:solidFill>
+            </a:rPr>
+            <a:t>Background.java</a:t>
+          </a:r>
+          <a:endParaRPr lang="en-US" sz="3200" dirty="0">
+            <a:solidFill>
+              <a:srgbClr val="000002"/>
+            </a:solidFill>
+          </a:endParaRPr>
+        </a:p>
+      </dgm:t>
+    </dgm:pt>
+    <dgm:pt modelId="{77B2527A-1407-3743-AA38-5A686E6D6DAC}" type="parTrans" cxnId="{91E07CE0-EBA2-DB42-AA8E-CF2220CA666B}">
+      <dgm:prSet/>
+      <dgm:spPr/>
+      <dgm:t>
+        <a:bodyPr/>
+        <a:lstStyle/>
+        <a:p>
+          <a:endParaRPr lang="en-US"/>
+        </a:p>
+      </dgm:t>
+    </dgm:pt>
+    <dgm:pt modelId="{73A6376F-4BCB-2242-A2FC-231A096766E0}" type="sibTrans" cxnId="{91E07CE0-EBA2-DB42-AA8E-CF2220CA666B}">
+      <dgm:prSet/>
+      <dgm:spPr/>
+      <dgm:t>
+        <a:bodyPr/>
+        <a:lstStyle/>
+        <a:p>
+          <a:endParaRPr lang="en-US"/>
+        </a:p>
+      </dgm:t>
+    </dgm:pt>
+    <dgm:pt modelId="{AEFE64AD-3D8B-9D40-A029-808A4EE7B010}">
+      <dgm:prSet phldrT="[Text]"/>
+      <dgm:spPr/>
+      <dgm:t>
+        <a:bodyPr/>
+        <a:lstStyle/>
+        <a:p>
+          <a:r>
+            <a:rPr lang="en-US" dirty="0" err="1" smtClean="0">
+              <a:solidFill>
+                <a:srgbClr val="000002"/>
+              </a:solidFill>
+            </a:rPr>
+            <a:t>Background.java</a:t>
+          </a:r>
+          <a:endParaRPr lang="en-US" dirty="0">
+            <a:solidFill>
+              <a:srgbClr val="000002"/>
+            </a:solidFill>
+          </a:endParaRPr>
+        </a:p>
+      </dgm:t>
+    </dgm:pt>
+    <dgm:pt modelId="{AB63DAB2-4E9D-794F-80EA-552F21C4CCAA}" type="parTrans" cxnId="{8DD507A5-9D79-9546-95FD-C236CCE1A8D7}">
+      <dgm:prSet/>
+      <dgm:spPr/>
+      <dgm:t>
+        <a:bodyPr/>
+        <a:lstStyle/>
+        <a:p>
+          <a:endParaRPr lang="en-US"/>
+        </a:p>
+      </dgm:t>
+    </dgm:pt>
+    <dgm:pt modelId="{342336F8-022D-D54C-8D74-2E81FE62C616}" type="sibTrans" cxnId="{8DD507A5-9D79-9546-95FD-C236CCE1A8D7}">
+      <dgm:prSet/>
+      <dgm:spPr/>
+      <dgm:t>
+        <a:bodyPr/>
+        <a:lstStyle/>
+        <a:p>
+          <a:endParaRPr lang="en-US"/>
+        </a:p>
+      </dgm:t>
+    </dgm:pt>
+    <dgm:pt modelId="{2E2D49F5-5BC9-FB46-88DA-83EEA53E66B9}">
+      <dgm:prSet phldrT="[Text]"/>
+      <dgm:spPr/>
+      <dgm:t>
+        <a:bodyPr/>
+        <a:lstStyle/>
+        <a:p>
+          <a:r>
+            <a:rPr lang="en-US" dirty="0" err="1" smtClean="0">
+              <a:solidFill>
+                <a:srgbClr val="000002"/>
+              </a:solidFill>
+            </a:rPr>
+            <a:t>Game.java</a:t>
+          </a:r>
+          <a:endParaRPr lang="en-US" dirty="0">
+            <a:solidFill>
+              <a:srgbClr val="000002"/>
+            </a:solidFill>
+          </a:endParaRPr>
+        </a:p>
+      </dgm:t>
+    </dgm:pt>
+    <dgm:pt modelId="{8AD1DE9C-CDB3-9C45-AED9-B953410A0E24}" type="parTrans" cxnId="{9E08F86F-D652-8F4A-A228-B1ECA35967E0}">
+      <dgm:prSet/>
+      <dgm:spPr/>
+      <dgm:t>
+        <a:bodyPr/>
+        <a:lstStyle/>
+        <a:p>
+          <a:endParaRPr lang="en-US"/>
+        </a:p>
+      </dgm:t>
+    </dgm:pt>
+    <dgm:pt modelId="{9FE57DB7-514D-6247-8A3A-9EF3F643F9B1}" type="sibTrans" cxnId="{9E08F86F-D652-8F4A-A228-B1ECA35967E0}">
+      <dgm:prSet/>
+      <dgm:spPr/>
+      <dgm:t>
+        <a:bodyPr/>
+        <a:lstStyle/>
+        <a:p>
+          <a:endParaRPr lang="en-US"/>
+        </a:p>
+      </dgm:t>
+    </dgm:pt>
+    <dgm:pt modelId="{7E0F5CCF-041C-F548-97E8-47DAD6397DCF}">
+      <dgm:prSet phldrT="[Text]"/>
+      <dgm:spPr/>
+      <dgm:t>
+        <a:bodyPr/>
+        <a:lstStyle/>
+        <a:p>
+          <a:r>
+            <a:rPr lang="en-US" dirty="0" err="1" smtClean="0">
+              <a:solidFill>
+                <a:srgbClr val="000002"/>
+              </a:solidFill>
+            </a:rPr>
+            <a:t>Stalin.java</a:t>
+          </a:r>
+          <a:endParaRPr lang="en-US" dirty="0">
+            <a:solidFill>
+              <a:srgbClr val="000002"/>
+            </a:solidFill>
+          </a:endParaRPr>
+        </a:p>
+      </dgm:t>
+    </dgm:pt>
+    <dgm:pt modelId="{BE96FFEF-026A-5A4D-A315-959A96E74A96}" type="parTrans" cxnId="{968F8EBD-592A-2842-94B8-BD07BCA4D04E}">
+      <dgm:prSet/>
+      <dgm:spPr/>
+      <dgm:t>
+        <a:bodyPr/>
+        <a:lstStyle/>
+        <a:p>
+          <a:endParaRPr lang="en-US"/>
+        </a:p>
+      </dgm:t>
+    </dgm:pt>
+    <dgm:pt modelId="{20AAA324-D7A8-9B40-81DA-0CB7202C548A}" type="sibTrans" cxnId="{968F8EBD-592A-2842-94B8-BD07BCA4D04E}">
+      <dgm:prSet/>
+      <dgm:spPr/>
+      <dgm:t>
+        <a:bodyPr/>
+        <a:lstStyle/>
+        <a:p>
+          <a:endParaRPr lang="en-US"/>
+        </a:p>
+      </dgm:t>
+    </dgm:pt>
+    <dgm:pt modelId="{DAC25DBE-9206-294D-8BB4-2B941557E6C9}">
+      <dgm:prSet phldrT="[Text]"/>
+      <dgm:spPr/>
+      <dgm:t>
+        <a:bodyPr/>
+        <a:lstStyle/>
+        <a:p>
+          <a:r>
+            <a:rPr lang="en-US" dirty="0" err="1" smtClean="0">
+              <a:solidFill>
+                <a:srgbClr val="000002"/>
+              </a:solidFill>
+            </a:rPr>
+            <a:t>JPanel</a:t>
+          </a:r>
+          <a:r>
+            <a:rPr lang="en-US" dirty="0" smtClean="0">
+              <a:solidFill>
+                <a:srgbClr val="000002"/>
+              </a:solidFill>
+            </a:rPr>
+            <a:t>, </a:t>
+          </a:r>
+          <a:r>
+            <a:rPr lang="en-US" dirty="0" err="1" smtClean="0">
+              <a:solidFill>
+                <a:srgbClr val="000002"/>
+              </a:solidFill>
+            </a:rPr>
+            <a:t>ActionListener</a:t>
+          </a:r>
+          <a:r>
+            <a:rPr lang="en-US" dirty="0" smtClean="0">
+              <a:solidFill>
+                <a:srgbClr val="000002"/>
+              </a:solidFill>
+            </a:rPr>
+            <a:t>, </a:t>
+          </a:r>
+          <a:r>
+            <a:rPr lang="en-US" dirty="0" err="1" smtClean="0">
+              <a:solidFill>
+                <a:srgbClr val="000002"/>
+              </a:solidFill>
+            </a:rPr>
+            <a:t>MouseListener</a:t>
+          </a:r>
+          <a:endParaRPr lang="en-US" dirty="0">
+            <a:solidFill>
+              <a:srgbClr val="000002"/>
+            </a:solidFill>
+          </a:endParaRPr>
+        </a:p>
+      </dgm:t>
+    </dgm:pt>
+    <dgm:pt modelId="{FFF00C48-1D28-3342-95E4-3A06FD06C086}" type="parTrans" cxnId="{89286416-EC2E-6C40-983C-61BFC5B042AB}">
+      <dgm:prSet/>
+      <dgm:spPr/>
+      <dgm:t>
+        <a:bodyPr/>
+        <a:lstStyle/>
+        <a:p>
+          <a:endParaRPr lang="en-US"/>
+        </a:p>
+      </dgm:t>
+    </dgm:pt>
+    <dgm:pt modelId="{4B5CE98D-385B-EA47-8769-35F9D2C8267E}" type="sibTrans" cxnId="{89286416-EC2E-6C40-983C-61BFC5B042AB}">
+      <dgm:prSet/>
+      <dgm:spPr/>
+      <dgm:t>
+        <a:bodyPr/>
+        <a:lstStyle/>
+        <a:p>
+          <a:endParaRPr lang="en-US"/>
+        </a:p>
+      </dgm:t>
+    </dgm:pt>
+    <dgm:pt modelId="{3F47E291-1046-0D45-89A9-D89352BEBB5B}" type="pres">
+      <dgm:prSet presAssocID="{8C620DA7-2C12-794D-B01F-0C74BE1B33DB}" presName="diagram" presStyleCnt="0">
+        <dgm:presLayoutVars>
+          <dgm:dir/>
+          <dgm:resizeHandles val="exact"/>
+        </dgm:presLayoutVars>
+      </dgm:prSet>
+      <dgm:spPr/>
+    </dgm:pt>
+    <dgm:pt modelId="{D439D97D-4118-4B40-863B-B4A660D719FC}" type="pres">
+      <dgm:prSet presAssocID="{47161A47-9225-434F-AA66-18A31F798373}" presName="node" presStyleLbl="node1" presStyleIdx="0" presStyleCnt="5" custScaleX="57747" custScaleY="25822" custLinFactY="-939" custLinFactNeighborX="0" custLinFactNeighborY="-100000">
+        <dgm:presLayoutVars>
+          <dgm:bulletEnabled val="1"/>
+        </dgm:presLayoutVars>
+      </dgm:prSet>
+      <dgm:spPr/>
+      <dgm:t>
+        <a:bodyPr/>
+        <a:lstStyle/>
+        <a:p>
+          <a:endParaRPr lang="en-US"/>
+        </a:p>
+      </dgm:t>
+    </dgm:pt>
+    <dgm:pt modelId="{E646F014-B304-E548-820F-02B497D0E595}" type="pres">
+      <dgm:prSet presAssocID="{73A6376F-4BCB-2242-A2FC-231A096766E0}" presName="sibTrans" presStyleCnt="0"/>
+      <dgm:spPr/>
+    </dgm:pt>
+    <dgm:pt modelId="{0300182E-7333-1F49-938F-FFA3A9E5F799}" type="pres">
+      <dgm:prSet presAssocID="{AEFE64AD-3D8B-9D40-A029-808A4EE7B010}" presName="node" presStyleLbl="node1" presStyleIdx="1" presStyleCnt="5" custScaleX="57747" custScaleY="25822" custLinFactY="-939" custLinFactNeighborX="0" custLinFactNeighborY="-100000">
+        <dgm:presLayoutVars>
+          <dgm:bulletEnabled val="1"/>
+        </dgm:presLayoutVars>
+      </dgm:prSet>
+      <dgm:spPr/>
+    </dgm:pt>
+    <dgm:pt modelId="{DC571173-1D28-AC45-BC47-5E72888ECB19}" type="pres">
+      <dgm:prSet presAssocID="{342336F8-022D-D54C-8D74-2E81FE62C616}" presName="sibTrans" presStyleCnt="0"/>
+      <dgm:spPr/>
+    </dgm:pt>
+    <dgm:pt modelId="{4EA83997-DB78-D545-A427-6C8032B1DEF2}" type="pres">
+      <dgm:prSet presAssocID="{2E2D49F5-5BC9-FB46-88DA-83EEA53E66B9}" presName="node" presStyleLbl="node1" presStyleIdx="2" presStyleCnt="5" custScaleX="57747" custScaleY="25822" custLinFactNeighborX="22535" custLinFactNeighborY="-25432">
+        <dgm:presLayoutVars>
+          <dgm:bulletEnabled val="1"/>
+        </dgm:presLayoutVars>
+      </dgm:prSet>
+      <dgm:spPr/>
+    </dgm:pt>
+    <dgm:pt modelId="{C5B90BEA-A44D-2A40-A97D-0470AC7E7D83}" type="pres">
+      <dgm:prSet presAssocID="{9FE57DB7-514D-6247-8A3A-9EF3F643F9B1}" presName="sibTrans" presStyleCnt="0"/>
+      <dgm:spPr/>
+    </dgm:pt>
+    <dgm:pt modelId="{F9693215-31D5-3B4F-9465-A28F29478F15}" type="pres">
+      <dgm:prSet presAssocID="{7E0F5CCF-041C-F548-97E8-47DAD6397DCF}" presName="node" presStyleLbl="node1" presStyleIdx="3" presStyleCnt="5" custScaleX="57747" custScaleY="25822" custLinFactNeighborX="21127" custLinFactNeighborY="47102">
+        <dgm:presLayoutVars>
+          <dgm:bulletEnabled val="1"/>
+        </dgm:presLayoutVars>
+      </dgm:prSet>
+      <dgm:spPr/>
+    </dgm:pt>
+    <dgm:pt modelId="{A47B5530-945E-FB4E-8380-C2D3A38034D8}" type="pres">
+      <dgm:prSet presAssocID="{20AAA324-D7A8-9B40-81DA-0CB7202C548A}" presName="sibTrans" presStyleCnt="0"/>
+      <dgm:spPr/>
+    </dgm:pt>
+    <dgm:pt modelId="{14132242-5052-2745-9F5D-A16798AFBC85}" type="pres">
+      <dgm:prSet presAssocID="{DAC25DBE-9206-294D-8BB4-2B941557E6C9}" presName="node" presStyleLbl="node1" presStyleIdx="4" presStyleCnt="5" custScaleX="60564" custScaleY="59464" custLinFactNeighborX="-19718" custLinFactNeighborY="-73240">
+        <dgm:presLayoutVars>
+          <dgm:bulletEnabled val="1"/>
+        </dgm:presLayoutVars>
+      </dgm:prSet>
+      <dgm:spPr/>
+      <dgm:t>
+        <a:bodyPr/>
+        <a:lstStyle/>
+        <a:p>
+          <a:endParaRPr lang="en-US"/>
+        </a:p>
+      </dgm:t>
+    </dgm:pt>
+  </dgm:ptLst>
+  <dgm:cxnLst>
+    <dgm:cxn modelId="{2A0C7969-F6F6-6245-A863-1F593999FC49}" type="presOf" srcId="{AEFE64AD-3D8B-9D40-A029-808A4EE7B010}" destId="{0300182E-7333-1F49-938F-FFA3A9E5F799}" srcOrd="0" destOrd="0" presId="urn:microsoft.com/office/officeart/2005/8/layout/default"/>
+    <dgm:cxn modelId="{C0EE921A-61AC-8B49-8422-D70B38E7BF47}" type="presOf" srcId="{7E0F5CCF-041C-F548-97E8-47DAD6397DCF}" destId="{F9693215-31D5-3B4F-9465-A28F29478F15}" srcOrd="0" destOrd="0" presId="urn:microsoft.com/office/officeart/2005/8/layout/default"/>
+    <dgm:cxn modelId="{0C585ED6-A1F5-DD44-B1E4-AA30EFDF4AA3}" type="presOf" srcId="{8C620DA7-2C12-794D-B01F-0C74BE1B33DB}" destId="{3F47E291-1046-0D45-89A9-D89352BEBB5B}" srcOrd="0" destOrd="0" presId="urn:microsoft.com/office/officeart/2005/8/layout/default"/>
+    <dgm:cxn modelId="{8DD507A5-9D79-9546-95FD-C236CCE1A8D7}" srcId="{8C620DA7-2C12-794D-B01F-0C74BE1B33DB}" destId="{AEFE64AD-3D8B-9D40-A029-808A4EE7B010}" srcOrd="1" destOrd="0" parTransId="{AB63DAB2-4E9D-794F-80EA-552F21C4CCAA}" sibTransId="{342336F8-022D-D54C-8D74-2E81FE62C616}"/>
+    <dgm:cxn modelId="{91E07CE0-EBA2-DB42-AA8E-CF2220CA666B}" srcId="{8C620DA7-2C12-794D-B01F-0C74BE1B33DB}" destId="{47161A47-9225-434F-AA66-18A31F798373}" srcOrd="0" destOrd="0" parTransId="{77B2527A-1407-3743-AA38-5A686E6D6DAC}" sibTransId="{73A6376F-4BCB-2242-A2FC-231A096766E0}"/>
+    <dgm:cxn modelId="{89286416-EC2E-6C40-983C-61BFC5B042AB}" srcId="{8C620DA7-2C12-794D-B01F-0C74BE1B33DB}" destId="{DAC25DBE-9206-294D-8BB4-2B941557E6C9}" srcOrd="4" destOrd="0" parTransId="{FFF00C48-1D28-3342-95E4-3A06FD06C086}" sibTransId="{4B5CE98D-385B-EA47-8769-35F9D2C8267E}"/>
+    <dgm:cxn modelId="{4005C579-0833-DC4F-96D8-14B44291D9D4}" type="presOf" srcId="{DAC25DBE-9206-294D-8BB4-2B941557E6C9}" destId="{14132242-5052-2745-9F5D-A16798AFBC85}" srcOrd="0" destOrd="0" presId="urn:microsoft.com/office/officeart/2005/8/layout/default"/>
+    <dgm:cxn modelId="{351C4FA5-AEEC-724C-BDDC-BFD94C8F089B}" type="presOf" srcId="{47161A47-9225-434F-AA66-18A31F798373}" destId="{D439D97D-4118-4B40-863B-B4A660D719FC}" srcOrd="0" destOrd="0" presId="urn:microsoft.com/office/officeart/2005/8/layout/default"/>
+    <dgm:cxn modelId="{968F8EBD-592A-2842-94B8-BD07BCA4D04E}" srcId="{8C620DA7-2C12-794D-B01F-0C74BE1B33DB}" destId="{7E0F5CCF-041C-F548-97E8-47DAD6397DCF}" srcOrd="3" destOrd="0" parTransId="{BE96FFEF-026A-5A4D-A315-959A96E74A96}" sibTransId="{20AAA324-D7A8-9B40-81DA-0CB7202C548A}"/>
+    <dgm:cxn modelId="{E1489B24-57DF-8141-8D39-48C774C9ECED}" type="presOf" srcId="{2E2D49F5-5BC9-FB46-88DA-83EEA53E66B9}" destId="{4EA83997-DB78-D545-A427-6C8032B1DEF2}" srcOrd="0" destOrd="0" presId="urn:microsoft.com/office/officeart/2005/8/layout/default"/>
+    <dgm:cxn modelId="{9E08F86F-D652-8F4A-A228-B1ECA35967E0}" srcId="{8C620DA7-2C12-794D-B01F-0C74BE1B33DB}" destId="{2E2D49F5-5BC9-FB46-88DA-83EEA53E66B9}" srcOrd="2" destOrd="0" parTransId="{8AD1DE9C-CDB3-9C45-AED9-B953410A0E24}" sibTransId="{9FE57DB7-514D-6247-8A3A-9EF3F643F9B1}"/>
+    <dgm:cxn modelId="{202B4ABB-5043-8D47-9BC4-7318E17CB309}" type="presParOf" srcId="{3F47E291-1046-0D45-89A9-D89352BEBB5B}" destId="{D439D97D-4118-4B40-863B-B4A660D719FC}" srcOrd="0" destOrd="0" presId="urn:microsoft.com/office/officeart/2005/8/layout/default"/>
+    <dgm:cxn modelId="{40F89F09-3C0C-0A46-B7AE-B58CE6CE7A04}" type="presParOf" srcId="{3F47E291-1046-0D45-89A9-D89352BEBB5B}" destId="{E646F014-B304-E548-820F-02B497D0E595}" srcOrd="1" destOrd="0" presId="urn:microsoft.com/office/officeart/2005/8/layout/default"/>
+    <dgm:cxn modelId="{3C52D216-2FB2-C74B-A3A5-4E528D59985A}" type="presParOf" srcId="{3F47E291-1046-0D45-89A9-D89352BEBB5B}" destId="{0300182E-7333-1F49-938F-FFA3A9E5F799}" srcOrd="2" destOrd="0" presId="urn:microsoft.com/office/officeart/2005/8/layout/default"/>
+    <dgm:cxn modelId="{3F71EDB7-515F-2C4A-9651-B66AED9ECAEE}" type="presParOf" srcId="{3F47E291-1046-0D45-89A9-D89352BEBB5B}" destId="{DC571173-1D28-AC45-BC47-5E72888ECB19}" srcOrd="3" destOrd="0" presId="urn:microsoft.com/office/officeart/2005/8/layout/default"/>
+    <dgm:cxn modelId="{B056EA98-AA60-384D-A42D-01BA5C3D22CF}" type="presParOf" srcId="{3F47E291-1046-0D45-89A9-D89352BEBB5B}" destId="{4EA83997-DB78-D545-A427-6C8032B1DEF2}" srcOrd="4" destOrd="0" presId="urn:microsoft.com/office/officeart/2005/8/layout/default"/>
+    <dgm:cxn modelId="{4C28E413-C35B-DD47-9914-915009A0287E}" type="presParOf" srcId="{3F47E291-1046-0D45-89A9-D89352BEBB5B}" destId="{C5B90BEA-A44D-2A40-A97D-0470AC7E7D83}" srcOrd="5" destOrd="0" presId="urn:microsoft.com/office/officeart/2005/8/layout/default"/>
+    <dgm:cxn modelId="{BFA0A031-78B1-BA4B-83C6-DDDD7ED882D6}" type="presParOf" srcId="{3F47E291-1046-0D45-89A9-D89352BEBB5B}" destId="{F9693215-31D5-3B4F-9465-A28F29478F15}" srcOrd="6" destOrd="0" presId="urn:microsoft.com/office/officeart/2005/8/layout/default"/>
+    <dgm:cxn modelId="{DF50B0AF-D365-4D4F-9400-34D9AEBF9F37}" type="presParOf" srcId="{3F47E291-1046-0D45-89A9-D89352BEBB5B}" destId="{A47B5530-945E-FB4E-8380-C2D3A38034D8}" srcOrd="7" destOrd="0" presId="urn:microsoft.com/office/officeart/2005/8/layout/default"/>
+    <dgm:cxn modelId="{86759DF3-6128-134D-9B5B-6D65B022CEE6}" type="presParOf" srcId="{3F47E291-1046-0D45-89A9-D89352BEBB5B}" destId="{14132242-5052-2745-9F5D-A16798AFBC85}" srcOrd="8" destOrd="0" presId="urn:microsoft.com/office/officeart/2005/8/layout/default"/>
+  </dgm:cxnLst>
+  <dgm:bg/>
+  <dgm:whole/>
+  <dgm:extLst>
+    <a:ext uri="http://schemas.microsoft.com/office/drawing/2008/diagram">
+      <dsp:dataModelExt xmlns:dsp="http://schemas.microsoft.com/office/drawing/2008/diagram" relId="rId6" minVer="http://schemas.openxmlformats.org/drawingml/2006/diagram"/>
+    </a:ext>
+  </dgm:extLst>
+</dgm:dataModel>
+</file>
+
+<file path=ppt/diagrams/drawing1.xml><?xml version="1.0" encoding="utf-8"?>
+<dsp:drawing xmlns:dgm="http://schemas.openxmlformats.org/drawingml/2006/diagram" xmlns:dsp="http://schemas.microsoft.com/office/drawing/2008/diagram" xmlns:a="http://schemas.openxmlformats.org/drawingml/2006/main">
+  <dsp:spTree>
+    <dsp:nvGrpSpPr>
+      <dsp:cNvPr id="0" name=""/>
+      <dsp:cNvGrpSpPr/>
+    </dsp:nvGrpSpPr>
+    <dsp:grpSpPr/>
+    <dsp:sp modelId="{D439D97D-4118-4B40-863B-B4A660D719FC}">
+      <dsp:nvSpPr>
+        <dsp:cNvPr id="0" name=""/>
+        <dsp:cNvSpPr/>
+      </dsp:nvSpPr>
+      <dsp:spPr>
+        <a:xfrm>
+          <a:off x="1142985" y="0"/>
+          <a:ext cx="3124228" cy="838213"/>
+        </a:xfrm>
+        <a:prstGeom prst="rect">
+          <a:avLst/>
+        </a:prstGeom>
+        <a:solidFill>
+          <a:schemeClr val="accent1">
+            <a:hueOff val="0"/>
+            <a:satOff val="0"/>
+            <a:lumOff val="0"/>
+            <a:alphaOff val="0"/>
+          </a:schemeClr>
+        </a:solidFill>
+        <a:ln>
+          <a:noFill/>
+        </a:ln>
+        <a:effectLst>
+          <a:outerShdw blurRad="38100" dist="30000" dir="5400000" rotWithShape="0">
+            <a:srgbClr val="000000">
+              <a:alpha val="45000"/>
+            </a:srgbClr>
+          </a:outerShdw>
+        </a:effectLst>
+      </dsp:spPr>
+      <dsp:style>
+        <a:lnRef idx="0">
+          <a:scrgbClr r="0" g="0" b="0"/>
+        </a:lnRef>
+        <a:fillRef idx="3">
+          <a:scrgbClr r="0" g="0" b="0"/>
+        </a:fillRef>
+        <a:effectRef idx="2">
+          <a:scrgbClr r="0" g="0" b="0"/>
+        </a:effectRef>
+        <a:fontRef idx="minor">
+          <a:schemeClr val="lt1"/>
+        </a:fontRef>
+      </dsp:style>
+      <dsp:txBody>
+        <a:bodyPr spcFirstLastPara="0" vert="horz" wrap="square" lIns="121920" tIns="121920" rIns="121920" bIns="121920" numCol="1" spcCol="1270" anchor="ctr" anchorCtr="0">
+          <a:noAutofit/>
+        </a:bodyPr>
+        <a:lstStyle/>
+        <a:p>
+          <a:pPr lvl="0" algn="ctr" defTabSz="1422400">
+            <a:lnSpc>
+              <a:spcPct val="90000"/>
+            </a:lnSpc>
+            <a:spcBef>
+              <a:spcPct val="0"/>
+            </a:spcBef>
+            <a:spcAft>
+              <a:spcPct val="35000"/>
+            </a:spcAft>
+          </a:pPr>
+          <a:r>
+            <a:rPr lang="en-US" sz="3200" kern="1200" dirty="0" err="1" smtClean="0">
+              <a:solidFill>
+                <a:srgbClr val="000002"/>
+              </a:solidFill>
+            </a:rPr>
+            <a:t>Background.java</a:t>
+          </a:r>
+          <a:endParaRPr lang="en-US" sz="3200" kern="1200" dirty="0">
+            <a:solidFill>
+              <a:srgbClr val="000002"/>
+            </a:solidFill>
+          </a:endParaRPr>
+        </a:p>
+      </dsp:txBody>
+      <dsp:txXfrm>
+        <a:off x="1142985" y="0"/>
+        <a:ext cx="3124228" cy="838213"/>
+      </dsp:txXfrm>
+    </dsp:sp>
+    <dsp:sp modelId="{0300182E-7333-1F49-938F-FFA3A9E5F799}">
+      <dsp:nvSpPr>
+        <dsp:cNvPr id="0" name=""/>
+        <dsp:cNvSpPr/>
+      </dsp:nvSpPr>
+      <dsp:spPr>
+        <a:xfrm>
+          <a:off x="1142985" y="0"/>
+          <a:ext cx="3124228" cy="838213"/>
+        </a:xfrm>
+        <a:prstGeom prst="rect">
+          <a:avLst/>
+        </a:prstGeom>
+        <a:solidFill>
+          <a:schemeClr val="accent1">
+            <a:hueOff val="0"/>
+            <a:satOff val="0"/>
+            <a:lumOff val="0"/>
+            <a:alphaOff val="0"/>
+          </a:schemeClr>
+        </a:solidFill>
+        <a:ln>
+          <a:noFill/>
+        </a:ln>
+        <a:effectLst>
+          <a:outerShdw blurRad="38100" dist="30000" dir="5400000" rotWithShape="0">
+            <a:srgbClr val="000000">
+              <a:alpha val="45000"/>
+            </a:srgbClr>
+          </a:outerShdw>
+        </a:effectLst>
+      </dsp:spPr>
+      <dsp:style>
+        <a:lnRef idx="0">
+          <a:scrgbClr r="0" g="0" b="0"/>
+        </a:lnRef>
+        <a:fillRef idx="3">
+          <a:scrgbClr r="0" g="0" b="0"/>
+        </a:fillRef>
+        <a:effectRef idx="2">
+          <a:scrgbClr r="0" g="0" b="0"/>
+        </a:effectRef>
+        <a:fontRef idx="minor">
+          <a:schemeClr val="lt1"/>
+        </a:fontRef>
+      </dsp:style>
+      <dsp:txBody>
+        <a:bodyPr spcFirstLastPara="0" vert="horz" wrap="square" lIns="129540" tIns="129540" rIns="129540" bIns="129540" numCol="1" spcCol="1270" anchor="ctr" anchorCtr="0">
+          <a:noAutofit/>
+        </a:bodyPr>
+        <a:lstStyle/>
+        <a:p>
+          <a:pPr lvl="0" algn="ctr" defTabSz="1511300">
+            <a:lnSpc>
+              <a:spcPct val="90000"/>
+            </a:lnSpc>
+            <a:spcBef>
+              <a:spcPct val="0"/>
+            </a:spcBef>
+            <a:spcAft>
+              <a:spcPct val="35000"/>
+            </a:spcAft>
+          </a:pPr>
+          <a:r>
+            <a:rPr lang="en-US" sz="3400" kern="1200" dirty="0" err="1" smtClean="0">
+              <a:solidFill>
+                <a:srgbClr val="000002"/>
+              </a:solidFill>
+            </a:rPr>
+            <a:t>Background.java</a:t>
+          </a:r>
+          <a:endParaRPr lang="en-US" sz="3400" kern="1200" dirty="0">
+            <a:solidFill>
+              <a:srgbClr val="000002"/>
+            </a:solidFill>
+          </a:endParaRPr>
+        </a:p>
+      </dsp:txBody>
+      <dsp:txXfrm>
+        <a:off x="1142985" y="0"/>
+        <a:ext cx="3124228" cy="838213"/>
+      </dsp:txXfrm>
+    </dsp:sp>
+    <dsp:sp modelId="{4EA83997-DB78-D545-A427-6C8032B1DEF2}">
+      <dsp:nvSpPr>
+        <dsp:cNvPr id="0" name=""/>
+        <dsp:cNvSpPr/>
+      </dsp:nvSpPr>
+      <dsp:spPr>
+        <a:xfrm>
+          <a:off x="2285971" y="1981210"/>
+          <a:ext cx="3124228" cy="838213"/>
+        </a:xfrm>
+        <a:prstGeom prst="rect">
+          <a:avLst/>
+        </a:prstGeom>
+        <a:solidFill>
+          <a:schemeClr val="accent1">
+            <a:hueOff val="0"/>
+            <a:satOff val="0"/>
+            <a:lumOff val="0"/>
+            <a:alphaOff val="0"/>
+          </a:schemeClr>
+        </a:solidFill>
+        <a:ln>
+          <a:noFill/>
+        </a:ln>
+        <a:effectLst>
+          <a:outerShdw blurRad="38100" dist="30000" dir="5400000" rotWithShape="0">
+            <a:srgbClr val="000000">
+              <a:alpha val="45000"/>
+            </a:srgbClr>
+          </a:outerShdw>
+        </a:effectLst>
+      </dsp:spPr>
+      <dsp:style>
+        <a:lnRef idx="0">
+          <a:scrgbClr r="0" g="0" b="0"/>
+        </a:lnRef>
+        <a:fillRef idx="3">
+          <a:scrgbClr r="0" g="0" b="0"/>
+        </a:fillRef>
+        <a:effectRef idx="2">
+          <a:scrgbClr r="0" g="0" b="0"/>
+        </a:effectRef>
+        <a:fontRef idx="minor">
+          <a:schemeClr val="lt1"/>
+        </a:fontRef>
+      </dsp:style>
+      <dsp:txBody>
+        <a:bodyPr spcFirstLastPara="0" vert="horz" wrap="square" lIns="129540" tIns="129540" rIns="129540" bIns="129540" numCol="1" spcCol="1270" anchor="ctr" anchorCtr="0">
+          <a:noAutofit/>
+        </a:bodyPr>
+        <a:lstStyle/>
+        <a:p>
+          <a:pPr lvl="0" algn="ctr" defTabSz="1511300">
+            <a:lnSpc>
+              <a:spcPct val="90000"/>
+            </a:lnSpc>
+            <a:spcBef>
+              <a:spcPct val="0"/>
+            </a:spcBef>
+            <a:spcAft>
+              <a:spcPct val="35000"/>
+            </a:spcAft>
+          </a:pPr>
+          <a:r>
+            <a:rPr lang="en-US" sz="3400" kern="1200" dirty="0" err="1" smtClean="0">
+              <a:solidFill>
+                <a:srgbClr val="000002"/>
+              </a:solidFill>
+            </a:rPr>
+            <a:t>Game.java</a:t>
+          </a:r>
+          <a:endParaRPr lang="en-US" sz="3400" kern="1200" dirty="0">
+            <a:solidFill>
+              <a:srgbClr val="000002"/>
+            </a:solidFill>
+          </a:endParaRPr>
+        </a:p>
+      </dsp:txBody>
+      <dsp:txXfrm>
+        <a:off x="2285971" y="1981210"/>
+        <a:ext cx="3124228" cy="838213"/>
+      </dsp:txXfrm>
+    </dsp:sp>
+    <dsp:sp modelId="{F9693215-31D5-3B4F-9465-A28F29478F15}">
+      <dsp:nvSpPr>
+        <dsp:cNvPr id="0" name=""/>
+        <dsp:cNvSpPr/>
+      </dsp:nvSpPr>
+      <dsp:spPr>
+        <a:xfrm>
+          <a:off x="2285971" y="5714984"/>
+          <a:ext cx="3124228" cy="838213"/>
+        </a:xfrm>
+        <a:prstGeom prst="rect">
+          <a:avLst/>
+        </a:prstGeom>
+        <a:solidFill>
+          <a:schemeClr val="accent1">
+            <a:hueOff val="0"/>
+            <a:satOff val="0"/>
+            <a:lumOff val="0"/>
+            <a:alphaOff val="0"/>
+          </a:schemeClr>
+        </a:solidFill>
+        <a:ln>
+          <a:noFill/>
+        </a:ln>
+        <a:effectLst>
+          <a:outerShdw blurRad="38100" dist="30000" dir="5400000" rotWithShape="0">
+            <a:srgbClr val="000000">
+              <a:alpha val="45000"/>
+            </a:srgbClr>
+          </a:outerShdw>
+        </a:effectLst>
+      </dsp:spPr>
+      <dsp:style>
+        <a:lnRef idx="0">
+          <a:scrgbClr r="0" g="0" b="0"/>
+        </a:lnRef>
+        <a:fillRef idx="3">
+          <a:scrgbClr r="0" g="0" b="0"/>
+        </a:fillRef>
+        <a:effectRef idx="2">
+          <a:scrgbClr r="0" g="0" b="0"/>
+        </a:effectRef>
+        <a:fontRef idx="minor">
+          <a:schemeClr val="lt1"/>
+        </a:fontRef>
+      </dsp:style>
+      <dsp:txBody>
+        <a:bodyPr spcFirstLastPara="0" vert="horz" wrap="square" lIns="129540" tIns="129540" rIns="129540" bIns="129540" numCol="1" spcCol="1270" anchor="ctr" anchorCtr="0">
+          <a:noAutofit/>
+        </a:bodyPr>
+        <a:lstStyle/>
+        <a:p>
+          <a:pPr lvl="0" algn="ctr" defTabSz="1511300">
+            <a:lnSpc>
+              <a:spcPct val="90000"/>
+            </a:lnSpc>
+            <a:spcBef>
+              <a:spcPct val="0"/>
+            </a:spcBef>
+            <a:spcAft>
+              <a:spcPct val="35000"/>
+            </a:spcAft>
+          </a:pPr>
+          <a:r>
+            <a:rPr lang="en-US" sz="3400" kern="1200" dirty="0" err="1" smtClean="0">
+              <a:solidFill>
+                <a:srgbClr val="000002"/>
+              </a:solidFill>
+            </a:rPr>
+            <a:t>Stalin.java</a:t>
+          </a:r>
+          <a:endParaRPr lang="en-US" sz="3400" kern="1200" dirty="0">
+            <a:solidFill>
+              <a:srgbClr val="000002"/>
+            </a:solidFill>
+          </a:endParaRPr>
+        </a:p>
+      </dsp:txBody>
+      <dsp:txXfrm>
+        <a:off x="2285971" y="5714984"/>
+        <a:ext cx="3124228" cy="838213"/>
+      </dsp:txXfrm>
+    </dsp:sp>
+    <dsp:sp modelId="{14132242-5052-2745-9F5D-A16798AFBC85}">
+      <dsp:nvSpPr>
+        <dsp:cNvPr id="0" name=""/>
+        <dsp:cNvSpPr/>
+      </dsp:nvSpPr>
+      <dsp:spPr>
+        <a:xfrm>
+          <a:off x="0" y="3187771"/>
+          <a:ext cx="3276633" cy="1930272"/>
+        </a:xfrm>
+        <a:prstGeom prst="rect">
+          <a:avLst/>
+        </a:prstGeom>
+        <a:solidFill>
+          <a:schemeClr val="accent1">
+            <a:hueOff val="0"/>
+            <a:satOff val="0"/>
+            <a:lumOff val="0"/>
+            <a:alphaOff val="0"/>
+          </a:schemeClr>
+        </a:solidFill>
+        <a:ln>
+          <a:noFill/>
+        </a:ln>
+        <a:effectLst>
+          <a:outerShdw blurRad="38100" dist="30000" dir="5400000" rotWithShape="0">
+            <a:srgbClr val="000000">
+              <a:alpha val="45000"/>
+            </a:srgbClr>
+          </a:outerShdw>
+        </a:effectLst>
+      </dsp:spPr>
+      <dsp:style>
+        <a:lnRef idx="0">
+          <a:scrgbClr r="0" g="0" b="0"/>
+        </a:lnRef>
+        <a:fillRef idx="3">
+          <a:scrgbClr r="0" g="0" b="0"/>
+        </a:fillRef>
+        <a:effectRef idx="2">
+          <a:scrgbClr r="0" g="0" b="0"/>
+        </a:effectRef>
+        <a:fontRef idx="minor">
+          <a:schemeClr val="lt1"/>
+        </a:fontRef>
+      </dsp:style>
+      <dsp:txBody>
+        <a:bodyPr spcFirstLastPara="0" vert="horz" wrap="square" lIns="129540" tIns="129540" rIns="129540" bIns="129540" numCol="1" spcCol="1270" anchor="ctr" anchorCtr="0">
+          <a:noAutofit/>
+        </a:bodyPr>
+        <a:lstStyle/>
+        <a:p>
+          <a:pPr lvl="0" algn="ctr" defTabSz="1511300">
+            <a:lnSpc>
+              <a:spcPct val="90000"/>
+            </a:lnSpc>
+            <a:spcBef>
+              <a:spcPct val="0"/>
+            </a:spcBef>
+            <a:spcAft>
+              <a:spcPct val="35000"/>
+            </a:spcAft>
+          </a:pPr>
+          <a:r>
+            <a:rPr lang="en-US" sz="3400" kern="1200" dirty="0" err="1" smtClean="0">
+              <a:solidFill>
+                <a:srgbClr val="000002"/>
+              </a:solidFill>
+            </a:rPr>
+            <a:t>JPanel</a:t>
+          </a:r>
+          <a:r>
+            <a:rPr lang="en-US" sz="3400" kern="1200" dirty="0" smtClean="0">
+              <a:solidFill>
+                <a:srgbClr val="000002"/>
+              </a:solidFill>
+            </a:rPr>
+            <a:t>, </a:t>
+          </a:r>
+          <a:r>
+            <a:rPr lang="en-US" sz="3400" kern="1200" dirty="0" err="1" smtClean="0">
+              <a:solidFill>
+                <a:srgbClr val="000002"/>
+              </a:solidFill>
+            </a:rPr>
+            <a:t>ActionListener</a:t>
+          </a:r>
+          <a:r>
+            <a:rPr lang="en-US" sz="3400" kern="1200" dirty="0" smtClean="0">
+              <a:solidFill>
+                <a:srgbClr val="000002"/>
+              </a:solidFill>
+            </a:rPr>
+            <a:t>, </a:t>
+          </a:r>
+          <a:r>
+            <a:rPr lang="en-US" sz="3400" kern="1200" dirty="0" err="1" smtClean="0">
+              <a:solidFill>
+                <a:srgbClr val="000002"/>
+              </a:solidFill>
+            </a:rPr>
+            <a:t>MouseListener</a:t>
+          </a:r>
+          <a:endParaRPr lang="en-US" sz="3400" kern="1200" dirty="0">
+            <a:solidFill>
+              <a:srgbClr val="000002"/>
+            </a:solidFill>
+          </a:endParaRPr>
+        </a:p>
+      </dsp:txBody>
+      <dsp:txXfrm>
+        <a:off x="0" y="3187771"/>
+        <a:ext cx="3276633" cy="1930272"/>
+      </dsp:txXfrm>
+    </dsp:sp>
+  </dsp:spTree>
+</dsp:drawing>
+</file>
+
+<file path=ppt/diagrams/layout1.xml><?xml version="1.0" encoding="utf-8"?>
+<dgm:layoutDef xmlns:dgm="http://schemas.openxmlformats.org/drawingml/2006/diagram" xmlns:a="http://schemas.openxmlformats.org/drawingml/2006/main" uniqueId="urn:microsoft.com/office/officeart/2005/8/layout/default">
+  <dgm:title val=""/>
+  <dgm:desc val=""/>
+  <dgm:catLst>
+    <dgm:cat type="list" pri="400"/>
+  </dgm:catLst>
+  <dgm:sampData>
+    <dgm:dataModel>
+      <dgm:ptLst>
+        <dgm:pt modelId="0" type="doc"/>
+        <dgm:pt modelId="1">
+          <dgm:prSet phldr="1"/>
+        </dgm:pt>
+        <dgm:pt modelId="2">
+          <dgm:prSet phldr="1"/>
+        </dgm:pt>
+        <dgm:pt modelId="3">
+          <dgm:prSet phldr="1"/>
+        </dgm:pt>
+        <dgm:pt modelId="4">
+          <dgm:prSet phldr="1"/>
+        </dgm:pt>
+        <dgm:pt modelId="5">
+          <dgm:prSet phldr="1"/>
+        </dgm:pt>
+      </dgm:ptLst>
+      <dgm:cxnLst>
+        <dgm:cxn modelId="6" srcId="0" destId="1" srcOrd="0" destOrd="0"/>
+        <dgm:cxn modelId="7" srcId="0" destId="2" srcOrd="1" destOrd="0"/>
+        <dgm:cxn modelId="8" srcId="0" destId="3" srcOrd="2" destOrd="0"/>
+        <dgm:cxn modelId="9" srcId="0" destId="4" srcOrd="3" destOrd="0"/>
+        <dgm:cxn modelId="10" srcId="0" destId="5" srcOrd="4" destOrd="0"/>
+      </dgm:cxnLst>
+      <dgm:bg/>
+      <dgm:whole/>
+    </dgm:dataModel>
+  </dgm:sampData>
+  <dgm:styleData>
+    <dgm:dataModel>
+      <dgm:ptLst>
+        <dgm:pt modelId="0" type="doc"/>
+        <dgm:pt modelId="1"/>
+        <dgm:pt modelId="2"/>
+      </dgm:ptLst>
+      <dgm:cxnLst>
+        <dgm:cxn modelId="3" srcId="0" destId="1" srcOrd="0" destOrd="0"/>
+        <dgm:cxn modelId="4" srcId="0" destId="2" srcOrd="1" destOrd="0"/>
+      </dgm:cxnLst>
+      <dgm:bg/>
+      <dgm:whole/>
+    </dgm:dataModel>
+  </dgm:styleData>
+  <dgm:clrData>
+    <dgm:dataModel>
+      <dgm:ptLst>
+        <dgm:pt modelId="0" type="doc"/>
+        <dgm:pt modelId="1"/>
+        <dgm:pt modelId="2"/>
+        <dgm:pt modelId="3"/>
+        <dgm:pt modelId="4"/>
+        <dgm:pt modelId="5"/>
+        <dgm:pt modelId="6"/>
+      </dgm:ptLst>
+      <dgm:cxnLst>
+        <dgm:cxn modelId="7" srcId="0" destId="1" srcOrd="0" destOrd="0"/>
+        <dgm:cxn modelId="8" srcId="0" destId="2" srcOrd="1" destOrd="0"/>
+        <dgm:cxn modelId="9" srcId="0" destId="3" srcOrd="2" destOrd="0"/>
+        <dgm:cxn modelId="10" srcId="0" destId="4" srcOrd="3" destOrd="0"/>
+        <dgm:cxn modelId="11" srcId="0" destId="5" srcOrd="4" destOrd="0"/>
+        <dgm:cxn modelId="12" srcId="0" destId="6" srcOrd="5" destOrd="0"/>
+      </dgm:cxnLst>
+      <dgm:bg/>
+      <dgm:whole/>
+    </dgm:dataModel>
+  </dgm:clrData>
+  <dgm:layoutNode name="diagram">
+    <dgm:varLst>
+      <dgm:dir/>
+      <dgm:resizeHandles val="exact"/>
+    </dgm:varLst>
+    <dgm:choose name="Name0">
+      <dgm:if name="Name1" func="var" arg="dir" op="equ" val="norm">
+        <dgm:alg type="snake">
+          <dgm:param type="grDir" val="tL"/>
+          <dgm:param type="flowDir" val="row"/>
+          <dgm:param type="contDir" val="sameDir"/>
+          <dgm:param type="off" val="ctr"/>
+        </dgm:alg>
+      </dgm:if>
+      <dgm:else name="Name2">
+        <dgm:alg type="snake">
+          <dgm:param type="grDir" val="tR"/>
+          <dgm:param type="flowDir" val="row"/>
+          <dgm:param type="contDir" val="sameDir"/>
+          <dgm:param type="off" val="ctr"/>
+        </dgm:alg>
+      </dgm:else>
+    </dgm:choose>
+    <dgm:shape xmlns:r="http://schemas.openxmlformats.org/officeDocument/2006/relationships" r:blip="">
+      <dgm:adjLst/>
+    </dgm:shape>
+    <dgm:presOf/>
+    <dgm:constrLst>
+      <dgm:constr type="w" for="ch" forName="node" refType="w"/>
+      <dgm:constr type="h" for="ch" forName="node" refType="w" refFor="ch" refForName="node" fact="0.6"/>
+      <dgm:constr type="w" for="ch" forName="sibTrans" refType="w" refFor="ch" refForName="node" fact="0.1"/>
+      <dgm:constr type="sp" refType="w" refFor="ch" refForName="sibTrans"/>
+      <dgm:constr type="primFontSz" for="ch" forName="node" op="equ" val="65"/>
+    </dgm:constrLst>
+    <dgm:ruleLst/>
+    <dgm:forEach name="Name3" axis="ch" ptType="node">
+      <dgm:layoutNode name="node">
+        <dgm:varLst>
+          <dgm:bulletEnabled val="1"/>
+        </dgm:varLst>
+        <dgm:alg type="tx"/>
+        <dgm:shape xmlns:r="http://schemas.openxmlformats.org/officeDocument/2006/relationships" type="rect" r:blip="">
+          <dgm:adjLst/>
+        </dgm:shape>
+        <dgm:presOf axis="desOrSelf" ptType="node"/>
+        <dgm:constrLst>
+          <dgm:constr type="lMarg" refType="primFontSz" fact="0.3"/>
+          <dgm:constr type="rMarg" refType="primFontSz" fact="0.3"/>
+          <dgm:constr type="tMarg" refType="primFontSz" fact="0.3"/>
+          <dgm:constr type="bMarg" refType="primFontSz" fact="0.3"/>
+        </dgm:constrLst>
+        <dgm:ruleLst>
+          <dgm:rule type="primFontSz" val="5" fact="NaN" max="NaN"/>
+        </dgm:ruleLst>
+      </dgm:layoutNode>
+      <dgm:forEach name="Name4" axis="followSib" ptType="sibTrans" cnt="1">
+        <dgm:layoutNode name="sibTrans">
+          <dgm:alg type="sp"/>
+          <dgm:shape xmlns:r="http://schemas.openxmlformats.org/officeDocument/2006/relationships" r:blip="">
+            <dgm:adjLst/>
+          </dgm:shape>
+          <dgm:presOf/>
+          <dgm:constrLst/>
+          <dgm:ruleLst/>
+        </dgm:layoutNode>
+      </dgm:forEach>
+    </dgm:forEach>
+  </dgm:layoutNode>
+</dgm:layoutDef>
+</file>
+
+<file path=ppt/diagrams/quickStyle1.xml><?xml version="1.0" encoding="utf-8"?>
+<dgm:styleDef xmlns:dgm="http://schemas.openxmlformats.org/drawingml/2006/diagram" xmlns:a="http://schemas.openxmlformats.org/drawingml/2006/main" uniqueId="urn:microsoft.com/office/officeart/2005/8/quickstyle/simple4">
+  <dgm:title val=""/>
+  <dgm:desc val=""/>
+  <dgm:catLst>
+    <dgm:cat type="simple" pri="10400"/>
+  </dgm:catLst>
+  <dgm:scene3d>
+    <a:camera prst="orthographicFront"/>
+    <a:lightRig rig="threePt" dir="t"/>
+  </dgm:scene3d>
+  <dgm:styleLbl name="node0">
+    <dgm:scene3d>
+      <a:camera prst="orthographicFront"/>
+      <a:lightRig rig="threePt" dir="t"/>
+    </dgm:scene3d>
+    <dgm:sp3d/>
+    <dgm:txPr/>
+    <dgm:style>
+      <a:lnRef idx="0">
+        <a:scrgbClr r="0" g="0" b="0"/>
+      </a:lnRef>
+      <a:fillRef idx="3">
+        <a:scrgbClr r="0" g="0" b="0"/>
+      </a:fillRef>
+      <a:effectRef idx="2">
+        <a:scrgbClr r="0" g="0" b="0"/>
+      </a:effectRef>
+      <a:fontRef idx="minor">
+        <a:schemeClr val="lt1"/>
+      </a:fontRef>
+    </dgm:style>
+  </dgm:styleLbl>
+  <dgm:styleLbl name="lnNode1">
+    <dgm:scene3d>
+      <a:camera prst="orthographicFront"/>
+      <a:lightRig rig="threePt" dir="t"/>
+    </dgm:scene3d>
+    <dgm:sp3d/>
+    <dgm:txPr/>
+    <dgm:style>
+      <a:lnRef idx="1">
+        <a:scrgbClr r="0" g="0" b="0"/>
+      </a:lnRef>
+      <a:fillRef idx="3">
+        <a:scrgbClr r="0" g="0" b="0"/>
+      </a:fillRef>
+      <a:effectRef idx="2">
+        <a:scrgbClr r="0" g="0" b="0"/>
+      </a:effectRef>
+      <a:fontRef idx="minor">
+        <a:schemeClr val="lt1"/>
+      </a:fontRef>
+    </dgm:style>
+  </dgm:styleLbl>
+  <dgm:styleLbl name="vennNode1">
+    <dgm:scene3d>
+      <a:camera prst="orthographicFront"/>
+      <a:lightRig rig="threePt" dir="t"/>
+    </dgm:scene3d>
+    <dgm:sp3d/>
+    <dgm:txPr/>
+    <dgm:style>
+      <a:lnRef idx="0">
+        <a:scrgbClr r="0" g="0" b="0"/>
+      </a:lnRef>
+      <a:fillRef idx="3">
+        <a:scrgbClr r="0" g="0" b="0"/>
+      </a:fillRef>
+      <a:effectRef idx="0">
+        <a:scrgbClr r="0" g="0" b="0"/>
+      </a:effectRef>
+      <a:fontRef idx="minor">
+        <a:schemeClr val="tx1"/>
+      </a:fontRef>
+    </dgm:style>
+  </dgm:styleLbl>
+  <dgm:styleLbl name="alignNode1">
+    <dgm:scene3d>
+      <a:camera prst="orthographicFront"/>
+      <a:lightRig rig="threePt" dir="t"/>
+    </dgm:scene3d>
+    <dgm:sp3d/>
+    <dgm:txPr/>
+    <dgm:style>
+      <a:lnRef idx="1">
+        <a:scrgbClr r="0" g="0" b="0"/>
+      </a:lnRef>
+      <a:fillRef idx="3">
+        <a:scrgbClr r="0" g="0" b="0"/>
+      </a:fillRef>
+      <a:effectRef idx="2">
+        <a:scrgbClr r="0" g="0" b="0"/>
+      </a:effectRef>
+      <a:fontRef idx="minor">
+        <a:schemeClr val="lt1"/>
+      </a:fontRef>
+    </dgm:style>
+  </dgm:styleLbl>
+  <dgm:styleLbl name="node1">
+    <dgm:scene3d>
+      <a:camera prst="orthographicFront"/>
+      <a:lightRig rig="threePt" dir="t"/>
+    </dgm:scene3d>
+    <dgm:sp3d/>
+    <dgm:txPr/>
+    <dgm:style>
+      <a:lnRef idx="0">
+        <a:scrgbClr r="0" g="0" b="0"/>
+      </a:lnRef>
+      <a:fillRef idx="3">
+        <a:scrgbClr r="0" g="0" b="0"/>
+      </a:fillRef>
+      <a:effectRef idx="2">
+        <a:scrgbClr r="0" g="0" b="0"/>
+      </a:effectRef>
+      <a:fontRef idx="minor">
+        <a:schemeClr val="lt1"/>
+      </a:fontRef>
+    </dgm:style>
+  </dgm:styleLbl>
+  <dgm:styleLbl name="node2">
+    <dgm:scene3d>
+      <a:camera prst="orthographicFront"/>
+      <a:lightRig rig="threePt" dir="t"/>
+    </dgm:scene3d>
+    <dgm:sp3d/>
+    <dgm:txPr/>
+    <dgm:style>
+      <a:lnRef idx="0">
+        <a:scrgbClr r="0" g="0" b="0"/>
+      </a:lnRef>
+      <a:fillRef idx="3">
+        <a:scrgbClr r="0" g="0" b="0"/>
+      </a:fillRef>
+      <a:effectRef idx="2">
+        <a:scrgbClr r="0" g="0" b="0"/>
+      </a:effectRef>
+      <a:fontRef idx="minor">
+        <a:schemeClr val="lt1"/>
+      </a:fontRef>
+    </dgm:style>
+  </dgm:styleLbl>
+  <dgm:styleLbl name="node3">
+    <dgm:scene3d>
+      <a:camera prst="orthographicFront"/>
+      <a:lightRig rig="threePt" dir="t"/>
+    </dgm:scene3d>
+    <dgm:sp3d/>
+    <dgm:txPr/>
+    <dgm:style>
+      <a:lnRef idx="0">
+        <a:scrgbClr r="0" g="0" b="0"/>
+      </a:lnRef>
+      <a:fillRef idx="3">
+        <a:scrgbClr r="0" g="0" b="0"/>
+      </a:fillRef>
+      <a:effectRef idx="2">
+        <a:scrgbClr r="0" g="0" b="0"/>
+      </a:effectRef>
+      <a:fontRef idx="minor">
+        <a:schemeClr val="lt1"/>
+      </a:fontRef>
+    </dgm:style>
+  </dgm:styleLbl>
+  <dgm:styleLbl name="node4">
+    <dgm:scene3d>
+      <a:camera prst="orthographicFront"/>
+      <a:lightRig rig="threePt" dir="t"/>
+    </dgm:scene3d>
+    <dgm:sp3d/>
+    <dgm:txPr/>
+    <dgm:style>
+      <a:lnRef idx="0">
+        <a:scrgbClr r="0" g="0" b="0"/>
+      </a:lnRef>
+      <a:fillRef idx="3">
+        <a:scrgbClr r="0" g="0" b="0"/>
+      </a:fillRef>
+      <a:effectRef idx="2">
+        <a:scrgbClr r="0" g="0" b="0"/>
+      </a:effectRef>
+      <a:fontRef idx="minor">
+        <a:schemeClr val="lt1"/>
+      </a:fontRef>
+    </dgm:style>
+  </dgm:styleLbl>
+  <dgm:styleLbl name="fgImgPlace1">
+    <dgm:scene3d>
+      <a:camera prst="orthographicFront"/>
+      <a:lightRig rig="threePt" dir="t"/>
+    </dgm:scene3d>
+    <dgm:sp3d/>
+    <dgm:txPr/>
+    <dgm:style>
+      <a:lnRef idx="0">
+        <a:scrgbClr r="0" g="0" b="0"/>
+      </a:lnRef>
+      <a:fillRef idx="1">
+        <a:scrgbClr r="0" g="0" b="0"/>
+      </a:fillRef>
+      <a:effectRef idx="2">
+        <a:scrgbClr r="0" g="0" b="0"/>
+      </a:effectRef>
+      <a:fontRef idx="minor"/>
+    </dgm:style>
+  </dgm:styleLbl>
+  <dgm:styleLbl name="alignImgPlace1">
+    <dgm:scene3d>
+      <a:camera prst="orthographicFront"/>
+      <a:lightRig rig="threePt" dir="t"/>
+    </dgm:scene3d>
+    <dgm:sp3d/>
+    <dgm:txPr/>
+    <dgm:style>
+      <a:lnRef idx="0">
+        <a:scrgbClr r="0" g="0" b="0"/>
+      </a:lnRef>
+      <a:fillRef idx="1">
+        <a:scrgbClr r="0" g="0" b="0"/>
+      </a:fillRef>
+      <a:effectRef idx="2">
+        <a:scrgbClr r="0" g="0" b="0"/>
+      </a:effectRef>
+      <a:fontRef idx="minor"/>
+    </dgm:style>
+  </dgm:styleLbl>
+  <dgm:styleLbl name="bgImgPlace1">
+    <dgm:scene3d>
+      <a:camera prst="orthographicFront"/>
+      <a:lightRig rig="threePt" dir="t"/>
+    </dgm:scene3d>
+    <dgm:sp3d/>
+    <dgm:txPr/>
+    <dgm:style>
+      <a:lnRef idx="0">
+        <a:scrgbClr r="0" g="0" b="0"/>
+      </a:lnRef>
+      <a:fillRef idx="1">
+        <a:scrgbClr r="0" g="0" b="0"/>
+      </a:fillRef>
+      <a:effectRef idx="2">
+        <a:scrgbClr r="0" g="0" b="0"/>
+      </a:effectRef>
+      <a:fontRef idx="minor"/>
+    </dgm:style>
+  </dgm:styleLbl>
+  <dgm:styleLbl name="sibTrans2D1">
+    <dgm:scene3d>
+      <a:camera prst="orthographicFront"/>
+      <a:lightRig rig="threePt" dir="t"/>
+    </dgm:scene3d>
+    <dgm:sp3d/>
+    <dgm:txPr/>
+    <dgm:style>
+      <a:lnRef idx="0">
+        <a:scrgbClr r="0" g="0" b="0"/>
+      </a:lnRef>
+      <a:fillRef idx="3">
+        <a:scrgbClr r="0" g="0" b="0"/>
+      </a:fillRef>
+      <a:effectRef idx="2">
+        <a:scrgbClr r="0" g="0" b="0"/>
+      </a:effectRef>
+      <a:fontRef idx="minor">
+        <a:schemeClr val="lt1"/>
+      </a:fontRef>
+    </dgm:style>
+  </dgm:styleLbl>
+  <dgm:styleLbl name="fgSibTrans2D1">
+    <dgm:scene3d>
+      <a:camera prst="orthographicFront"/>
+      <a:lightRig rig="threePt" dir="t"/>
+    </dgm:scene3d>
+    <dgm:sp3d/>
+    <dgm:txPr/>
+    <dgm:style>
+      <a:lnRef idx="0">
+        <a:scrgbClr r="0" g="0" b="0"/>
+      </a:lnRef>
+      <a:fillRef idx="3">
+        <a:scrgbClr r="0" g="0" b="0"/>
+      </a:fillRef>
+      <a:effectRef idx="2">
+        <a:scrgbClr r="0" g="0" b="0"/>
+      </a:effectRef>
+      <a:fontRef idx="minor">
+        <a:schemeClr val="lt1"/>
+      </a:fontRef>
+    </dgm:style>
+  </dgm:styleLbl>
+  <dgm:styleLbl name="bgSibTrans2D1">
+    <dgm:scene3d>
+      <a:camera prst="orthographicFront"/>
+      <a:lightRig rig="threePt" dir="t"/>
+    </dgm:scene3d>
+    <dgm:sp3d/>
+    <dgm:txPr/>
+    <dgm:style>
+      <a:lnRef idx="0">
+        <a:scrgbClr r="0" g="0" b="0"/>
+      </a:lnRef>
+      <a:fillRef idx="3">
+        <a:scrgbClr r="0" g="0" b="0"/>
+      </a:fillRef>
+      <a:effectRef idx="2">
+        <a:scrgbClr r="0" g="0" b="0"/>
+      </a:effectRef>
+      <a:fontRef idx="minor">
+        <a:schemeClr val="lt1"/>
+      </a:fontRef>
+    </dgm:style>
+  </dgm:styleLbl>
+  <dgm:styleLbl name="sibTrans1D1">
+    <dgm:scene3d>
+      <a:camera prst="orthographicFront"/>
+      <a:lightRig rig="threePt" dir="t"/>
+    </dgm:scene3d>
+    <dgm:sp3d/>
+    <dgm:txPr/>
+    <dgm:style>
+      <a:lnRef idx="1">
+        <a:scrgbClr r="0" g="0" b="0"/>
+      </a:lnRef>
+      <a:fillRef idx="0">
+        <a:scrgbClr r="0" g="0" b="0"/>
+      </a:fillRef>
+      <a:effectRef idx="0">
+        <a:scrgbClr r="0" g="0" b="0"/>
+      </a:effectRef>
+      <a:fontRef idx="minor"/>
+    </dgm:style>
+  </dgm:styleLbl>
+  <dgm:styleLbl name="callout">
+    <dgm:scene3d>
+      <a:camera prst="orthographicFront"/>
+      <a:lightRig rig="threePt" dir="t"/>
+    </dgm:scene3d>
+    <dgm:sp3d/>
+    <dgm:txPr/>
+    <dgm:style>
+      <a:lnRef idx="2">
+        <a:scrgbClr r="0" g="0" b="0"/>
+      </a:lnRef>
+      <a:fillRef idx="1">
+        <a:scrgbClr r="0" g="0" b="0"/>
+      </a:fillRef>
+      <a:effectRef idx="1">
+        <a:scrgbClr r="0" g="0" b="0"/>
+      </a:effectRef>
+      <a:fontRef idx="minor"/>
+    </dgm:style>
+  </dgm:styleLbl>
+  <dgm:styleLbl name="asst0">
+    <dgm:scene3d>
+      <a:camera prst="orthographicFront"/>
+      <a:lightRig rig="threePt" dir="t"/>
+    </dgm:scene3d>
+    <dgm:sp3d/>
+    <dgm:txPr/>
+    <dgm:style>
+      <a:lnRef idx="0">
+        <a:scrgbClr r="0" g="0" b="0"/>
+      </a:lnRef>
+      <a:fillRef idx="3">
+        <a:scrgbClr r="0" g="0" b="0"/>
+      </a:fillRef>
+      <a:effectRef idx="2">
+        <a:scrgbClr r="0" g="0" b="0"/>
+      </a:effectRef>
+      <a:fontRef idx="minor">
+        <a:schemeClr val="lt1"/>
+      </a:fontRef>
+    </dgm:style>
+  </dgm:styleLbl>
+  <dgm:styleLbl name="asst1">
+    <dgm:scene3d>
+      <a:camera prst="orthographicFront"/>
+      <a:lightRig rig="threePt" dir="t"/>
+    </dgm:scene3d>
+    <dgm:sp3d/>
+    <dgm:txPr/>
+    <dgm:style>
+      <a:lnRef idx="0">
+        <a:scrgbClr r="0" g="0" b="0"/>
+      </a:lnRef>
+      <a:fillRef idx="3">
+        <a:scrgbClr r="0" g="0" b="0"/>
+      </a:fillRef>
+      <a:effectRef idx="2">
+        <a:scrgbClr r="0" g="0" b="0"/>
+      </a:effectRef>
+      <a:fontRef idx="minor">
+        <a:schemeClr val="lt1"/>
+      </a:fontRef>
+    </dgm:style>
+  </dgm:styleLbl>
+  <dgm:styleLbl name="asst2">
+    <dgm:scene3d>
+      <a:camera prst="orthographicFront"/>
+      <a:lightRig rig="threePt" dir="t"/>
+    </dgm:scene3d>
+    <dgm:sp3d/>
+    <dgm:txPr/>
+    <dgm:style>
+      <a:lnRef idx="0">
+        <a:scrgbClr r="0" g="0" b="0"/>
+      </a:lnRef>
+      <a:fillRef idx="3">
+        <a:scrgbClr r="0" g="0" b="0"/>
+      </a:fillRef>
+      <a:effectRef idx="2">
+        <a:scrgbClr r="0" g="0" b="0"/>
+      </a:effectRef>
+      <a:fontRef idx="minor">
+        <a:schemeClr val="lt1"/>
+      </a:fontRef>
+    </dgm:style>
+  </dgm:styleLbl>
+  <dgm:styleLbl name="asst3">
+    <dgm:scene3d>
+      <a:camera prst="orthographicFront"/>
+      <a:lightRig rig="threePt" dir="t"/>
+    </dgm:scene3d>
+    <dgm:sp3d/>
+    <dgm:txPr/>
+    <dgm:style>
+      <a:lnRef idx="0">
+        <a:scrgbClr r="0" g="0" b="0"/>
+      </a:lnRef>
+      <a:fillRef idx="3">
+        <a:scrgbClr r="0" g="0" b="0"/>
+      </a:fillRef>
+      <a:effectRef idx="2">
+        <a:scrgbClr r="0" g="0" b="0"/>
+      </a:effectRef>
+      <a:fontRef idx="minor">
+        <a:schemeClr val="lt1"/>
+      </a:fontRef>
+    </dgm:style>
+  </dgm:styleLbl>
+  <dgm:styleLbl name="asst4">
+    <dgm:scene3d>
+      <a:camera prst="orthographicFront"/>
+      <a:lightRig rig="threePt" dir="t"/>
+    </dgm:scene3d>
+    <dgm:sp3d/>
+    <dgm:txPr/>
+    <dgm:style>
+      <a:lnRef idx="0">
+        <a:scrgbClr r="0" g="0" b="0"/>
+      </a:lnRef>
+      <a:fillRef idx="3">
+        <a:scrgbClr r="0" g="0" b="0"/>
+      </a:fillRef>
+      <a:effectRef idx="2">
+        <a:scrgbClr r="0" g="0" b="0"/>
+      </a:effectRef>
+      <a:fontRef idx="minor">
+        <a:schemeClr val="lt1"/>
+      </a:fontRef>
+    </dgm:style>
+  </dgm:styleLbl>
+  <dgm:styleLbl name="parChTrans2D1">
+    <dgm:scene3d>
+      <a:camera prst="orthographicFront"/>
+      <a:lightRig rig="threePt" dir="t"/>
+    </dgm:scene3d>
+    <dgm:sp3d/>
+    <dgm:txPr/>
+    <dgm:style>
+      <a:lnRef idx="0">
+        <a:scrgbClr r="0" g="0" b="0"/>
+      </a:lnRef>
+      <a:fillRef idx="3">
+        <a:scrgbClr r="0" g="0" b="0"/>
+      </a:fillRef>
+      <a:effectRef idx="2">
+        <a:scrgbClr r="0" g="0" b="0"/>
+      </a:effectRef>
+      <a:fontRef idx="minor">
+        <a:schemeClr val="lt1"/>
+      </a:fontRef>
+    </dgm:style>
+  </dgm:styleLbl>
+  <dgm:styleLbl name="parChTrans2D2">
+    <dgm:scene3d>
+      <a:camera prst="orthographicFront"/>
+      <a:lightRig rig="threePt" dir="t"/>
+    </dgm:scene3d>
+    <dgm:sp3d/>
+    <dgm:txPr/>
+    <dgm:style>
+      <a:lnRef idx="0">
+        <a:scrgbClr r="0" g="0" b="0"/>
+      </a:lnRef>
+      <a:fillRef idx="3">
+        <a:scrgbClr r="0" g="0" b="0"/>
+      </a:fillRef>
+      <a:effectRef idx="2">
+        <a:scrgbClr r="0" g="0" b="0"/>
+      </a:effectRef>
+      <a:fontRef idx="minor">
+        <a:schemeClr val="lt1"/>
+      </a:fontRef>
+    </dgm:style>
+  </dgm:styleLbl>
+  <dgm:styleLbl name="parChTrans2D3">
+    <dgm:scene3d>
+      <a:camera prst="orthographicFront"/>
+      <a:lightRig rig="threePt" dir="t"/>
+    </dgm:scene3d>
+    <dgm:sp3d/>
+    <dgm:txPr/>
+    <dgm:style>
+      <a:lnRef idx="1">
+        <a:scrgbClr r="0" g="0" b="0"/>
+      </a:lnRef>
+      <a:fillRef idx="3">
+        <a:scrgbClr r="0" g="0" b="0"/>
+      </a:fillRef>
+      <a:effectRef idx="2">
+        <a:scrgbClr r="0" g="0" b="0"/>
+      </a:effectRef>
+      <a:fontRef idx="minor">
+        <a:schemeClr val="lt1"/>
+      </a:fontRef>
+    </dgm:style>
+  </dgm:styleLbl>
+  <dgm:styleLbl name="parChTrans2D4">
+    <dgm:scene3d>
+      <a:camera prst="orthographicFront"/>
+      <a:lightRig rig="threePt" dir="t"/>
+    </dgm:scene3d>
+    <dgm:sp3d/>
+    <dgm:txPr/>
+    <dgm:style>
+      <a:lnRef idx="1">
+        <a:scrgbClr r="0" g="0" b="0"/>
+      </a:lnRef>
+      <a:fillRef idx="3">
+        <a:scrgbClr r="0" g="0" b="0"/>
+      </a:fillRef>
+      <a:effectRef idx="2">
+        <a:scrgbClr r="0" g="0" b="0"/>
+      </a:effectRef>
+      <a:fontRef idx="minor">
+        <a:schemeClr val="lt1"/>
+      </a:fontRef>
+    </dgm:style>
+  </dgm:styleLbl>
+  <dgm:styleLbl name="parChTrans1D1">
+    <dgm:scene3d>
+      <a:camera prst="orthographicFront"/>
+      <a:lightRig rig="threePt" dir="t"/>
+    </dgm:scene3d>
+    <dgm:sp3d/>
+    <dgm:txPr/>
+    <dgm:style>
+      <a:lnRef idx="1">
+        <a:scrgbClr r="0" g="0" b="0"/>
+      </a:lnRef>
+      <a:fillRef idx="0">
+        <a:scrgbClr r="0" g="0" b="0"/>
+      </a:fillRef>
+      <a:effectRef idx="0">
+        <a:scrgbClr r="0" g="0" b="0"/>
+      </a:effectRef>
+      <a:fontRef idx="minor"/>
+    </dgm:style>
+  </dgm:styleLbl>
+  <dgm:styleLbl name="parChTrans1D2">
+    <dgm:scene3d>
+      <a:camera prst="orthographicFront"/>
+      <a:lightRig rig="threePt" dir="t"/>
+    </dgm:scene3d>
+    <dgm:sp3d/>
+    <dgm:txPr/>
+    <dgm:style>
+      <a:lnRef idx="1">
+        <a:scrgbClr r="0" g="0" b="0"/>
+      </a:lnRef>
+      <a:fillRef idx="0">
+        <a:scrgbClr r="0" g="0" b="0"/>
+      </a:fillRef>
+      <a:effectRef idx="0">
+        <a:scrgbClr r="0" g="0" b="0"/>
+      </a:effectRef>
+      <a:fontRef idx="minor"/>
+    </dgm:style>
+  </dgm:styleLbl>
+  <dgm:styleLbl name="parChTrans1D3">
+    <dgm:scene3d>
+      <a:camera prst="orthographicFront"/>
+      <a:lightRig rig="threePt" dir="t"/>
+    </dgm:scene3d>
+    <dgm:sp3d/>
+    <dgm:txPr/>
+    <dgm:style>
+      <a:lnRef idx="1">
+        <a:scrgbClr r="0" g="0" b="0"/>
+      </a:lnRef>
+      <a:fillRef idx="0">
+        <a:scrgbClr r="0" g="0" b="0"/>
+      </a:fillRef>
+      <a:effectRef idx="0">
+        <a:scrgbClr r="0" g="0" b="0"/>
+      </a:effectRef>
+      <a:fontRef idx="minor"/>
+    </dgm:style>
+  </dgm:styleLbl>
+  <dgm:styleLbl name="parChTrans1D4">
+    <dgm:scene3d>
+      <a:camera prst="orthographicFront"/>
+      <a:lightRig rig="threePt" dir="t"/>
+    </dgm:scene3d>
+    <dgm:sp3d/>
+    <dgm:txPr/>
+    <dgm:style>
+      <a:lnRef idx="1">
+        <a:scrgbClr r="0" g="0" b="0"/>
+      </a:lnRef>
+      <a:fillRef idx="0">
+        <a:scrgbClr r="0" g="0" b="0"/>
+      </a:fillRef>
+      <a:effectRef idx="0">
+        <a:scrgbClr r="0" g="0" b="0"/>
+      </a:effectRef>
+      <a:fontRef idx="minor"/>
+    </dgm:style>
+  </dgm:styleLbl>
+  <dgm:styleLbl name="fgAcc1">
+    <dgm:scene3d>
+      <a:camera prst="orthographicFront"/>
+      <a:lightRig rig="threePt" dir="t"/>
+    </dgm:scene3d>
+    <dgm:sp3d/>
+    <dgm:txPr/>
+    <dgm:style>
+      <a:lnRef idx="1">
+        <a:scrgbClr r="0" g="0" b="0"/>
+      </a:lnRef>
+      <a:fillRef idx="1">
+        <a:scrgbClr r="0" g="0" b="0"/>
+      </a:fillRef>
+      <a:effectRef idx="0">
+        <a:scrgbClr r="0" g="0" b="0"/>
+      </a:effectRef>
+      <a:fontRef idx="minor"/>
+    </dgm:style>
+  </dgm:styleLbl>
+  <dgm:styleLbl name="conFgAcc1">
+    <dgm:scene3d>
+      <a:camera prst="orthographicFront"/>
+      <a:lightRig rig="threePt" dir="t"/>
+    </dgm:scene3d>
+    <dgm:sp3d/>
+    <dgm:txPr/>
+    <dgm:style>
+      <a:lnRef idx="1">
+        <a:scrgbClr r="0" g="0" b="0"/>
+      </a:lnRef>
+      <a:fillRef idx="1">
+        <a:scrgbClr r="0" g="0" b="0"/>
+      </a:fillRef>
+      <a:effectRef idx="0">
+        <a:scrgbClr r="0" g="0" b="0"/>
+      </a:effectRef>
+      <a:fontRef idx="minor"/>
+    </dgm:style>
+  </dgm:styleLbl>
+  <dgm:styleLbl name="alignAcc1">
+    <dgm:scene3d>
+      <a:camera prst="orthographicFront"/>
+      <a:lightRig rig="threePt" dir="t"/>
+    </dgm:scene3d>
+    <dgm:sp3d/>
+    <dgm:txPr/>
+    <dgm:style>
+      <a:lnRef idx="1">
+        <a:scrgbClr r="0" g="0" b="0"/>
+      </a:lnRef>
+      <a:fillRef idx="1">
+        <a:scrgbClr r="0" g="0" b="0"/>
+      </a:fillRef>
+      <a:effectRef idx="0">
+        <a:scrgbClr r="0" g="0" b="0"/>
+      </a:effectRef>
+      <a:fontRef idx="minor"/>
+    </dgm:style>
+  </dgm:styleLbl>
+  <dgm:styleLbl name="trAlignAcc1">
+    <dgm:scene3d>
+      <a:camera prst="orthographicFront"/>
+      <a:lightRig rig="threePt" dir="t"/>
+    </dgm:scene3d>
+    <dgm:sp3d/>
+    <dgm:txPr/>
+    <dgm:style>
+      <a:lnRef idx="1">
+        <a:scrgbClr r="0" g="0" b="0"/>
+      </a:lnRef>
+      <a:fillRef idx="1">
+        <a:scrgbClr r="0" g="0" b="0"/>
+      </a:fillRef>
+      <a:effectRef idx="0">
+        <a:scrgbClr r="0" g="0" b="0"/>
+      </a:effectRef>
+      <a:fontRef idx="minor"/>
+    </dgm:style>
+  </dgm:styleLbl>
+  <dgm:styleLbl name="bgAcc1">
+    <dgm:scene3d>
+      <a:camera prst="orthographicFront"/>
+      <a:lightRig rig="threePt" dir="t"/>
+    </dgm:scene3d>
+    <dgm:sp3d/>
+    <dgm:txPr/>
+    <dgm:style>
+      <a:lnRef idx="1">
+        <a:scrgbClr r="0" g="0" b="0"/>
+      </a:lnRef>
+      <a:fillRef idx="1">
+        <a:scrgbClr r="0" g="0" b="0"/>
+      </a:fillRef>
+      <a:effectRef idx="0">
+        <a:scrgbClr r="0" g="0" b="0"/>
+      </a:effectRef>
+      <a:fontRef idx="minor"/>
+    </dgm:style>
+  </dgm:styleLbl>
+  <dgm:styleLbl name="solidFgAcc1">
+    <dgm:scene3d>
+      <a:camera prst="orthographicFront"/>
+      <a:lightRig rig="threePt" dir="t"/>
+    </dgm:scene3d>
+    <dgm:sp3d/>
+    <dgm:txPr/>
+    <dgm:style>
+      <a:lnRef idx="1">
+        <a:scrgbClr r="0" g="0" b="0"/>
+      </a:lnRef>
+      <a:fillRef idx="1">
+        <a:scrgbClr r="0" g="0" b="0"/>
+      </a:fillRef>
+      <a:effectRef idx="0">
+        <a:scrgbClr r="0" g="0" b="0"/>
+      </a:effectRef>
+      <a:fontRef idx="minor"/>
+    </dgm:style>
+  </dgm:styleLbl>
+  <dgm:styleLbl name="solidAlignAcc1">
+    <dgm:scene3d>
+      <a:camera prst="orthographicFront"/>
+      <a:lightRig rig="threePt" dir="t"/>
+    </dgm:scene3d>
+    <dgm:sp3d/>
+    <dgm:txPr/>
+    <dgm:style>
+      <a:lnRef idx="1">
+        <a:scrgbClr r="0" g="0" b="0"/>
+      </a:lnRef>
+      <a:fillRef idx="1">
+        <a:scrgbClr r="0" g="0" b="0"/>
+      </a:fillRef>
+      <a:effectRef idx="0">
+        <a:scrgbClr r="0" g="0" b="0"/>
+      </a:effectRef>
+      <a:fontRef idx="minor"/>
+    </dgm:style>
+  </dgm:styleLbl>
+  <dgm:styleLbl name="solidBgAcc1">
+    <dgm:scene3d>
+      <a:camera prst="orthographicFront"/>
+      <a:lightRig rig="threePt" dir="t"/>
+    </dgm:scene3d>
+    <dgm:sp3d/>
+    <dgm:txPr/>
+    <dgm:style>
+      <a:lnRef idx="1">
+        <a:scrgbClr r="0" g="0" b="0"/>
+      </a:lnRef>
+      <a:fillRef idx="1">
+        <a:scrgbClr r="0" g="0" b="0"/>
+      </a:fillRef>
+      <a:effectRef idx="0">
+        <a:scrgbClr r="0" g="0" b="0"/>
+      </a:effectRef>
+      <a:fontRef idx="minor"/>
+    </dgm:style>
+  </dgm:styleLbl>
+  <dgm:styleLbl name="fgAccFollowNode1">
+    <dgm:scene3d>
+      <a:camera prst="orthographicFront"/>
+      <a:lightRig rig="threePt" dir="t"/>
+    </dgm:scene3d>
+    <dgm:sp3d/>
+    <dgm:txPr/>
+    <dgm:style>
+      <a:lnRef idx="1">
+        <a:scrgbClr r="0" g="0" b="0"/>
+      </a:lnRef>
+      <a:fillRef idx="1">
+        <a:scrgbClr r="0" g="0" b="0"/>
+      </a:fillRef>
+      <a:effectRef idx="0">
+        <a:scrgbClr r="0" g="0" b="0"/>
+      </a:effectRef>
+      <a:fontRef idx="minor"/>
+    </dgm:style>
+  </dgm:styleLbl>
+  <dgm:styleLbl name="alignAccFollowNode1">
+    <dgm:scene3d>
+      <a:camera prst="orthographicFront"/>
+      <a:lightRig rig="threePt" dir="t"/>
+    </dgm:scene3d>
+    <dgm:sp3d/>
+    <dgm:txPr/>
+    <dgm:style>
+      <a:lnRef idx="1">
+        <a:scrgbClr r="0" g="0" b="0"/>
+      </a:lnRef>
+      <a:fillRef idx="1">
+        <a:scrgbClr r="0" g="0" b="0"/>
+      </a:fillRef>
+      <a:effectRef idx="0">
+        <a:scrgbClr r="0" g="0" b="0"/>
+      </a:effectRef>
+      <a:fontRef idx="minor"/>
+    </dgm:style>
+  </dgm:styleLbl>
+  <dgm:styleLbl name="bgAccFollowNode1">
+    <dgm:scene3d>
+      <a:camera prst="orthographicFront"/>
+      <a:lightRig rig="threePt" dir="t"/>
+    </dgm:scene3d>
+    <dgm:sp3d/>
+    <dgm:txPr/>
+    <dgm:style>
+      <a:lnRef idx="1">
+        <a:scrgbClr r="0" g="0" b="0"/>
+      </a:lnRef>
+      <a:fillRef idx="1">
+        <a:scrgbClr r="0" g="0" b="0"/>
+      </a:fillRef>
+      <a:effectRef idx="0">
+        <a:scrgbClr r="0" g="0" b="0"/>
+      </a:effectRef>
+      <a:fontRef idx="minor"/>
+    </dgm:style>
+  </dgm:styleLbl>
+  <dgm:styleLbl name="fgAcc0">
+    <dgm:scene3d>
+      <a:camera prst="orthographicFront"/>
+      <a:lightRig rig="threePt" dir="t"/>
+    </dgm:scene3d>
+    <dgm:sp3d/>
+    <dgm:txPr/>
+    <dgm:style>
+      <a:lnRef idx="1">
+        <a:scrgbClr r="0" g="0" b="0"/>
+      </a:lnRef>
+      <a:fillRef idx="1">
+        <a:scrgbClr r="0" g="0" b="0"/>
+      </a:fillRef>
+      <a:effectRef idx="0">
+        <a:scrgbClr r="0" g="0" b="0"/>
+      </a:effectRef>
+      <a:fontRef idx="minor"/>
+    </dgm:style>
+  </dgm:styleLbl>
+  <dgm:styleLbl name="fgAcc2">
+    <dgm:scene3d>
+      <a:camera prst="orthographicFront"/>
+      <a:lightRig rig="threePt" dir="t"/>
+    </dgm:scene3d>
+    <dgm:sp3d/>
+    <dgm:txPr/>
+    <dgm:style>
+      <a:lnRef idx="1">
+        <a:scrgbClr r="0" g="0" b="0"/>
+      </a:lnRef>
+      <a:fillRef idx="1">
+        <a:scrgbClr r="0" g="0" b="0"/>
+      </a:fillRef>
+      <a:effectRef idx="0">
+        <a:scrgbClr r="0" g="0" b="0"/>
+      </a:effectRef>
+      <a:fontRef idx="minor"/>
+    </dgm:style>
+  </dgm:styleLbl>
+  <dgm:styleLbl name="fgAcc3">
+    <dgm:scene3d>
+      <a:camera prst="orthographicFront"/>
+      <a:lightRig rig="threePt" dir="t"/>
+    </dgm:scene3d>
+    <dgm:sp3d/>
+    <dgm:txPr/>
+    <dgm:style>
+      <a:lnRef idx="1">
+        <a:scrgbClr r="0" g="0" b="0"/>
+      </a:lnRef>
+      <a:fillRef idx="1">
+        <a:scrgbClr r="0" g="0" b="0"/>
+      </a:fillRef>
+      <a:effectRef idx="0">
+        <a:scrgbClr r="0" g="0" b="0"/>
+      </a:effectRef>
+      <a:fontRef idx="minor"/>
+    </dgm:style>
+  </dgm:styleLbl>
+  <dgm:styleLbl name="fgAcc4">
+    <dgm:scene3d>
+      <a:camera prst="orthographicFront"/>
+      <a:lightRig rig="threePt" dir="t"/>
+    </dgm:scene3d>
+    <dgm:sp3d/>
+    <dgm:txPr/>
+    <dgm:style>
+      <a:lnRef idx="1">
+        <a:scrgbClr r="0" g="0" b="0"/>
+      </a:lnRef>
+      <a:fillRef idx="1">
+        <a:scrgbClr r="0" g="0" b="0"/>
+      </a:fillRef>
+      <a:effectRef idx="0">
+        <a:scrgbClr r="0" g="0" b="0"/>
+      </a:effectRef>
+      <a:fontRef idx="minor"/>
+    </dgm:style>
+  </dgm:styleLbl>
+  <dgm:styleLbl name="bgShp">
+    <dgm:scene3d>
+      <a:camera prst="orthographicFront"/>
+      <a:lightRig rig="threePt" dir="t"/>
+    </dgm:scene3d>
+    <dgm:sp3d/>
+    <dgm:txPr/>
+    <dgm:style>
+      <a:lnRef idx="0">
+        <a:scrgbClr r="0" g="0" b="0"/>
+      </a:lnRef>
+      <a:fillRef idx="1">
+        <a:scrgbClr r="0" g="0" b="0"/>
+      </a:fillRef>
+      <a:effectRef idx="2">
+        <a:scrgbClr r="0" g="0" b="0"/>
+      </a:effectRef>
+      <a:fontRef idx="minor"/>
+    </dgm:style>
+  </dgm:styleLbl>
+  <dgm:styleLbl name="dkBgShp">
+    <dgm:scene3d>
+      <a:camera prst="orthographicFront"/>
+      <a:lightRig rig="threePt" dir="t"/>
+    </dgm:scene3d>
+    <dgm:sp3d/>
+    <dgm:txPr/>
+    <dgm:style>
+      <a:lnRef idx="0">
+        <a:scrgbClr r="0" g="0" b="0"/>
+      </a:lnRef>
+      <a:fillRef idx="1">
+        <a:scrgbClr r="0" g="0" b="0"/>
+      </a:fillRef>
+      <a:effectRef idx="2">
+        <a:scrgbClr r="0" g="0" b="0"/>
+      </a:effectRef>
+      <a:fontRef idx="minor"/>
+    </dgm:style>
+  </dgm:styleLbl>
+  <dgm:styleLbl name="trBgShp">
+    <dgm:scene3d>
+      <a:camera prst="orthographicFront"/>
+      <a:lightRig rig="threePt" dir="t"/>
+    </dgm:scene3d>
+    <dgm:sp3d/>
+    <dgm:txPr/>
+    <dgm:style>
+      <a:lnRef idx="0">
+        <a:scrgbClr r="0" g="0" b="0"/>
+      </a:lnRef>
+      <a:fillRef idx="1">
+        <a:scrgbClr r="0" g="0" b="0"/>
+      </a:fillRef>
+      <a:effectRef idx="0">
+        <a:scrgbClr r="0" g="0" b="0"/>
+      </a:effectRef>
+      <a:fontRef idx="minor"/>
+    </dgm:style>
+  </dgm:styleLbl>
+  <dgm:styleLbl name="fgShp">
+    <dgm:scene3d>
+      <a:camera prst="orthographicFront"/>
+      <a:lightRig rig="threePt" dir="t"/>
+    </dgm:scene3d>
+    <dgm:sp3d/>
+    <dgm:txPr/>
+    <dgm:style>
+      <a:lnRef idx="0">
+        <a:scrgbClr r="0" g="0" b="0"/>
+      </a:lnRef>
+      <a:fillRef idx="3">
+        <a:scrgbClr r="0" g="0" b="0"/>
+      </a:fillRef>
+      <a:effectRef idx="2">
+        <a:scrgbClr r="0" g="0" b="0"/>
+      </a:effectRef>
+      <a:fontRef idx="minor"/>
+    </dgm:style>
+  </dgm:styleLbl>
+  <dgm:styleLbl name="revTx">
+    <dgm:scene3d>
+      <a:camera prst="orthographicFront"/>
+      <a:lightRig rig="threePt" dir="t"/>
+    </dgm:scene3d>
+    <dgm:sp3d/>
+    <dgm:txPr/>
+    <dgm:style>
+      <a:lnRef idx="0">
+        <a:scrgbClr r="0" g="0" b="0"/>
+      </a:lnRef>
+      <a:fillRef idx="0">
+        <a:scrgbClr r="0" g="0" b="0"/>
+      </a:fillRef>
+      <a:effectRef idx="0">
+        <a:scrgbClr r="0" g="0" b="0"/>
+      </a:effectRef>
+      <a:fontRef idx="minor"/>
+    </dgm:style>
+  </dgm:styleLbl>
+</dgm:styleDef>
+</file>
+
 <file path=ppt/slideLayouts/slideLayout1.xml><?xml version="1.0" encoding="utf-8"?>
 <p:sldLayout xmlns:a="http://schemas.openxmlformats.org/drawingml/2006/main" xmlns:r="http://schemas.openxmlformats.org/officeDocument/2006/relationships" xmlns:p="http://schemas.openxmlformats.org/presentationml/2006/main" preserve="1" userDrawn="1">
   <p:cSld name="Horizontal Middle Column">
@@ -1034,7 +3804,7 @@
   <p:timing>
     <p:tnLst>
       <p:par>
-        <p:cTn id="1" dur="indefinite" restart="never" nodeType="tmRoot"/>
+        <p:cTn xmlns:p14="http://schemas.microsoft.com/office/powerpoint/2010/main" id="1" dur="indefinite" restart="never" nodeType="tmRoot"/>
       </p:par>
     </p:tnLst>
   </p:timing>
@@ -2000,7 +4770,7 @@
   <p:timing>
     <p:tnLst>
       <p:par>
-        <p:cTn id="1" dur="indefinite" restart="never" nodeType="tmRoot"/>
+        <p:cTn xmlns:p14="http://schemas.microsoft.com/office/powerpoint/2010/main" id="1" dur="indefinite" restart="never" nodeType="tmRoot"/>
       </p:par>
     </p:tnLst>
   </p:timing>
@@ -2971,7 +5741,7 @@
   <p:timing>
     <p:tnLst>
       <p:par>
-        <p:cTn id="1" dur="indefinite" restart="never" nodeType="tmRoot"/>
+        <p:cTn xmlns:p14="http://schemas.microsoft.com/office/powerpoint/2010/main" id="1" dur="indefinite" restart="never" nodeType="tmRoot"/>
       </p:par>
     </p:tnLst>
   </p:timing>
@@ -3943,7 +6713,7 @@
   <p:timing>
     <p:tnLst>
       <p:par>
-        <p:cTn id="1" dur="indefinite" restart="never" nodeType="tmRoot"/>
+        <p:cTn xmlns:p14="http://schemas.microsoft.com/office/powerpoint/2010/main" id="1" dur="indefinite" restart="never" nodeType="tmRoot"/>
       </p:par>
     </p:tnLst>
   </p:timing>
@@ -5210,7 +7980,7 @@
               <a:graphicData uri="http://schemas.openxmlformats.org/presentationml/2006/ole">
                 <mc:AlternateContent xmlns:mc="http://schemas.openxmlformats.org/markup-compatibility/2006">
                   <mc:Choice xmlns:v="urn:schemas-microsoft-com:vml" Requires="v">
-                    <p:oleObj spid="_x0000_s7210" name="Image" r:id="rId9" imgW="1828440" imgH="1117440" progId="Photoshop.Image.13">
+                    <p:oleObj spid="_x0000_s7268" name="Image" r:id="rId9" imgW="1828440" imgH="1117440" progId="Photoshop.Image.13">
                       <p:embed/>
                     </p:oleObj>
                   </mc:Choice>
@@ -5267,7 +8037,7 @@
               <a:graphicData uri="http://schemas.openxmlformats.org/presentationml/2006/ole">
                 <mc:AlternateContent xmlns:mc="http://schemas.openxmlformats.org/markup-compatibility/2006">
                   <mc:Choice xmlns:v="urn:schemas-microsoft-com:vml" Requires="v">
-                    <p:oleObj spid="_x0000_s7211" name="Image" r:id="rId11" imgW="1828440" imgH="1117440" progId="Photoshop.Image.13">
+                    <p:oleObj spid="_x0000_s7269" name="Image" r:id="rId11" imgW="1828440" imgH="1117440" progId="Photoshop.Image.13">
                       <p:embed/>
                     </p:oleObj>
                   </mc:Choice>
@@ -6289,7 +9059,7 @@
             <a:graphicData uri="http://schemas.openxmlformats.org/presentationml/2006/ole">
               <mc:AlternateContent xmlns:mc="http://schemas.openxmlformats.org/markup-compatibility/2006">
                 <mc:Choice xmlns:v="urn:schemas-microsoft-com:vml" Requires="v">
-                  <p:oleObj spid="_x0000_s7212" name="Image" r:id="rId13" imgW="4571280" imgH="1688760" progId="Photoshop.Image.13">
+                  <p:oleObj spid="_x0000_s7270" name="Image" r:id="rId13" imgW="4571280" imgH="1688760" progId="Photoshop.Image.13">
                     <p:embed/>
                   </p:oleObj>
                 </mc:Choice>
@@ -6373,7 +9143,7 @@
             <a:graphicData uri="http://schemas.openxmlformats.org/presentationml/2006/ole">
               <mc:AlternateContent xmlns:mc="http://schemas.openxmlformats.org/markup-compatibility/2006">
                 <mc:Choice xmlns:v="urn:schemas-microsoft-com:vml" Requires="v">
-                  <p:oleObj spid="_x0000_s7213" name="Image" r:id="rId16" imgW="1574280" imgH="1053720" progId="Photoshop.Image.13">
+                  <p:oleObj spid="_x0000_s7271" name="Image" r:id="rId16" imgW="1574280" imgH="1053720" progId="Photoshop.Image.13">
                     <p:embed/>
                   </p:oleObj>
                 </mc:Choice>
@@ -6584,7 +9354,7 @@
           </a:prstGeom>
           <a:noFill/>
           <a:extLst>
-            <a:ext uri="{909E8E84-426E-40DD-AFC4-6F175D3DCCD1}">
+            <a:ext uri="{909E8E84-426E-40dd-AFC4-6F175D3DCCD1}">
               <a14:hiddenFill xmlns:a14="http://schemas.microsoft.com/office/drawing/2010/main">
                 <a:solidFill>
                   <a:srgbClr val="FFFFFF"/>
@@ -6762,7 +9532,7 @@
   <p:timing>
     <p:tnLst>
       <p:par>
-        <p:cTn id="1" dur="indefinite" restart="never" nodeType="tmRoot"/>
+        <p:cTn xmlns:p14="http://schemas.microsoft.com/office/powerpoint/2010/main" id="1" dur="indefinite" restart="never" nodeType="tmRoot"/>
       </p:par>
     </p:tnLst>
   </p:timing>
@@ -8308,7 +11078,7 @@
               <a:graphicData uri="http://schemas.openxmlformats.org/presentationml/2006/ole">
                 <mc:AlternateContent xmlns:mc="http://schemas.openxmlformats.org/markup-compatibility/2006">
                   <mc:Choice xmlns:v="urn:schemas-microsoft-com:vml" Requires="v">
-                    <p:oleObj spid="_x0000_s5166" name="Image" r:id="rId8" imgW="1828440" imgH="1117440" progId="Photoshop.Image.13">
+                    <p:oleObj spid="_x0000_s5224" name="Image" r:id="rId8" imgW="1828440" imgH="1117440" progId="Photoshop.Image.13">
                       <p:embed/>
                     </p:oleObj>
                   </mc:Choice>
@@ -8365,7 +11135,7 @@
               <a:graphicData uri="http://schemas.openxmlformats.org/presentationml/2006/ole">
                 <mc:AlternateContent xmlns:mc="http://schemas.openxmlformats.org/markup-compatibility/2006">
                   <mc:Choice xmlns:v="urn:schemas-microsoft-com:vml" Requires="v">
-                    <p:oleObj spid="_x0000_s5167" name="Image" r:id="rId10" imgW="1828440" imgH="1117440" progId="Photoshop.Image.13">
+                    <p:oleObj spid="_x0000_s5225" name="Image" r:id="rId10" imgW="1828440" imgH="1117440" progId="Photoshop.Image.13">
                       <p:embed/>
                     </p:oleObj>
                   </mc:Choice>
@@ -9387,7 +12157,7 @@
             <a:graphicData uri="http://schemas.openxmlformats.org/presentationml/2006/ole">
               <mc:AlternateContent xmlns:mc="http://schemas.openxmlformats.org/markup-compatibility/2006">
                 <mc:Choice xmlns:v="urn:schemas-microsoft-com:vml" Requires="v">
-                  <p:oleObj spid="_x0000_s5168" name="Image" r:id="rId12" imgW="4571280" imgH="1688760" progId="Photoshop.Image.13">
+                  <p:oleObj spid="_x0000_s5226" name="Image" r:id="rId12" imgW="4571280" imgH="1688760" progId="Photoshop.Image.13">
                     <p:embed/>
                   </p:oleObj>
                 </mc:Choice>
@@ -9471,7 +12241,7 @@
             <a:graphicData uri="http://schemas.openxmlformats.org/presentationml/2006/ole">
               <mc:AlternateContent xmlns:mc="http://schemas.openxmlformats.org/markup-compatibility/2006">
                 <mc:Choice xmlns:v="urn:schemas-microsoft-com:vml" Requires="v">
-                  <p:oleObj spid="_x0000_s5169" name="Image" r:id="rId15" imgW="1574280" imgH="1053720" progId="Photoshop.Image.13">
+                  <p:oleObj spid="_x0000_s5227" name="Image" r:id="rId15" imgW="1574280" imgH="1053720" progId="Photoshop.Image.13">
                     <p:embed/>
                   </p:oleObj>
                 </mc:Choice>
@@ -9682,7 +12452,7 @@
           </a:prstGeom>
           <a:noFill/>
           <a:extLst>
-            <a:ext uri="{909E8E84-426E-40DD-AFC4-6F175D3DCCD1}">
+            <a:ext uri="{909E8E84-426E-40dd-AFC4-6F175D3DCCD1}">
               <a14:hiddenFill xmlns:a14="http://schemas.microsoft.com/office/drawing/2010/main">
                 <a:solidFill>
                   <a:srgbClr val="FFFFFF"/>
@@ -9900,7 +12670,7 @@
   <p:timing>
     <p:tnLst>
       <p:par>
-        <p:cTn id="1" dur="indefinite" restart="never" nodeType="tmRoot"/>
+        <p:cTn xmlns:p14="http://schemas.microsoft.com/office/powerpoint/2010/main" id="1" dur="indefinite" restart="never" nodeType="tmRoot"/>
       </p:par>
     </p:tnLst>
   </p:timing>
@@ -11446,7 +14216,7 @@
               <a:graphicData uri="http://schemas.openxmlformats.org/presentationml/2006/ole">
                 <mc:AlternateContent xmlns:mc="http://schemas.openxmlformats.org/markup-compatibility/2006">
                   <mc:Choice xmlns:v="urn:schemas-microsoft-com:vml" Requires="v">
-                    <p:oleObj spid="_x0000_s6190" name="Image" r:id="rId8" imgW="1828440" imgH="1117440" progId="Photoshop.Image.13">
+                    <p:oleObj spid="_x0000_s6248" name="Image" r:id="rId8" imgW="1828440" imgH="1117440" progId="Photoshop.Image.13">
                       <p:embed/>
                     </p:oleObj>
                   </mc:Choice>
@@ -11503,7 +14273,7 @@
               <a:graphicData uri="http://schemas.openxmlformats.org/presentationml/2006/ole">
                 <mc:AlternateContent xmlns:mc="http://schemas.openxmlformats.org/markup-compatibility/2006">
                   <mc:Choice xmlns:v="urn:schemas-microsoft-com:vml" Requires="v">
-                    <p:oleObj spid="_x0000_s6191" name="Image" r:id="rId10" imgW="1828440" imgH="1117440" progId="Photoshop.Image.13">
+                    <p:oleObj spid="_x0000_s6249" name="Image" r:id="rId10" imgW="1828440" imgH="1117440" progId="Photoshop.Image.13">
                       <p:embed/>
                     </p:oleObj>
                   </mc:Choice>
@@ -12525,7 +15295,7 @@
             <a:graphicData uri="http://schemas.openxmlformats.org/presentationml/2006/ole">
               <mc:AlternateContent xmlns:mc="http://schemas.openxmlformats.org/markup-compatibility/2006">
                 <mc:Choice xmlns:v="urn:schemas-microsoft-com:vml" Requires="v">
-                  <p:oleObj spid="_x0000_s6192" name="Image" r:id="rId12" imgW="4571280" imgH="1688760" progId="Photoshop.Image.13">
+                  <p:oleObj spid="_x0000_s6250" name="Image" r:id="rId12" imgW="4571280" imgH="1688760" progId="Photoshop.Image.13">
                     <p:embed/>
                   </p:oleObj>
                 </mc:Choice>
@@ -12609,7 +15379,7 @@
             <a:graphicData uri="http://schemas.openxmlformats.org/presentationml/2006/ole">
               <mc:AlternateContent xmlns:mc="http://schemas.openxmlformats.org/markup-compatibility/2006">
                 <mc:Choice xmlns:v="urn:schemas-microsoft-com:vml" Requires="v">
-                  <p:oleObj spid="_x0000_s6193" name="Image" r:id="rId15" imgW="1574280" imgH="1053720" progId="Photoshop.Image.13">
+                  <p:oleObj spid="_x0000_s6251" name="Image" r:id="rId15" imgW="1574280" imgH="1053720" progId="Photoshop.Image.13">
                     <p:embed/>
                   </p:oleObj>
                 </mc:Choice>
@@ -12820,7 +15590,7 @@
           </a:prstGeom>
           <a:noFill/>
           <a:extLst>
-            <a:ext uri="{909E8E84-426E-40DD-AFC4-6F175D3DCCD1}">
+            <a:ext uri="{909E8E84-426E-40dd-AFC4-6F175D3DCCD1}">
               <a14:hiddenFill xmlns:a14="http://schemas.microsoft.com/office/drawing/2010/main">
                 <a:solidFill>
                   <a:srgbClr val="FFFFFF"/>
@@ -13009,7 +15779,7 @@
   <p:timing>
     <p:tnLst>
       <p:par>
-        <p:cTn id="1" dur="indefinite" restart="never" nodeType="tmRoot"/>
+        <p:cTn xmlns:p14="http://schemas.microsoft.com/office/powerpoint/2010/main" id="1" dur="indefinite" restart="never" nodeType="tmRoot"/>
       </p:par>
     </p:tnLst>
   </p:timing>
@@ -13335,14 +16105,14 @@
             <a:r>
               <a:rPr lang="en-US" sz="2800" dirty="0" smtClean="0">
                 <a:solidFill>
-                  <a:srgbClr val="002060"/>
+                  <a:srgbClr val="000002"/>
                 </a:solidFill>
               </a:rPr>
               <a:t>Communist Hunt is based on the original game of Duck Hunt. The player is sent by Harry Truman to protect his or her country by defeating an army of Joseph Stalin clones. The clones fly across the screen, and several clones may be on the screen at once. Once the player kills a certain amount of clones, the game ends. The total duration of the game, as well as the player’s accuracy, are then displayed.</a:t>
             </a:r>
             <a:endParaRPr lang="en-US" sz="2800" dirty="0">
               <a:solidFill>
-                <a:srgbClr val="002060"/>
+                <a:srgbClr val="000002"/>
               </a:solidFill>
             </a:endParaRPr>
           </a:p>
@@ -13371,14 +16141,14 @@
             <a:r>
               <a:rPr lang="en-US" sz="3200" dirty="0" smtClean="0">
                 <a:solidFill>
-                  <a:srgbClr val="002060"/>
+                  <a:srgbClr val="000002"/>
                 </a:solidFill>
               </a:rPr>
               <a:t>Game Description</a:t>
             </a:r>
             <a:endParaRPr lang="en-US" sz="3200" dirty="0">
               <a:solidFill>
-                <a:srgbClr val="002060"/>
+                <a:srgbClr val="000002"/>
               </a:solidFill>
             </a:endParaRPr>
           </a:p>
@@ -13407,30 +16177,14 @@
             <a:r>
               <a:rPr lang="en-US" sz="2800" dirty="0" smtClean="0">
                 <a:solidFill>
-                  <a:srgbClr val="002060"/>
+                  <a:srgbClr val="000002"/>
                 </a:solidFill>
               </a:rPr>
-              <a:t>Our target users include anyone who wants to sit down for a little bit and play a simple, yet engaging game. The game does not last long, but the player must devote considerable focus to the game during that time in order to get a good </a:t>
-            </a:r>
-            <a:r>
-              <a:rPr lang="en-US" sz="2800" dirty="0" smtClean="0">
-                <a:solidFill>
-                  <a:srgbClr val="002060"/>
-                </a:solidFill>
-              </a:rPr>
-              <a:t>score</a:t>
-            </a:r>
-            <a:r>
-              <a:rPr lang="en-US" sz="2800" dirty="0" smtClean="0">
-                <a:solidFill>
-                  <a:srgbClr val="002060"/>
-                </a:solidFill>
-              </a:rPr>
-              <a:t>. </a:t>
+              <a:t>Our target users include anyone who wants to sit down for a little bit and play a simple, yet engaging game. The game does not last long, but the player must devote considerable focus to the game during that time in order to get a good score. </a:t>
             </a:r>
             <a:endParaRPr lang="en-US" sz="2800" dirty="0">
               <a:solidFill>
-                <a:srgbClr val="002060"/>
+                <a:srgbClr val="000002"/>
               </a:solidFill>
             </a:endParaRPr>
           </a:p>
@@ -13438,7 +16192,7 @@
             <a:r>
               <a:rPr lang="en-US" sz="2800" dirty="0" smtClean="0">
                 <a:solidFill>
-                  <a:srgbClr val="002060"/>
+                  <a:srgbClr val="000002"/>
                 </a:solidFill>
               </a:rPr>
               <a:t>In addition, our game is very much geared towards people who love simple shooter games. Communist Hunt is a game you can play casually, but can also be competitive. Players can challenge friends to beat their time or accuracy. </a:t>
@@ -13469,14 +16223,14 @@
             <a:r>
               <a:rPr lang="en-US" sz="3200" dirty="0" smtClean="0">
                 <a:solidFill>
-                  <a:srgbClr val="002060"/>
+                  <a:srgbClr val="000002"/>
                 </a:solidFill>
               </a:rPr>
               <a:t>Target Users</a:t>
             </a:r>
             <a:endParaRPr lang="en-US" sz="3200" dirty="0">
               <a:solidFill>
-                <a:srgbClr val="002060"/>
+                <a:srgbClr val="000002"/>
               </a:solidFill>
             </a:endParaRPr>
           </a:p>
@@ -13495,16 +16249,136 @@
         <p:spPr>
           <a:xfrm>
             <a:off x="7241977" y="4488877"/>
-            <a:ext cx="6474023" cy="716608"/>
+            <a:ext cx="6474023" cy="6749030"/>
           </a:xfrm>
         </p:spPr>
         <p:txBody>
           <a:bodyPr/>
           <a:lstStyle/>
           <a:p>
+            <a:r>
+              <a:rPr lang="en-US" sz="2800" dirty="0" smtClean="0">
+                <a:solidFill>
+                  <a:srgbClr val="000002"/>
+                </a:solidFill>
+              </a:rPr>
+              <a:t>Our game contains three classes. </a:t>
+            </a:r>
+            <a:r>
+              <a:rPr lang="en-US" sz="2800" dirty="0" err="1" smtClean="0">
+                <a:solidFill>
+                  <a:srgbClr val="000002"/>
+                </a:solidFill>
+              </a:rPr>
+              <a:t>Background.java</a:t>
+            </a:r>
+            <a:r>
+              <a:rPr lang="en-US" sz="2800" dirty="0" smtClean="0">
+                <a:solidFill>
+                  <a:srgbClr val="000002"/>
+                </a:solidFill>
+              </a:rPr>
+              <a:t> is our client class that creates a new game as well as the </a:t>
+            </a:r>
+            <a:r>
+              <a:rPr lang="en-US" sz="2800" dirty="0" err="1" smtClean="0">
+                <a:solidFill>
+                  <a:srgbClr val="000002"/>
+                </a:solidFill>
+              </a:rPr>
+              <a:t>JFrame</a:t>
+            </a:r>
+            <a:r>
+              <a:rPr lang="en-US" sz="2800" dirty="0" smtClean="0">
+                <a:solidFill>
+                  <a:srgbClr val="000002"/>
+                </a:solidFill>
+              </a:rPr>
+              <a:t> for the game. </a:t>
+            </a:r>
+            <a:r>
+              <a:rPr lang="en-US" sz="2800" dirty="0" err="1" smtClean="0">
+                <a:solidFill>
+                  <a:srgbClr val="000002"/>
+                </a:solidFill>
+              </a:rPr>
+              <a:t>Game.java</a:t>
+            </a:r>
+            <a:r>
+              <a:rPr lang="en-US" sz="2800" dirty="0" smtClean="0">
+                <a:solidFill>
+                  <a:srgbClr val="000002"/>
+                </a:solidFill>
+              </a:rPr>
+              <a:t> is the class that does most of the work. This class deals with the spawning of the Stalin clones, the AI movements of the clones, and the hit detection when the mouse is clicked. Lastly, the </a:t>
+            </a:r>
+            <a:r>
+              <a:rPr lang="en-US" sz="2800" dirty="0" err="1" smtClean="0">
+                <a:solidFill>
+                  <a:srgbClr val="000002"/>
+                </a:solidFill>
+              </a:rPr>
+              <a:t>Stalin.java</a:t>
+            </a:r>
+            <a:r>
+              <a:rPr lang="en-US" sz="2800" dirty="0" smtClean="0">
+                <a:solidFill>
+                  <a:srgbClr val="000002"/>
+                </a:solidFill>
+              </a:rPr>
+              <a:t> class constructs the individual Stalin objects. Aside from these three classes, our game extends/implements the following classes: </a:t>
+            </a:r>
+            <a:r>
+              <a:rPr lang="en-US" sz="2800" dirty="0" err="1" smtClean="0">
+                <a:solidFill>
+                  <a:srgbClr val="000002"/>
+                </a:solidFill>
+              </a:rPr>
+              <a:t>JPanel</a:t>
+            </a:r>
+            <a:r>
+              <a:rPr lang="en-US" sz="2800" dirty="0" smtClean="0">
+                <a:solidFill>
+                  <a:srgbClr val="000002"/>
+                </a:solidFill>
+              </a:rPr>
+              <a:t>, </a:t>
+            </a:r>
+            <a:r>
+              <a:rPr lang="en-US" sz="2800" dirty="0" err="1" smtClean="0">
+                <a:solidFill>
+                  <a:srgbClr val="000002"/>
+                </a:solidFill>
+              </a:rPr>
+              <a:t>ActionListener</a:t>
+            </a:r>
+            <a:r>
+              <a:rPr lang="en-US" sz="2800" dirty="0" smtClean="0">
+                <a:solidFill>
+                  <a:srgbClr val="000002"/>
+                </a:solidFill>
+              </a:rPr>
+              <a:t>, and </a:t>
+            </a:r>
+            <a:r>
+              <a:rPr lang="en-US" sz="2800" dirty="0" err="1" smtClean="0">
+                <a:solidFill>
+                  <a:srgbClr val="000002"/>
+                </a:solidFill>
+              </a:rPr>
+              <a:t>MouseListener</a:t>
+            </a:r>
+            <a:r>
+              <a:rPr lang="en-US" sz="2800" dirty="0" smtClean="0">
+                <a:solidFill>
+                  <a:srgbClr val="000002"/>
+                </a:solidFill>
+              </a:rPr>
+              <a:t>.</a:t>
+            </a:r>
             <a:endParaRPr lang="en-US" sz="2800" dirty="0">
               <a:solidFill>
-                <a:srgbClr val="002060"/>
+                <a:srgbClr val="000002"/>
               </a:solidFill>
             </a:endParaRPr>
           </a:p>
@@ -13533,14 +16407,14 @@
             <a:r>
               <a:rPr lang="en-US" sz="3200" dirty="0" smtClean="0">
                 <a:solidFill>
-                  <a:srgbClr val="002060"/>
+                  <a:srgbClr val="000002"/>
                 </a:solidFill>
               </a:rPr>
               <a:t>Code Structure and Data Structure</a:t>
             </a:r>
             <a:endParaRPr lang="en-US" sz="3200" dirty="0">
               <a:solidFill>
-                <a:srgbClr val="002060"/>
+                <a:srgbClr val="000002"/>
               </a:solidFill>
             </a:endParaRPr>
           </a:p>
@@ -13556,12 +16430,37 @@
             <p:ph type="body" sz="quarter" idx="23"/>
           </p:nvPr>
         </p:nvSpPr>
-        <p:spPr/>
+        <p:spPr>
+          <a:xfrm>
+            <a:off x="7241978" y="13381219"/>
+            <a:ext cx="12950031" cy="6318142"/>
+          </a:xfrm>
+        </p:spPr>
         <p:txBody>
           <a:bodyPr/>
           <a:lstStyle/>
           <a:p>
-            <a:endParaRPr lang="en-US"/>
+            <a:r>
+              <a:rPr lang="en-US" sz="2800" dirty="0" smtClean="0">
+                <a:solidFill>
+                  <a:srgbClr val="000002"/>
+                </a:solidFill>
+              </a:rPr>
+              <a:t>Once we decided to create this game, th</a:t>
+            </a:r>
+            <a:r>
+              <a:rPr lang="en-US" sz="2800" dirty="0" smtClean="0">
+                <a:solidFill>
+                  <a:srgbClr val="000002"/>
+                </a:solidFill>
+              </a:rPr>
+              <a:t>e first thing we did was go through a tutorial of how to make the game “Pong” because the basic principles of both games are similar. After that, we made our code structure plan and began to write the game code, with the simpler parts coming first. One area we struggled with at first was using basic graphics. We resorted to the textbook and test code a lot, which slowed our game development. When we reached our first evaluation, we had been working on six classes, and we thought we were close to finishing the rough state of the game. However, we realized that we had too many classes, which made it difficult and confusing to connect all of the pieces. Eventually, we decided that we only needed to have three classes. We ended up removing the class we spent the most time on, and simply implemented an interface to solve the problem. After we completed the very basic state of the game, we started to work on adding simple features to improve it, such as a score counter and a game menu.</a:t>
+            </a:r>
+            <a:endParaRPr lang="en-US" sz="2800" dirty="0">
+              <a:solidFill>
+                <a:srgbClr val="000002"/>
+              </a:solidFill>
+            </a:endParaRPr>
           </a:p>
         </p:txBody>
       </p:sp>
@@ -13575,12 +16474,29 @@
             <p:ph type="body" sz="quarter" idx="24"/>
           </p:nvPr>
         </p:nvSpPr>
-        <p:spPr/>
+        <p:spPr>
+          <a:xfrm>
+            <a:off x="7241976" y="12806051"/>
+            <a:ext cx="12950031" cy="606730"/>
+          </a:xfrm>
+        </p:spPr>
         <p:txBody>
           <a:bodyPr/>
           <a:lstStyle/>
           <a:p>
-            <a:endParaRPr lang="en-US"/>
+            <a:r>
+              <a:rPr lang="en-US" sz="3200" dirty="0" smtClean="0">
+                <a:solidFill>
+                  <a:srgbClr val="000002"/>
+                </a:solidFill>
+              </a:rPr>
+              <a:t>Work Process</a:t>
+            </a:r>
+            <a:endParaRPr lang="en-US" sz="3200" dirty="0">
+              <a:solidFill>
+                <a:srgbClr val="000002"/>
+              </a:solidFill>
+            </a:endParaRPr>
           </a:p>
         </p:txBody>
       </p:sp>
@@ -13607,14 +16523,14 @@
             <a:r>
               <a:rPr lang="en-US" sz="3200" dirty="0" smtClean="0">
                 <a:solidFill>
-                  <a:srgbClr val="002060"/>
+                  <a:srgbClr val="000002"/>
                 </a:solidFill>
               </a:rPr>
               <a:t>Challenges</a:t>
             </a:r>
             <a:endParaRPr lang="en-US" sz="3200" dirty="0">
               <a:solidFill>
-                <a:srgbClr val="002060"/>
+                <a:srgbClr val="000002"/>
               </a:solidFill>
             </a:endParaRPr>
           </a:p>
@@ -13643,14 +16559,14 @@
             <a:r>
               <a:rPr lang="en-US" sz="2800" dirty="0" smtClean="0">
                 <a:solidFill>
-                  <a:srgbClr val="002060"/>
+                  <a:srgbClr val="000002"/>
                 </a:solidFill>
               </a:rPr>
               <a:t>One of the big challenges we had was deciding how to structure our code. At first, we tried to use too many classes, and had a hard time using them all in conjunction with each other. We also spent a lot of time dealing with the AI movements of the Stalin clones.</a:t>
             </a:r>
             <a:endParaRPr lang="en-US" sz="2800" dirty="0">
               <a:solidFill>
-                <a:srgbClr val="002060"/>
+                <a:srgbClr val="000002"/>
               </a:solidFill>
             </a:endParaRPr>
           </a:p>
@@ -13679,14 +16595,14 @@
             <a:r>
               <a:rPr lang="en-US" sz="3200" dirty="0" smtClean="0">
                 <a:solidFill>
-                  <a:srgbClr val="002060"/>
+                  <a:srgbClr val="000002"/>
                 </a:solidFill>
               </a:rPr>
               <a:t>What’s Next?</a:t>
             </a:r>
             <a:endParaRPr lang="en-US" sz="3200" dirty="0">
               <a:solidFill>
-                <a:srgbClr val="002060"/>
+                <a:srgbClr val="000002"/>
               </a:solidFill>
             </a:endParaRPr>
           </a:p>
@@ -13705,14 +16621,26 @@
         <p:spPr>
           <a:xfrm>
             <a:off x="20565961" y="9173635"/>
-            <a:ext cx="6282531" cy="716608"/>
+            <a:ext cx="6282531" cy="5887255"/>
           </a:xfrm>
         </p:spPr>
         <p:txBody>
           <a:bodyPr/>
           <a:lstStyle/>
           <a:p>
-            <a:endParaRPr lang="en-US" sz="2800" dirty="0"/>
+            <a:r>
+              <a:rPr lang="en-US" sz="2800" dirty="0" smtClean="0">
+                <a:solidFill>
+                  <a:srgbClr val="000002"/>
+                </a:solidFill>
+              </a:rPr>
+              <a:t>We feel there are certain aspects of the game that can be improved over time. Some ideas we had included: having the ability to choose between different characters, quality sound effects, and adding different modes to our game. These are some of the things we can work on in the future if we choose to continue this project. We have learned a lot from creating this game, and we can use these skills to create different games as well.</a:t>
+            </a:r>
+            <a:endParaRPr lang="en-US" sz="2800" dirty="0">
+              <a:solidFill>
+                <a:srgbClr val="000002"/>
+              </a:solidFill>
+            </a:endParaRPr>
           </a:p>
         </p:txBody>
       </p:sp>
@@ -13726,12 +16654,29 @@
             <p:ph type="body" sz="quarter" idx="29"/>
           </p:nvPr>
         </p:nvSpPr>
-        <p:spPr/>
+        <p:spPr>
+          <a:xfrm>
+            <a:off x="20565960" y="15614186"/>
+            <a:ext cx="6279386" cy="606730"/>
+          </a:xfrm>
+        </p:spPr>
         <p:txBody>
           <a:bodyPr/>
           <a:lstStyle/>
           <a:p>
-            <a:endParaRPr lang="en-US" dirty="0"/>
+            <a:r>
+              <a:rPr lang="en-US" sz="3200" dirty="0" smtClean="0">
+                <a:solidFill>
+                  <a:srgbClr val="000002"/>
+                </a:solidFill>
+              </a:rPr>
+              <a:t>Project Tagline</a:t>
+            </a:r>
+            <a:endParaRPr lang="en-US" sz="3200" dirty="0">
+              <a:solidFill>
+                <a:srgbClr val="000002"/>
+              </a:solidFill>
+            </a:endParaRPr>
           </a:p>
         </p:txBody>
       </p:sp>
@@ -13772,14 +16717,14 @@
             <a:r>
               <a:rPr lang="en-US" b="1" dirty="0" smtClean="0">
                 <a:solidFill>
-                  <a:srgbClr val="002060"/>
+                  <a:srgbClr val="000002"/>
                 </a:solidFill>
               </a:rPr>
               <a:t>Communist Hunt</a:t>
             </a:r>
             <a:endParaRPr lang="en-US" b="1" dirty="0">
               <a:solidFill>
-                <a:srgbClr val="002060"/>
+                <a:srgbClr val="000002"/>
               </a:solidFill>
             </a:endParaRPr>
           </a:p>
@@ -13803,14 +16748,14 @@
             <a:r>
               <a:rPr lang="en-US" dirty="0" smtClean="0">
                 <a:solidFill>
-                  <a:srgbClr val="002060"/>
+                  <a:srgbClr val="000002"/>
                 </a:solidFill>
               </a:rPr>
               <a:t>Cooper Chia, Griffin Craft, Noah Weiss</a:t>
             </a:r>
             <a:endParaRPr lang="en-US" dirty="0">
               <a:solidFill>
-                <a:srgbClr val="002060"/>
+                <a:srgbClr val="000002"/>
               </a:solidFill>
             </a:endParaRPr>
           </a:p>
@@ -13834,19 +16779,149 @@
             <a:r>
               <a:rPr lang="en-US" dirty="0" smtClean="0">
                 <a:solidFill>
-                  <a:srgbClr val="002060"/>
+                  <a:srgbClr val="000002"/>
                 </a:solidFill>
               </a:rPr>
               <a:t>Computer Science, Roosevelt High School, Seattle, WA</a:t>
             </a:r>
             <a:endParaRPr lang="en-US" dirty="0">
               <a:solidFill>
-                <a:srgbClr val="002060"/>
+                <a:srgbClr val="000002"/>
               </a:solidFill>
             </a:endParaRPr>
           </a:p>
         </p:txBody>
       </p:sp>
+      <p:graphicFrame>
+        <p:nvGraphicFramePr>
+          <p:cNvPr id="2" name="Diagram 1"/>
+          <p:cNvGraphicFramePr/>
+          <p:nvPr>
+            <p:extLst>
+              <p:ext uri="{D42A27DB-BD31-4B8C-83A1-F6EECF244321}">
+                <p14:modId xmlns:p14="http://schemas.microsoft.com/office/powerpoint/2010/main" val="3364570182"/>
+              </p:ext>
+            </p:extLst>
+          </p:nvPr>
+        </p:nvGraphicFramePr>
+        <p:xfrm>
+          <a:off x="14020800" y="4953000"/>
+          <a:ext cx="5410200" cy="7543800"/>
+        </p:xfrm>
+        <a:graphic>
+          <a:graphicData uri="http://schemas.openxmlformats.org/drawingml/2006/diagram">
+            <dgm:relIds xmlns:dgm="http://schemas.openxmlformats.org/drawingml/2006/diagram" xmlns:r="http://schemas.openxmlformats.org/officeDocument/2006/relationships" r:dm="rId2" r:lo="rId3" r:qs="rId4" r:cs="rId5"/>
+          </a:graphicData>
+        </a:graphic>
+      </p:graphicFrame>
+      <p:cxnSp>
+        <p:nvCxnSpPr>
+          <p:cNvPr id="5" name="Straight Arrow Connector 4"/>
+          <p:cNvCxnSpPr/>
+          <p:nvPr/>
+        </p:nvCxnSpPr>
+        <p:spPr>
+          <a:xfrm flipV="1">
+            <a:off x="18440400" y="8305800"/>
+            <a:ext cx="0" cy="1905000"/>
+          </a:xfrm>
+          <a:prstGeom prst="straightConnector1">
+            <a:avLst/>
+          </a:prstGeom>
+          <a:ln>
+            <a:solidFill>
+              <a:srgbClr val="000002"/>
+            </a:solidFill>
+            <a:tailEnd type="arrow"/>
+          </a:ln>
+        </p:spPr>
+        <p:style>
+          <a:lnRef idx="2">
+            <a:schemeClr val="accent1"/>
+          </a:lnRef>
+          <a:fillRef idx="0">
+            <a:schemeClr val="accent1"/>
+          </a:fillRef>
+          <a:effectRef idx="1">
+            <a:schemeClr val="accent1"/>
+          </a:effectRef>
+          <a:fontRef idx="minor">
+            <a:schemeClr val="tx1"/>
+          </a:fontRef>
+        </p:style>
+      </p:cxnSp>
+      <p:cxnSp>
+        <p:nvCxnSpPr>
+          <p:cNvPr id="9" name="Straight Arrow Connector 8"/>
+          <p:cNvCxnSpPr/>
+          <p:nvPr/>
+        </p:nvCxnSpPr>
+        <p:spPr>
+          <a:xfrm flipV="1">
+            <a:off x="14782800" y="7315200"/>
+            <a:ext cx="1219200" cy="609600"/>
+          </a:xfrm>
+          <a:prstGeom prst="straightConnector1">
+            <a:avLst/>
+          </a:prstGeom>
+          <a:ln>
+            <a:solidFill>
+              <a:srgbClr val="000002"/>
+            </a:solidFill>
+            <a:tailEnd type="arrow"/>
+          </a:ln>
+        </p:spPr>
+        <p:style>
+          <a:lnRef idx="2">
+            <a:schemeClr val="accent1"/>
+          </a:lnRef>
+          <a:fillRef idx="0">
+            <a:schemeClr val="accent1"/>
+          </a:fillRef>
+          <a:effectRef idx="1">
+            <a:schemeClr val="accent1"/>
+          </a:effectRef>
+          <a:fontRef idx="minor">
+            <a:schemeClr val="tx1"/>
+          </a:fontRef>
+        </p:style>
+      </p:cxnSp>
+      <p:cxnSp>
+        <p:nvCxnSpPr>
+          <p:cNvPr id="13" name="Straight Arrow Connector 12"/>
+          <p:cNvCxnSpPr/>
+          <p:nvPr/>
+        </p:nvCxnSpPr>
+        <p:spPr>
+          <a:xfrm flipV="1">
+            <a:off x="17297400" y="6096000"/>
+            <a:ext cx="0" cy="685800"/>
+          </a:xfrm>
+          <a:prstGeom prst="straightConnector1">
+            <a:avLst/>
+          </a:prstGeom>
+          <a:ln>
+            <a:solidFill>
+              <a:srgbClr val="000002"/>
+            </a:solidFill>
+            <a:tailEnd type="arrow"/>
+          </a:ln>
+        </p:spPr>
+        <p:style>
+          <a:lnRef idx="2">
+            <a:schemeClr val="accent1"/>
+          </a:lnRef>
+          <a:fillRef idx="0">
+            <a:schemeClr val="accent1"/>
+          </a:fillRef>
+          <a:effectRef idx="1">
+            <a:schemeClr val="accent1"/>
+          </a:effectRef>
+          <a:fontRef idx="minor">
+            <a:schemeClr val="tx1"/>
+          </a:fontRef>
+        </p:style>
+      </p:cxnSp>
     </p:spTree>
     <p:extLst>
       <p:ext uri="{BB962C8B-B14F-4D97-AF65-F5344CB8AC3E}">
@@ -13860,7 +16935,7 @@
   <p:timing>
     <p:tnLst>
       <p:par>
-        <p:cTn id="1" dur="indefinite" restart="never" nodeType="tmRoot"/>
+        <p:cTn xmlns:p14="http://schemas.microsoft.com/office/powerpoint/2010/main" id="1" dur="indefinite" restart="never" nodeType="tmRoot"/>
       </p:par>
     </p:tnLst>
   </p:timing>

--- a/Communist Poster.pptx
+++ b/Communist Poster.pptx
@@ -110,6 +110,753 @@
 </file>
 
 <file path=ppt/diagrams/colors1.xml><?xml version="1.0" encoding="utf-8"?>
+<dgm:colorsDef xmlns:dgm="http://schemas.openxmlformats.org/drawingml/2006/diagram" xmlns:a="http://schemas.openxmlformats.org/drawingml/2006/main" uniqueId="urn:microsoft.com/office/officeart/2005/8/colors/accent1_2">
+  <dgm:title val=""/>
+  <dgm:desc val=""/>
+  <dgm:catLst>
+    <dgm:cat type="accent1" pri="11200"/>
+  </dgm:catLst>
+  <dgm:styleLbl name="node0">
+    <dgm:fillClrLst meth="repeat">
+      <a:schemeClr val="accent1"/>
+    </dgm:fillClrLst>
+    <dgm:linClrLst meth="repeat">
+      <a:schemeClr val="lt1"/>
+    </dgm:linClrLst>
+    <dgm:effectClrLst/>
+    <dgm:txLinClrLst/>
+    <dgm:txFillClrLst/>
+    <dgm:txEffectClrLst/>
+  </dgm:styleLbl>
+  <dgm:styleLbl name="alignNode1">
+    <dgm:fillClrLst meth="repeat">
+      <a:schemeClr val="accent1"/>
+    </dgm:fillClrLst>
+    <dgm:linClrLst meth="repeat">
+      <a:schemeClr val="accent1"/>
+    </dgm:linClrLst>
+    <dgm:effectClrLst/>
+    <dgm:txLinClrLst/>
+    <dgm:txFillClrLst/>
+    <dgm:txEffectClrLst/>
+  </dgm:styleLbl>
+  <dgm:styleLbl name="node1">
+    <dgm:fillClrLst meth="repeat">
+      <a:schemeClr val="accent1"/>
+    </dgm:fillClrLst>
+    <dgm:linClrLst meth="repeat">
+      <a:schemeClr val="lt1"/>
+    </dgm:linClrLst>
+    <dgm:effectClrLst/>
+    <dgm:txLinClrLst/>
+    <dgm:txFillClrLst/>
+    <dgm:txEffectClrLst/>
+  </dgm:styleLbl>
+  <dgm:styleLbl name="lnNode1">
+    <dgm:fillClrLst meth="repeat">
+      <a:schemeClr val="accent1"/>
+    </dgm:fillClrLst>
+    <dgm:linClrLst meth="repeat">
+      <a:schemeClr val="lt1"/>
+    </dgm:linClrLst>
+    <dgm:effectClrLst/>
+    <dgm:txLinClrLst/>
+    <dgm:txFillClrLst/>
+    <dgm:txEffectClrLst/>
+  </dgm:styleLbl>
+  <dgm:styleLbl name="vennNode1">
+    <dgm:fillClrLst meth="repeat">
+      <a:schemeClr val="accent1">
+        <a:alpha val="50000"/>
+      </a:schemeClr>
+    </dgm:fillClrLst>
+    <dgm:linClrLst meth="repeat">
+      <a:schemeClr val="lt1"/>
+    </dgm:linClrLst>
+    <dgm:effectClrLst/>
+    <dgm:txLinClrLst/>
+    <dgm:txFillClrLst/>
+    <dgm:txEffectClrLst/>
+  </dgm:styleLbl>
+  <dgm:styleLbl name="node2">
+    <dgm:fillClrLst meth="repeat">
+      <a:schemeClr val="accent1"/>
+    </dgm:fillClrLst>
+    <dgm:linClrLst meth="repeat">
+      <a:schemeClr val="lt1"/>
+    </dgm:linClrLst>
+    <dgm:effectClrLst/>
+    <dgm:txLinClrLst/>
+    <dgm:txFillClrLst/>
+    <dgm:txEffectClrLst/>
+  </dgm:styleLbl>
+  <dgm:styleLbl name="node3">
+    <dgm:fillClrLst meth="repeat">
+      <a:schemeClr val="accent1"/>
+    </dgm:fillClrLst>
+    <dgm:linClrLst meth="repeat">
+      <a:schemeClr val="lt1"/>
+    </dgm:linClrLst>
+    <dgm:effectClrLst/>
+    <dgm:txLinClrLst/>
+    <dgm:txFillClrLst/>
+    <dgm:txEffectClrLst/>
+  </dgm:styleLbl>
+  <dgm:styleLbl name="node4">
+    <dgm:fillClrLst meth="repeat">
+      <a:schemeClr val="accent1"/>
+    </dgm:fillClrLst>
+    <dgm:linClrLst meth="repeat">
+      <a:schemeClr val="lt1"/>
+    </dgm:linClrLst>
+    <dgm:effectClrLst/>
+    <dgm:txLinClrLst/>
+    <dgm:txFillClrLst/>
+    <dgm:txEffectClrLst/>
+  </dgm:styleLbl>
+  <dgm:styleLbl name="fgImgPlace1">
+    <dgm:fillClrLst meth="repeat">
+      <a:schemeClr val="accent1">
+        <a:tint val="50000"/>
+      </a:schemeClr>
+    </dgm:fillClrLst>
+    <dgm:linClrLst meth="repeat">
+      <a:schemeClr val="lt1"/>
+    </dgm:linClrLst>
+    <dgm:effectClrLst/>
+    <dgm:txLinClrLst/>
+    <dgm:txFillClrLst meth="repeat">
+      <a:schemeClr val="lt1"/>
+    </dgm:txFillClrLst>
+    <dgm:txEffectClrLst/>
+  </dgm:styleLbl>
+  <dgm:styleLbl name="alignImgPlace1">
+    <dgm:fillClrLst meth="repeat">
+      <a:schemeClr val="accent1">
+        <a:tint val="50000"/>
+      </a:schemeClr>
+    </dgm:fillClrLst>
+    <dgm:linClrLst meth="repeat">
+      <a:schemeClr val="lt1"/>
+    </dgm:linClrLst>
+    <dgm:effectClrLst/>
+    <dgm:txLinClrLst/>
+    <dgm:txFillClrLst meth="repeat">
+      <a:schemeClr val="lt1"/>
+    </dgm:txFillClrLst>
+    <dgm:txEffectClrLst/>
+  </dgm:styleLbl>
+  <dgm:styleLbl name="bgImgPlace1">
+    <dgm:fillClrLst meth="repeat">
+      <a:schemeClr val="accent1">
+        <a:tint val="50000"/>
+      </a:schemeClr>
+    </dgm:fillClrLst>
+    <dgm:linClrLst meth="repeat">
+      <a:schemeClr val="lt1"/>
+    </dgm:linClrLst>
+    <dgm:effectClrLst/>
+    <dgm:txLinClrLst/>
+    <dgm:txFillClrLst meth="repeat">
+      <a:schemeClr val="lt1"/>
+    </dgm:txFillClrLst>
+    <dgm:txEffectClrLst/>
+  </dgm:styleLbl>
+  <dgm:styleLbl name="sibTrans2D1">
+    <dgm:fillClrLst meth="repeat">
+      <a:schemeClr val="accent1">
+        <a:tint val="60000"/>
+      </a:schemeClr>
+    </dgm:fillClrLst>
+    <dgm:linClrLst meth="repeat">
+      <a:schemeClr val="accent1">
+        <a:tint val="60000"/>
+      </a:schemeClr>
+    </dgm:linClrLst>
+    <dgm:effectClrLst/>
+    <dgm:txLinClrLst/>
+    <dgm:txFillClrLst/>
+    <dgm:txEffectClrLst/>
+  </dgm:styleLbl>
+  <dgm:styleLbl name="fgSibTrans2D1">
+    <dgm:fillClrLst meth="repeat">
+      <a:schemeClr val="accent1">
+        <a:tint val="60000"/>
+      </a:schemeClr>
+    </dgm:fillClrLst>
+    <dgm:linClrLst meth="repeat">
+      <a:schemeClr val="accent1">
+        <a:tint val="60000"/>
+      </a:schemeClr>
+    </dgm:linClrLst>
+    <dgm:effectClrLst/>
+    <dgm:txLinClrLst/>
+    <dgm:txFillClrLst/>
+    <dgm:txEffectClrLst/>
+  </dgm:styleLbl>
+  <dgm:styleLbl name="bgSibTrans2D1">
+    <dgm:fillClrLst meth="repeat">
+      <a:schemeClr val="accent1">
+        <a:tint val="60000"/>
+      </a:schemeClr>
+    </dgm:fillClrLst>
+    <dgm:linClrLst meth="repeat">
+      <a:schemeClr val="accent1">
+        <a:tint val="60000"/>
+      </a:schemeClr>
+    </dgm:linClrLst>
+    <dgm:effectClrLst/>
+    <dgm:txLinClrLst/>
+    <dgm:txFillClrLst/>
+    <dgm:txEffectClrLst/>
+  </dgm:styleLbl>
+  <dgm:styleLbl name="sibTrans1D1">
+    <dgm:fillClrLst meth="repeat">
+      <a:schemeClr val="accent1"/>
+    </dgm:fillClrLst>
+    <dgm:linClrLst meth="repeat">
+      <a:schemeClr val="accent1"/>
+    </dgm:linClrLst>
+    <dgm:effectClrLst/>
+    <dgm:txLinClrLst/>
+    <dgm:txFillClrLst meth="repeat">
+      <a:schemeClr val="tx1"/>
+    </dgm:txFillClrLst>
+    <dgm:txEffectClrLst/>
+  </dgm:styleLbl>
+  <dgm:styleLbl name="callout">
+    <dgm:fillClrLst meth="repeat">
+      <a:schemeClr val="accent1"/>
+    </dgm:fillClrLst>
+    <dgm:linClrLst meth="repeat">
+      <a:schemeClr val="accent1">
+        <a:tint val="50000"/>
+      </a:schemeClr>
+    </dgm:linClrLst>
+    <dgm:effectClrLst/>
+    <dgm:txLinClrLst/>
+    <dgm:txFillClrLst meth="repeat">
+      <a:schemeClr val="tx1"/>
+    </dgm:txFillClrLst>
+    <dgm:txEffectClrLst/>
+  </dgm:styleLbl>
+  <dgm:styleLbl name="asst0">
+    <dgm:fillClrLst meth="repeat">
+      <a:schemeClr val="accent1"/>
+    </dgm:fillClrLst>
+    <dgm:linClrLst meth="repeat">
+      <a:schemeClr val="lt1"/>
+    </dgm:linClrLst>
+    <dgm:effectClrLst/>
+    <dgm:txLinClrLst/>
+    <dgm:txFillClrLst/>
+    <dgm:txEffectClrLst/>
+  </dgm:styleLbl>
+  <dgm:styleLbl name="asst1">
+    <dgm:fillClrLst meth="repeat">
+      <a:schemeClr val="accent1"/>
+    </dgm:fillClrLst>
+    <dgm:linClrLst meth="repeat">
+      <a:schemeClr val="lt1"/>
+    </dgm:linClrLst>
+    <dgm:effectClrLst/>
+    <dgm:txLinClrLst/>
+    <dgm:txFillClrLst/>
+    <dgm:txEffectClrLst/>
+  </dgm:styleLbl>
+  <dgm:styleLbl name="asst2">
+    <dgm:fillClrLst meth="repeat">
+      <a:schemeClr val="accent1"/>
+    </dgm:fillClrLst>
+    <dgm:linClrLst meth="repeat">
+      <a:schemeClr val="lt1"/>
+    </dgm:linClrLst>
+    <dgm:effectClrLst/>
+    <dgm:txLinClrLst/>
+    <dgm:txFillClrLst/>
+    <dgm:txEffectClrLst/>
+  </dgm:styleLbl>
+  <dgm:styleLbl name="asst3">
+    <dgm:fillClrLst meth="repeat">
+      <a:schemeClr val="accent1"/>
+    </dgm:fillClrLst>
+    <dgm:linClrLst meth="repeat">
+      <a:schemeClr val="lt1"/>
+    </dgm:linClrLst>
+    <dgm:effectClrLst/>
+    <dgm:txLinClrLst/>
+    <dgm:txFillClrLst/>
+    <dgm:txEffectClrLst/>
+  </dgm:styleLbl>
+  <dgm:styleLbl name="asst4">
+    <dgm:fillClrLst meth="repeat">
+      <a:schemeClr val="accent1"/>
+    </dgm:fillClrLst>
+    <dgm:linClrLst meth="repeat">
+      <a:schemeClr val="lt1"/>
+    </dgm:linClrLst>
+    <dgm:effectClrLst/>
+    <dgm:txLinClrLst/>
+    <dgm:txFillClrLst/>
+    <dgm:txEffectClrLst/>
+  </dgm:styleLbl>
+  <dgm:styleLbl name="parChTrans2D1">
+    <dgm:fillClrLst meth="repeat">
+      <a:schemeClr val="accent1">
+        <a:tint val="60000"/>
+      </a:schemeClr>
+    </dgm:fillClrLst>
+    <dgm:linClrLst meth="repeat">
+      <a:schemeClr val="accent1">
+        <a:tint val="60000"/>
+      </a:schemeClr>
+    </dgm:linClrLst>
+    <dgm:effectClrLst/>
+    <dgm:txLinClrLst/>
+    <dgm:txFillClrLst meth="repeat">
+      <a:schemeClr val="lt1"/>
+    </dgm:txFillClrLst>
+    <dgm:txEffectClrLst/>
+  </dgm:styleLbl>
+  <dgm:styleLbl name="parChTrans2D2">
+    <dgm:fillClrLst meth="repeat">
+      <a:schemeClr val="accent1"/>
+    </dgm:fillClrLst>
+    <dgm:linClrLst meth="repeat">
+      <a:schemeClr val="accent1"/>
+    </dgm:linClrLst>
+    <dgm:effectClrLst/>
+    <dgm:txLinClrLst/>
+    <dgm:txFillClrLst meth="repeat">
+      <a:schemeClr val="lt1"/>
+    </dgm:txFillClrLst>
+    <dgm:txEffectClrLst/>
+  </dgm:styleLbl>
+  <dgm:styleLbl name="parChTrans2D3">
+    <dgm:fillClrLst meth="repeat">
+      <a:schemeClr val="accent1"/>
+    </dgm:fillClrLst>
+    <dgm:linClrLst meth="repeat">
+      <a:schemeClr val="accent1"/>
+    </dgm:linClrLst>
+    <dgm:effectClrLst/>
+    <dgm:txLinClrLst/>
+    <dgm:txFillClrLst meth="repeat">
+      <a:schemeClr val="lt1"/>
+    </dgm:txFillClrLst>
+    <dgm:txEffectClrLst/>
+  </dgm:styleLbl>
+  <dgm:styleLbl name="parChTrans2D4">
+    <dgm:fillClrLst meth="repeat">
+      <a:schemeClr val="accent1"/>
+    </dgm:fillClrLst>
+    <dgm:linClrLst meth="repeat">
+      <a:schemeClr val="accent1"/>
+    </dgm:linClrLst>
+    <dgm:effectClrLst/>
+    <dgm:txLinClrLst/>
+    <dgm:txFillClrLst meth="repeat">
+      <a:schemeClr val="lt1"/>
+    </dgm:txFillClrLst>
+    <dgm:txEffectClrLst/>
+  </dgm:styleLbl>
+  <dgm:styleLbl name="parChTrans1D1">
+    <dgm:fillClrLst meth="repeat">
+      <a:schemeClr val="accent1"/>
+    </dgm:fillClrLst>
+    <dgm:linClrLst meth="repeat">
+      <a:schemeClr val="accent1">
+        <a:shade val="60000"/>
+      </a:schemeClr>
+    </dgm:linClrLst>
+    <dgm:effectClrLst/>
+    <dgm:txLinClrLst/>
+    <dgm:txFillClrLst meth="repeat">
+      <a:schemeClr val="tx1"/>
+    </dgm:txFillClrLst>
+    <dgm:txEffectClrLst/>
+  </dgm:styleLbl>
+  <dgm:styleLbl name="parChTrans1D2">
+    <dgm:fillClrLst meth="repeat">
+      <a:schemeClr val="accent1"/>
+    </dgm:fillClrLst>
+    <dgm:linClrLst meth="repeat">
+      <a:schemeClr val="accent1">
+        <a:shade val="60000"/>
+      </a:schemeClr>
+    </dgm:linClrLst>
+    <dgm:effectClrLst/>
+    <dgm:txLinClrLst/>
+    <dgm:txFillClrLst meth="repeat">
+      <a:schemeClr val="tx1"/>
+    </dgm:txFillClrLst>
+    <dgm:txEffectClrLst/>
+  </dgm:styleLbl>
+  <dgm:styleLbl name="parChTrans1D3">
+    <dgm:fillClrLst meth="repeat">
+      <a:schemeClr val="accent1"/>
+    </dgm:fillClrLst>
+    <dgm:linClrLst meth="repeat">
+      <a:schemeClr val="accent1">
+        <a:shade val="80000"/>
+      </a:schemeClr>
+    </dgm:linClrLst>
+    <dgm:effectClrLst/>
+    <dgm:txLinClrLst/>
+    <dgm:txFillClrLst meth="repeat">
+      <a:schemeClr val="tx1"/>
+    </dgm:txFillClrLst>
+    <dgm:txEffectClrLst/>
+  </dgm:styleLbl>
+  <dgm:styleLbl name="parChTrans1D4">
+    <dgm:fillClrLst meth="repeat">
+      <a:schemeClr val="accent1"/>
+    </dgm:fillClrLst>
+    <dgm:linClrLst meth="repeat">
+      <a:schemeClr val="accent1">
+        <a:shade val="80000"/>
+      </a:schemeClr>
+    </dgm:linClrLst>
+    <dgm:effectClrLst/>
+    <dgm:txLinClrLst/>
+    <dgm:txFillClrLst meth="repeat">
+      <a:schemeClr val="tx1"/>
+    </dgm:txFillClrLst>
+    <dgm:txEffectClrLst/>
+  </dgm:styleLbl>
+  <dgm:styleLbl name="fgAcc1">
+    <dgm:fillClrLst meth="repeat">
+      <a:schemeClr val="lt1">
+        <a:alpha val="90000"/>
+      </a:schemeClr>
+    </dgm:fillClrLst>
+    <dgm:linClrLst meth="repeat">
+      <a:schemeClr val="accent1"/>
+    </dgm:linClrLst>
+    <dgm:effectClrLst/>
+    <dgm:txLinClrLst/>
+    <dgm:txFillClrLst meth="repeat">
+      <a:schemeClr val="dk1"/>
+    </dgm:txFillClrLst>
+    <dgm:txEffectClrLst/>
+  </dgm:styleLbl>
+  <dgm:styleLbl name="conFgAcc1">
+    <dgm:fillClrLst meth="repeat">
+      <a:schemeClr val="lt1">
+        <a:alpha val="90000"/>
+      </a:schemeClr>
+    </dgm:fillClrLst>
+    <dgm:linClrLst meth="repeat">
+      <a:schemeClr val="accent1"/>
+    </dgm:linClrLst>
+    <dgm:effectClrLst/>
+    <dgm:txLinClrLst/>
+    <dgm:txFillClrLst meth="repeat">
+      <a:schemeClr val="dk1"/>
+    </dgm:txFillClrLst>
+    <dgm:txEffectClrLst/>
+  </dgm:styleLbl>
+  <dgm:styleLbl name="alignAcc1">
+    <dgm:fillClrLst meth="repeat">
+      <a:schemeClr val="lt1">
+        <a:alpha val="90000"/>
+      </a:schemeClr>
+    </dgm:fillClrLst>
+    <dgm:linClrLst meth="repeat">
+      <a:schemeClr val="accent1"/>
+    </dgm:linClrLst>
+    <dgm:effectClrLst/>
+    <dgm:txLinClrLst/>
+    <dgm:txFillClrLst meth="repeat">
+      <a:schemeClr val="dk1"/>
+    </dgm:txFillClrLst>
+    <dgm:txEffectClrLst/>
+  </dgm:styleLbl>
+  <dgm:styleLbl name="trAlignAcc1">
+    <dgm:fillClrLst meth="repeat">
+      <a:schemeClr val="lt1">
+        <a:alpha val="40000"/>
+      </a:schemeClr>
+    </dgm:fillClrLst>
+    <dgm:linClrLst meth="repeat">
+      <a:schemeClr val="accent1"/>
+    </dgm:linClrLst>
+    <dgm:effectClrLst/>
+    <dgm:txLinClrLst/>
+    <dgm:txFillClrLst meth="repeat">
+      <a:schemeClr val="dk1"/>
+    </dgm:txFillClrLst>
+    <dgm:txEffectClrLst/>
+  </dgm:styleLbl>
+  <dgm:styleLbl name="bgAcc1">
+    <dgm:fillClrLst meth="repeat">
+      <a:schemeClr val="lt1">
+        <a:alpha val="90000"/>
+      </a:schemeClr>
+    </dgm:fillClrLst>
+    <dgm:linClrLst meth="repeat">
+      <a:schemeClr val="accent1"/>
+    </dgm:linClrLst>
+    <dgm:effectClrLst/>
+    <dgm:txLinClrLst/>
+    <dgm:txFillClrLst meth="repeat">
+      <a:schemeClr val="dk1"/>
+    </dgm:txFillClrLst>
+    <dgm:txEffectClrLst/>
+  </dgm:styleLbl>
+  <dgm:styleLbl name="solidFgAcc1">
+    <dgm:fillClrLst meth="repeat">
+      <a:schemeClr val="lt1"/>
+    </dgm:fillClrLst>
+    <dgm:linClrLst meth="repeat">
+      <a:schemeClr val="accent1"/>
+    </dgm:linClrLst>
+    <dgm:effectClrLst/>
+    <dgm:txLinClrLst/>
+    <dgm:txFillClrLst meth="repeat">
+      <a:schemeClr val="dk1"/>
+    </dgm:txFillClrLst>
+    <dgm:txEffectClrLst/>
+  </dgm:styleLbl>
+  <dgm:styleLbl name="solidAlignAcc1">
+    <dgm:fillClrLst meth="repeat">
+      <a:schemeClr val="lt1"/>
+    </dgm:fillClrLst>
+    <dgm:linClrLst meth="repeat">
+      <a:schemeClr val="accent1"/>
+    </dgm:linClrLst>
+    <dgm:effectClrLst/>
+    <dgm:txLinClrLst/>
+    <dgm:txFillClrLst meth="repeat">
+      <a:schemeClr val="dk1"/>
+    </dgm:txFillClrLst>
+    <dgm:txEffectClrLst/>
+  </dgm:styleLbl>
+  <dgm:styleLbl name="solidBgAcc1">
+    <dgm:fillClrLst meth="repeat">
+      <a:schemeClr val="lt1"/>
+    </dgm:fillClrLst>
+    <dgm:linClrLst meth="repeat">
+      <a:schemeClr val="accent1"/>
+    </dgm:linClrLst>
+    <dgm:effectClrLst/>
+    <dgm:txLinClrLst/>
+    <dgm:txFillClrLst meth="repeat">
+      <a:schemeClr val="dk1"/>
+    </dgm:txFillClrLst>
+    <dgm:txEffectClrLst/>
+  </dgm:styleLbl>
+  <dgm:styleLbl name="fgAccFollowNode1">
+    <dgm:fillClrLst meth="repeat">
+      <a:schemeClr val="accent1">
+        <a:alpha val="90000"/>
+        <a:tint val="40000"/>
+      </a:schemeClr>
+    </dgm:fillClrLst>
+    <dgm:linClrLst meth="repeat">
+      <a:schemeClr val="accent1">
+        <a:alpha val="90000"/>
+        <a:tint val="40000"/>
+      </a:schemeClr>
+    </dgm:linClrLst>
+    <dgm:effectClrLst/>
+    <dgm:txLinClrLst/>
+    <dgm:txFillClrLst meth="repeat">
+      <a:schemeClr val="dk1"/>
+    </dgm:txFillClrLst>
+    <dgm:txEffectClrLst/>
+  </dgm:styleLbl>
+  <dgm:styleLbl name="alignAccFollowNode1">
+    <dgm:fillClrLst meth="repeat">
+      <a:schemeClr val="accent1">
+        <a:alpha val="90000"/>
+        <a:tint val="40000"/>
+      </a:schemeClr>
+    </dgm:fillClrLst>
+    <dgm:linClrLst meth="repeat">
+      <a:schemeClr val="accent1">
+        <a:alpha val="90000"/>
+        <a:tint val="40000"/>
+      </a:schemeClr>
+    </dgm:linClrLst>
+    <dgm:effectClrLst/>
+    <dgm:txLinClrLst/>
+    <dgm:txFillClrLst meth="repeat">
+      <a:schemeClr val="dk1"/>
+    </dgm:txFillClrLst>
+    <dgm:txEffectClrLst/>
+  </dgm:styleLbl>
+  <dgm:styleLbl name="bgAccFollowNode1">
+    <dgm:fillClrLst meth="repeat">
+      <a:schemeClr val="accent1">
+        <a:alpha val="90000"/>
+        <a:tint val="40000"/>
+      </a:schemeClr>
+    </dgm:fillClrLst>
+    <dgm:linClrLst meth="repeat">
+      <a:schemeClr val="accent1">
+        <a:alpha val="90000"/>
+        <a:tint val="40000"/>
+      </a:schemeClr>
+    </dgm:linClrLst>
+    <dgm:effectClrLst/>
+    <dgm:txLinClrLst/>
+    <dgm:txFillClrLst meth="repeat">
+      <a:schemeClr val="dk1"/>
+    </dgm:txFillClrLst>
+    <dgm:txEffectClrLst/>
+  </dgm:styleLbl>
+  <dgm:styleLbl name="fgAcc0">
+    <dgm:fillClrLst meth="repeat">
+      <a:schemeClr val="lt1">
+        <a:alpha val="90000"/>
+      </a:schemeClr>
+    </dgm:fillClrLst>
+    <dgm:linClrLst meth="repeat">
+      <a:schemeClr val="accent1"/>
+    </dgm:linClrLst>
+    <dgm:effectClrLst/>
+    <dgm:txLinClrLst/>
+    <dgm:txFillClrLst meth="repeat">
+      <a:schemeClr val="dk1"/>
+    </dgm:txFillClrLst>
+    <dgm:txEffectClrLst/>
+  </dgm:styleLbl>
+  <dgm:styleLbl name="fgAcc2">
+    <dgm:fillClrLst meth="repeat">
+      <a:schemeClr val="lt1">
+        <a:alpha val="90000"/>
+      </a:schemeClr>
+    </dgm:fillClrLst>
+    <dgm:linClrLst meth="repeat">
+      <a:schemeClr val="accent1"/>
+    </dgm:linClrLst>
+    <dgm:effectClrLst/>
+    <dgm:txLinClrLst/>
+    <dgm:txFillClrLst meth="repeat">
+      <a:schemeClr val="dk1"/>
+    </dgm:txFillClrLst>
+    <dgm:txEffectClrLst/>
+  </dgm:styleLbl>
+  <dgm:styleLbl name="fgAcc3">
+    <dgm:fillClrLst meth="repeat">
+      <a:schemeClr val="lt1">
+        <a:alpha val="90000"/>
+      </a:schemeClr>
+    </dgm:fillClrLst>
+    <dgm:linClrLst meth="repeat">
+      <a:schemeClr val="accent1"/>
+    </dgm:linClrLst>
+    <dgm:effectClrLst/>
+    <dgm:txLinClrLst/>
+    <dgm:txFillClrLst meth="repeat">
+      <a:schemeClr val="dk1"/>
+    </dgm:txFillClrLst>
+    <dgm:txEffectClrLst/>
+  </dgm:styleLbl>
+  <dgm:styleLbl name="fgAcc4">
+    <dgm:fillClrLst meth="repeat">
+      <a:schemeClr val="lt1">
+        <a:alpha val="90000"/>
+      </a:schemeClr>
+    </dgm:fillClrLst>
+    <dgm:linClrLst meth="repeat">
+      <a:schemeClr val="accent1"/>
+    </dgm:linClrLst>
+    <dgm:effectClrLst/>
+    <dgm:txLinClrLst/>
+    <dgm:txFillClrLst meth="repeat">
+      <a:schemeClr val="dk1"/>
+    </dgm:txFillClrLst>
+    <dgm:txEffectClrLst/>
+  </dgm:styleLbl>
+  <dgm:styleLbl name="bgShp">
+    <dgm:fillClrLst meth="repeat">
+      <a:schemeClr val="accent1">
+        <a:tint val="40000"/>
+      </a:schemeClr>
+    </dgm:fillClrLst>
+    <dgm:linClrLst meth="repeat">
+      <a:schemeClr val="accent1"/>
+    </dgm:linClrLst>
+    <dgm:effectClrLst/>
+    <dgm:txLinClrLst/>
+    <dgm:txFillClrLst meth="repeat">
+      <a:schemeClr val="dk1"/>
+    </dgm:txFillClrLst>
+    <dgm:txEffectClrLst/>
+  </dgm:styleLbl>
+  <dgm:styleLbl name="dkBgShp">
+    <dgm:fillClrLst meth="repeat">
+      <a:schemeClr val="accent1">
+        <a:shade val="80000"/>
+      </a:schemeClr>
+    </dgm:fillClrLst>
+    <dgm:linClrLst meth="repeat">
+      <a:schemeClr val="accent1"/>
+    </dgm:linClrLst>
+    <dgm:effectClrLst/>
+    <dgm:txLinClrLst/>
+    <dgm:txFillClrLst meth="repeat">
+      <a:schemeClr val="lt1"/>
+    </dgm:txFillClrLst>
+    <dgm:txEffectClrLst/>
+  </dgm:styleLbl>
+  <dgm:styleLbl name="trBgShp">
+    <dgm:fillClrLst meth="repeat">
+      <a:schemeClr val="accent1">
+        <a:tint val="50000"/>
+        <a:alpha val="40000"/>
+      </a:schemeClr>
+    </dgm:fillClrLst>
+    <dgm:linClrLst meth="repeat">
+      <a:schemeClr val="accent1"/>
+    </dgm:linClrLst>
+    <dgm:effectClrLst/>
+    <dgm:txLinClrLst/>
+    <dgm:txFillClrLst meth="repeat">
+      <a:schemeClr val="lt1"/>
+    </dgm:txFillClrLst>
+    <dgm:txEffectClrLst/>
+  </dgm:styleLbl>
+  <dgm:styleLbl name="fgShp">
+    <dgm:fillClrLst meth="repeat">
+      <a:schemeClr val="accent1">
+        <a:tint val="60000"/>
+      </a:schemeClr>
+    </dgm:fillClrLst>
+    <dgm:linClrLst meth="repeat">
+      <a:schemeClr val="lt1"/>
+    </dgm:linClrLst>
+    <dgm:effectClrLst/>
+    <dgm:txLinClrLst/>
+    <dgm:txFillClrLst meth="repeat">
+      <a:schemeClr val="dk1"/>
+    </dgm:txFillClrLst>
+    <dgm:txEffectClrLst/>
+  </dgm:styleLbl>
+  <dgm:styleLbl name="revTx">
+    <dgm:fillClrLst meth="repeat">
+      <a:schemeClr val="lt1">
+        <a:alpha val="0"/>
+      </a:schemeClr>
+    </dgm:fillClrLst>
+    <dgm:linClrLst meth="repeat">
+      <a:schemeClr val="dk1">
+        <a:alpha val="0"/>
+      </a:schemeClr>
+    </dgm:linClrLst>
+    <dgm:effectClrLst/>
+    <dgm:txLinClrLst/>
+    <dgm:txFillClrLst meth="repeat">
+      <a:schemeClr val="tx1"/>
+    </dgm:txFillClrLst>
+    <dgm:txEffectClrLst/>
+  </dgm:styleLbl>
+</dgm:colorsDef>
+</file>
+
+<file path=ppt/diagrams/colors2.xml><?xml version="1.0" encoding="utf-8"?>
 <dgm:colorsDef xmlns:dgm="http://schemas.openxmlformats.org/drawingml/2006/diagram" xmlns:a="http://schemas.openxmlformats.org/drawingml/2006/main" uniqueId="urn:microsoft.com/office/officeart/2005/8/colors/accent1_2">
   <dgm:title val=""/>
   <dgm:desc val=""/>
@@ -1013,12 +1760,12 @@
         <a:lstStyle/>
         <a:p>
           <a:r>
-            <a:rPr lang="en-US" dirty="0" err="1" smtClean="0">
+            <a:rPr lang="en-US" dirty="0" smtClean="0">
               <a:solidFill>
                 <a:srgbClr val="000002"/>
               </a:solidFill>
             </a:rPr>
-            <a:t>Stalin.java</a:t>
+            <a:t>Menu.java</a:t>
           </a:r>
           <a:endParaRPr lang="en-US" dirty="0">
             <a:solidFill>
@@ -1127,6 +1874,51 @@
         </a:p>
       </dgm:t>
     </dgm:pt>
+    <dgm:pt modelId="{C7864474-CC2B-45F5-AAEB-10FA7AA11732}">
+      <dgm:prSet phldrT="[Text]"/>
+      <dgm:spPr/>
+      <dgm:t>
+        <a:bodyPr/>
+        <a:lstStyle/>
+        <a:p>
+          <a:r>
+            <a:rPr lang="en-US" dirty="0" smtClean="0">
+              <a:solidFill>
+                <a:srgbClr val="000002"/>
+              </a:solidFill>
+            </a:rPr>
+            <a:t>Stalin.java</a:t>
+          </a:r>
+          <a:endParaRPr lang="en-US" dirty="0">
+            <a:solidFill>
+              <a:srgbClr val="000002"/>
+            </a:solidFill>
+          </a:endParaRPr>
+        </a:p>
+      </dgm:t>
+    </dgm:pt>
+    <dgm:pt modelId="{FE92C978-461A-4D85-BC05-F30248831E3B}" type="parTrans" cxnId="{2A114180-0D73-41B0-9DAB-CA022FFF7323}">
+      <dgm:prSet/>
+      <dgm:spPr/>
+      <dgm:t>
+        <a:bodyPr/>
+        <a:lstStyle/>
+        <a:p>
+          <a:endParaRPr lang="en-US"/>
+        </a:p>
+      </dgm:t>
+    </dgm:pt>
+    <dgm:pt modelId="{A9C1C154-C77D-4642-97F3-8281A5C96299}" type="sibTrans" cxnId="{2A114180-0D73-41B0-9DAB-CA022FFF7323}">
+      <dgm:prSet/>
+      <dgm:spPr/>
+      <dgm:t>
+        <a:bodyPr/>
+        <a:lstStyle/>
+        <a:p>
+          <a:endParaRPr lang="en-US"/>
+        </a:p>
+      </dgm:t>
+    </dgm:pt>
     <dgm:pt modelId="{3F47E291-1046-0D45-89A9-D89352BEBB5B}" type="pres">
       <dgm:prSet presAssocID="{8C620DA7-2C12-794D-B01F-0C74BE1B33DB}" presName="diagram" presStyleCnt="0">
         <dgm:presLayoutVars>
@@ -1135,9 +1927,16 @@
         </dgm:presLayoutVars>
       </dgm:prSet>
       <dgm:spPr/>
+      <dgm:t>
+        <a:bodyPr/>
+        <a:lstStyle/>
+        <a:p>
+          <a:endParaRPr lang="en-US"/>
+        </a:p>
+      </dgm:t>
     </dgm:pt>
     <dgm:pt modelId="{D439D97D-4118-4B40-863B-B4A660D719FC}" type="pres">
-      <dgm:prSet presAssocID="{47161A47-9225-434F-AA66-18A31F798373}" presName="node" presStyleLbl="node1" presStyleIdx="0" presStyleCnt="5" custScaleX="57747" custScaleY="25822" custLinFactY="-939" custLinFactNeighborX="0" custLinFactNeighborY="-100000">
+      <dgm:prSet presAssocID="{47161A47-9225-434F-AA66-18A31F798373}" presName="node" presStyleLbl="node1" presStyleIdx="0" presStyleCnt="6" custScaleX="57747" custScaleY="25822" custLinFactY="-939" custLinFactNeighborX="0" custLinFactNeighborY="-100000">
         <dgm:presLayoutVars>
           <dgm:bulletEnabled val="1"/>
         </dgm:presLayoutVars>
@@ -1156,43 +1955,83 @@
       <dgm:spPr/>
     </dgm:pt>
     <dgm:pt modelId="{0300182E-7333-1F49-938F-FFA3A9E5F799}" type="pres">
-      <dgm:prSet presAssocID="{AEFE64AD-3D8B-9D40-A029-808A4EE7B010}" presName="node" presStyleLbl="node1" presStyleIdx="1" presStyleCnt="5" custScaleX="57747" custScaleY="25822" custLinFactY="-939" custLinFactNeighborX="0" custLinFactNeighborY="-100000">
+      <dgm:prSet presAssocID="{AEFE64AD-3D8B-9D40-A029-808A4EE7B010}" presName="node" presStyleLbl="node1" presStyleIdx="1" presStyleCnt="6" custScaleX="57747" custScaleY="25822" custLinFactY="-939" custLinFactNeighborX="0" custLinFactNeighborY="-100000">
         <dgm:presLayoutVars>
           <dgm:bulletEnabled val="1"/>
         </dgm:presLayoutVars>
       </dgm:prSet>
       <dgm:spPr/>
+      <dgm:t>
+        <a:bodyPr/>
+        <a:lstStyle/>
+        <a:p>
+          <a:endParaRPr lang="en-US"/>
+        </a:p>
+      </dgm:t>
     </dgm:pt>
     <dgm:pt modelId="{DC571173-1D28-AC45-BC47-5E72888ECB19}" type="pres">
       <dgm:prSet presAssocID="{342336F8-022D-D54C-8D74-2E81FE62C616}" presName="sibTrans" presStyleCnt="0"/>
       <dgm:spPr/>
     </dgm:pt>
     <dgm:pt modelId="{4EA83997-DB78-D545-A427-6C8032B1DEF2}" type="pres">
-      <dgm:prSet presAssocID="{2E2D49F5-5BC9-FB46-88DA-83EEA53E66B9}" presName="node" presStyleLbl="node1" presStyleIdx="2" presStyleCnt="5" custScaleX="57747" custScaleY="25822" custLinFactNeighborX="22535" custLinFactNeighborY="-25432">
+      <dgm:prSet presAssocID="{2E2D49F5-5BC9-FB46-88DA-83EEA53E66B9}" presName="node" presStyleLbl="node1" presStyleIdx="2" presStyleCnt="6" custScaleX="57747" custScaleY="25822" custLinFactNeighborX="22535" custLinFactNeighborY="-25432">
         <dgm:presLayoutVars>
           <dgm:bulletEnabled val="1"/>
         </dgm:presLayoutVars>
       </dgm:prSet>
       <dgm:spPr/>
+      <dgm:t>
+        <a:bodyPr/>
+        <a:lstStyle/>
+        <a:p>
+          <a:endParaRPr lang="en-US"/>
+        </a:p>
+      </dgm:t>
     </dgm:pt>
     <dgm:pt modelId="{C5B90BEA-A44D-2A40-A97D-0470AC7E7D83}" type="pres">
       <dgm:prSet presAssocID="{9FE57DB7-514D-6247-8A3A-9EF3F643F9B1}" presName="sibTrans" presStyleCnt="0"/>
       <dgm:spPr/>
     </dgm:pt>
     <dgm:pt modelId="{F9693215-31D5-3B4F-9465-A28F29478F15}" type="pres">
-      <dgm:prSet presAssocID="{7E0F5CCF-041C-F548-97E8-47DAD6397DCF}" presName="node" presStyleLbl="node1" presStyleIdx="3" presStyleCnt="5" custScaleX="57747" custScaleY="25822" custLinFactNeighborX="21127" custLinFactNeighborY="47102">
+      <dgm:prSet presAssocID="{7E0F5CCF-041C-F548-97E8-47DAD6397DCF}" presName="node" presStyleLbl="node1" presStyleIdx="3" presStyleCnt="6" custScaleX="57747" custScaleY="25822" custLinFactNeighborX="28" custLinFactNeighborY="52718">
         <dgm:presLayoutVars>
           <dgm:bulletEnabled val="1"/>
         </dgm:presLayoutVars>
       </dgm:prSet>
       <dgm:spPr/>
+      <dgm:t>
+        <a:bodyPr/>
+        <a:lstStyle/>
+        <a:p>
+          <a:endParaRPr lang="en-US"/>
+        </a:p>
+      </dgm:t>
     </dgm:pt>
     <dgm:pt modelId="{A47B5530-945E-FB4E-8380-C2D3A38034D8}" type="pres">
       <dgm:prSet presAssocID="{20AAA324-D7A8-9B40-81DA-0CB7202C548A}" presName="sibTrans" presStyleCnt="0"/>
       <dgm:spPr/>
     </dgm:pt>
     <dgm:pt modelId="{14132242-5052-2745-9F5D-A16798AFBC85}" type="pres">
-      <dgm:prSet presAssocID="{DAC25DBE-9206-294D-8BB4-2B941557E6C9}" presName="node" presStyleLbl="node1" presStyleIdx="4" presStyleCnt="5" custScaleX="60564" custScaleY="59464" custLinFactNeighborX="-19718" custLinFactNeighborY="-73240">
+      <dgm:prSet presAssocID="{DAC25DBE-9206-294D-8BB4-2B941557E6C9}" presName="node" presStyleLbl="node1" presStyleIdx="4" presStyleCnt="6" custScaleX="60564" custScaleY="59464" custLinFactNeighborX="-19718" custLinFactNeighborY="-73240">
+        <dgm:presLayoutVars>
+          <dgm:bulletEnabled val="1"/>
+        </dgm:presLayoutVars>
+      </dgm:prSet>
+      <dgm:spPr/>
+      <dgm:t>
+        <a:bodyPr/>
+        <a:lstStyle/>
+        <a:p>
+          <a:endParaRPr lang="en-US"/>
+        </a:p>
+      </dgm:t>
+    </dgm:pt>
+    <dgm:pt modelId="{1FA19339-8BA2-47A2-981B-D72CB0EA650D}" type="pres">
+      <dgm:prSet presAssocID="{4B5CE98D-385B-EA47-8769-35F9D2C8267E}" presName="sibTrans" presStyleCnt="0"/>
+      <dgm:spPr/>
+    </dgm:pt>
+    <dgm:pt modelId="{C6397C1A-B597-4FD3-AC6A-5152DF77DCD5}" type="pres">
+      <dgm:prSet presAssocID="{C7864474-CC2B-45F5-AAEB-10FA7AA11732}" presName="node" presStyleLbl="node1" presStyleIdx="5" presStyleCnt="6" custScaleX="57747" custScaleY="25822" custLinFactNeighborX="22535" custLinFactNeighborY="-25432">
         <dgm:presLayoutVars>
           <dgm:bulletEnabled val="1"/>
         </dgm:presLayoutVars>
@@ -1208,17 +2047,19 @@
     </dgm:pt>
   </dgm:ptLst>
   <dgm:cxnLst>
+    <dgm:cxn modelId="{8DD507A5-9D79-9546-95FD-C236CCE1A8D7}" srcId="{8C620DA7-2C12-794D-B01F-0C74BE1B33DB}" destId="{AEFE64AD-3D8B-9D40-A029-808A4EE7B010}" srcOrd="1" destOrd="0" parTransId="{AB63DAB2-4E9D-794F-80EA-552F21C4CCAA}" sibTransId="{342336F8-022D-D54C-8D74-2E81FE62C616}"/>
+    <dgm:cxn modelId="{89286416-EC2E-6C40-983C-61BFC5B042AB}" srcId="{8C620DA7-2C12-794D-B01F-0C74BE1B33DB}" destId="{DAC25DBE-9206-294D-8BB4-2B941557E6C9}" srcOrd="4" destOrd="0" parTransId="{FFF00C48-1D28-3342-95E4-3A06FD06C086}" sibTransId="{4B5CE98D-385B-EA47-8769-35F9D2C8267E}"/>
     <dgm:cxn modelId="{2A0C7969-F6F6-6245-A863-1F593999FC49}" type="presOf" srcId="{AEFE64AD-3D8B-9D40-A029-808A4EE7B010}" destId="{0300182E-7333-1F49-938F-FFA3A9E5F799}" srcOrd="0" destOrd="0" presId="urn:microsoft.com/office/officeart/2005/8/layout/default"/>
+    <dgm:cxn modelId="{968F8EBD-592A-2842-94B8-BD07BCA4D04E}" srcId="{8C620DA7-2C12-794D-B01F-0C74BE1B33DB}" destId="{7E0F5CCF-041C-F548-97E8-47DAD6397DCF}" srcOrd="3" destOrd="0" parTransId="{BE96FFEF-026A-5A4D-A315-959A96E74A96}" sibTransId="{20AAA324-D7A8-9B40-81DA-0CB7202C548A}"/>
+    <dgm:cxn modelId="{4005C579-0833-DC4F-96D8-14B44291D9D4}" type="presOf" srcId="{DAC25DBE-9206-294D-8BB4-2B941557E6C9}" destId="{14132242-5052-2745-9F5D-A16798AFBC85}" srcOrd="0" destOrd="0" presId="urn:microsoft.com/office/officeart/2005/8/layout/default"/>
     <dgm:cxn modelId="{C0EE921A-61AC-8B49-8422-D70B38E7BF47}" type="presOf" srcId="{7E0F5CCF-041C-F548-97E8-47DAD6397DCF}" destId="{F9693215-31D5-3B4F-9465-A28F29478F15}" srcOrd="0" destOrd="0" presId="urn:microsoft.com/office/officeart/2005/8/layout/default"/>
+    <dgm:cxn modelId="{91E07CE0-EBA2-DB42-AA8E-CF2220CA666B}" srcId="{8C620DA7-2C12-794D-B01F-0C74BE1B33DB}" destId="{47161A47-9225-434F-AA66-18A31F798373}" srcOrd="0" destOrd="0" parTransId="{77B2527A-1407-3743-AA38-5A686E6D6DAC}" sibTransId="{73A6376F-4BCB-2242-A2FC-231A096766E0}"/>
+    <dgm:cxn modelId="{9E08F86F-D652-8F4A-A228-B1ECA35967E0}" srcId="{8C620DA7-2C12-794D-B01F-0C74BE1B33DB}" destId="{2E2D49F5-5BC9-FB46-88DA-83EEA53E66B9}" srcOrd="2" destOrd="0" parTransId="{8AD1DE9C-CDB3-9C45-AED9-B953410A0E24}" sibTransId="{9FE57DB7-514D-6247-8A3A-9EF3F643F9B1}"/>
+    <dgm:cxn modelId="{E1489B24-57DF-8141-8D39-48C774C9ECED}" type="presOf" srcId="{2E2D49F5-5BC9-FB46-88DA-83EEA53E66B9}" destId="{4EA83997-DB78-D545-A427-6C8032B1DEF2}" srcOrd="0" destOrd="0" presId="urn:microsoft.com/office/officeart/2005/8/layout/default"/>
     <dgm:cxn modelId="{0C585ED6-A1F5-DD44-B1E4-AA30EFDF4AA3}" type="presOf" srcId="{8C620DA7-2C12-794D-B01F-0C74BE1B33DB}" destId="{3F47E291-1046-0D45-89A9-D89352BEBB5B}" srcOrd="0" destOrd="0" presId="urn:microsoft.com/office/officeart/2005/8/layout/default"/>
-    <dgm:cxn modelId="{8DD507A5-9D79-9546-95FD-C236CCE1A8D7}" srcId="{8C620DA7-2C12-794D-B01F-0C74BE1B33DB}" destId="{AEFE64AD-3D8B-9D40-A029-808A4EE7B010}" srcOrd="1" destOrd="0" parTransId="{AB63DAB2-4E9D-794F-80EA-552F21C4CCAA}" sibTransId="{342336F8-022D-D54C-8D74-2E81FE62C616}"/>
-    <dgm:cxn modelId="{91E07CE0-EBA2-DB42-AA8E-CF2220CA666B}" srcId="{8C620DA7-2C12-794D-B01F-0C74BE1B33DB}" destId="{47161A47-9225-434F-AA66-18A31F798373}" srcOrd="0" destOrd="0" parTransId="{77B2527A-1407-3743-AA38-5A686E6D6DAC}" sibTransId="{73A6376F-4BCB-2242-A2FC-231A096766E0}"/>
-    <dgm:cxn modelId="{89286416-EC2E-6C40-983C-61BFC5B042AB}" srcId="{8C620DA7-2C12-794D-B01F-0C74BE1B33DB}" destId="{DAC25DBE-9206-294D-8BB4-2B941557E6C9}" srcOrd="4" destOrd="0" parTransId="{FFF00C48-1D28-3342-95E4-3A06FD06C086}" sibTransId="{4B5CE98D-385B-EA47-8769-35F9D2C8267E}"/>
-    <dgm:cxn modelId="{4005C579-0833-DC4F-96D8-14B44291D9D4}" type="presOf" srcId="{DAC25DBE-9206-294D-8BB4-2B941557E6C9}" destId="{14132242-5052-2745-9F5D-A16798AFBC85}" srcOrd="0" destOrd="0" presId="urn:microsoft.com/office/officeart/2005/8/layout/default"/>
+    <dgm:cxn modelId="{2A114180-0D73-41B0-9DAB-CA022FFF7323}" srcId="{8C620DA7-2C12-794D-B01F-0C74BE1B33DB}" destId="{C7864474-CC2B-45F5-AAEB-10FA7AA11732}" srcOrd="5" destOrd="0" parTransId="{FE92C978-461A-4D85-BC05-F30248831E3B}" sibTransId="{A9C1C154-C77D-4642-97F3-8281A5C96299}"/>
+    <dgm:cxn modelId="{E544EE2F-85E6-438A-88AE-091C6AA09A68}" type="presOf" srcId="{C7864474-CC2B-45F5-AAEB-10FA7AA11732}" destId="{C6397C1A-B597-4FD3-AC6A-5152DF77DCD5}" srcOrd="0" destOrd="0" presId="urn:microsoft.com/office/officeart/2005/8/layout/default"/>
     <dgm:cxn modelId="{351C4FA5-AEEC-724C-BDDC-BFD94C8F089B}" type="presOf" srcId="{47161A47-9225-434F-AA66-18A31F798373}" destId="{D439D97D-4118-4B40-863B-B4A660D719FC}" srcOrd="0" destOrd="0" presId="urn:microsoft.com/office/officeart/2005/8/layout/default"/>
-    <dgm:cxn modelId="{968F8EBD-592A-2842-94B8-BD07BCA4D04E}" srcId="{8C620DA7-2C12-794D-B01F-0C74BE1B33DB}" destId="{7E0F5CCF-041C-F548-97E8-47DAD6397DCF}" srcOrd="3" destOrd="0" parTransId="{BE96FFEF-026A-5A4D-A315-959A96E74A96}" sibTransId="{20AAA324-D7A8-9B40-81DA-0CB7202C548A}"/>
-    <dgm:cxn modelId="{E1489B24-57DF-8141-8D39-48C774C9ECED}" type="presOf" srcId="{2E2D49F5-5BC9-FB46-88DA-83EEA53E66B9}" destId="{4EA83997-DB78-D545-A427-6C8032B1DEF2}" srcOrd="0" destOrd="0" presId="urn:microsoft.com/office/officeart/2005/8/layout/default"/>
-    <dgm:cxn modelId="{9E08F86F-D652-8F4A-A228-B1ECA35967E0}" srcId="{8C620DA7-2C12-794D-B01F-0C74BE1B33DB}" destId="{2E2D49F5-5BC9-FB46-88DA-83EEA53E66B9}" srcOrd="2" destOrd="0" parTransId="{8AD1DE9C-CDB3-9C45-AED9-B953410A0E24}" sibTransId="{9FE57DB7-514D-6247-8A3A-9EF3F643F9B1}"/>
     <dgm:cxn modelId="{202B4ABB-5043-8D47-9BC4-7318E17CB309}" type="presParOf" srcId="{3F47E291-1046-0D45-89A9-D89352BEBB5B}" destId="{D439D97D-4118-4B40-863B-B4A660D719FC}" srcOrd="0" destOrd="0" presId="urn:microsoft.com/office/officeart/2005/8/layout/default"/>
     <dgm:cxn modelId="{40F89F09-3C0C-0A46-B7AE-B58CE6CE7A04}" type="presParOf" srcId="{3F47E291-1046-0D45-89A9-D89352BEBB5B}" destId="{E646F014-B304-E548-820F-02B497D0E595}" srcOrd="1" destOrd="0" presId="urn:microsoft.com/office/officeart/2005/8/layout/default"/>
     <dgm:cxn modelId="{3C52D216-2FB2-C74B-A3A5-4E528D59985A}" type="presParOf" srcId="{3F47E291-1046-0D45-89A9-D89352BEBB5B}" destId="{0300182E-7333-1F49-938F-FFA3A9E5F799}" srcOrd="2" destOrd="0" presId="urn:microsoft.com/office/officeart/2005/8/layout/default"/>
@@ -1228,12 +2069,114 @@
     <dgm:cxn modelId="{BFA0A031-78B1-BA4B-83C6-DDDD7ED882D6}" type="presParOf" srcId="{3F47E291-1046-0D45-89A9-D89352BEBB5B}" destId="{F9693215-31D5-3B4F-9465-A28F29478F15}" srcOrd="6" destOrd="0" presId="urn:microsoft.com/office/officeart/2005/8/layout/default"/>
     <dgm:cxn modelId="{DF50B0AF-D365-4D4F-9400-34D9AEBF9F37}" type="presParOf" srcId="{3F47E291-1046-0D45-89A9-D89352BEBB5B}" destId="{A47B5530-945E-FB4E-8380-C2D3A38034D8}" srcOrd="7" destOrd="0" presId="urn:microsoft.com/office/officeart/2005/8/layout/default"/>
     <dgm:cxn modelId="{86759DF3-6128-134D-9B5B-6D65B022CEE6}" type="presParOf" srcId="{3F47E291-1046-0D45-89A9-D89352BEBB5B}" destId="{14132242-5052-2745-9F5D-A16798AFBC85}" srcOrd="8" destOrd="0" presId="urn:microsoft.com/office/officeart/2005/8/layout/default"/>
+    <dgm:cxn modelId="{38498891-07AC-4316-9779-B937823C936A}" type="presParOf" srcId="{3F47E291-1046-0D45-89A9-D89352BEBB5B}" destId="{1FA19339-8BA2-47A2-981B-D72CB0EA650D}" srcOrd="9" destOrd="0" presId="urn:microsoft.com/office/officeart/2005/8/layout/default"/>
+    <dgm:cxn modelId="{DB576B81-E0AA-4006-9C39-FC9679FF1501}" type="presParOf" srcId="{3F47E291-1046-0D45-89A9-D89352BEBB5B}" destId="{C6397C1A-B597-4FD3-AC6A-5152DF77DCD5}" srcOrd="10" destOrd="0" presId="urn:microsoft.com/office/officeart/2005/8/layout/default"/>
   </dgm:cxnLst>
   <dgm:bg/>
   <dgm:whole/>
   <dgm:extLst>
     <a:ext uri="http://schemas.microsoft.com/office/drawing/2008/diagram">
       <dsp:dataModelExt xmlns:dsp="http://schemas.microsoft.com/office/drawing/2008/diagram" relId="rId6" minVer="http://schemas.openxmlformats.org/drawingml/2006/diagram"/>
+    </a:ext>
+  </dgm:extLst>
+</dgm:dataModel>
+</file>
+
+<file path=ppt/diagrams/data2.xml><?xml version="1.0" encoding="utf-8"?>
+<dgm:dataModel xmlns:dgm="http://schemas.openxmlformats.org/drawingml/2006/diagram" xmlns:a="http://schemas.openxmlformats.org/drawingml/2006/main">
+  <dgm:ptLst>
+    <dgm:pt modelId="{B78FD200-18F4-4EF3-A55B-7692DC7CA203}" type="doc">
+      <dgm:prSet loTypeId="urn:microsoft.com/office/officeart/2005/8/layout/default" loCatId="list" qsTypeId="urn:microsoft.com/office/officeart/2005/8/quickstyle/simple1" qsCatId="simple" csTypeId="urn:microsoft.com/office/officeart/2005/8/colors/accent1_2" csCatId="accent1" phldr="1"/>
+      <dgm:spPr/>
+      <dgm:t>
+        <a:bodyPr/>
+        <a:lstStyle/>
+        <a:p>
+          <a:endParaRPr lang="en-US"/>
+        </a:p>
+      </dgm:t>
+    </dgm:pt>
+    <dgm:pt modelId="{3312B9C3-8797-4893-AEC0-5FB653C71542}">
+      <dgm:prSet phldrT="[Text]" custT="1"/>
+      <dgm:spPr/>
+      <dgm:t>
+        <a:bodyPr/>
+        <a:lstStyle/>
+        <a:p>
+          <a:r>
+            <a:rPr lang="en-US" sz="4000" dirty="0" smtClean="0">
+              <a:solidFill>
+                <a:srgbClr val="000002"/>
+              </a:solidFill>
+            </a:rPr>
+            <a:t>“A game for true patriots”</a:t>
+          </a:r>
+          <a:endParaRPr lang="en-US" sz="4000" dirty="0">
+            <a:solidFill>
+              <a:srgbClr val="000002"/>
+            </a:solidFill>
+          </a:endParaRPr>
+        </a:p>
+      </dgm:t>
+    </dgm:pt>
+    <dgm:pt modelId="{B217D511-2174-4269-B866-F89B4C6A7C26}" type="parTrans" cxnId="{90E65122-932D-4450-88DB-3FD6C00B238D}">
+      <dgm:prSet/>
+      <dgm:spPr/>
+      <dgm:t>
+        <a:bodyPr/>
+        <a:lstStyle/>
+        <a:p>
+          <a:endParaRPr lang="en-US"/>
+        </a:p>
+      </dgm:t>
+    </dgm:pt>
+    <dgm:pt modelId="{524F040F-D017-4B0C-9991-1F31DC7B2B77}" type="sibTrans" cxnId="{90E65122-932D-4450-88DB-3FD6C00B238D}">
+      <dgm:prSet/>
+      <dgm:spPr/>
+      <dgm:t>
+        <a:bodyPr/>
+        <a:lstStyle/>
+        <a:p>
+          <a:endParaRPr lang="en-US"/>
+        </a:p>
+      </dgm:t>
+    </dgm:pt>
+    <dgm:pt modelId="{10297CC6-5F13-482E-899B-3EA7F0C6DB6E}" type="pres">
+      <dgm:prSet presAssocID="{B78FD200-18F4-4EF3-A55B-7692DC7CA203}" presName="diagram" presStyleCnt="0">
+        <dgm:presLayoutVars>
+          <dgm:dir/>
+          <dgm:resizeHandles val="exact"/>
+        </dgm:presLayoutVars>
+      </dgm:prSet>
+      <dgm:spPr/>
+    </dgm:pt>
+    <dgm:pt modelId="{164F2190-72A8-4411-8F51-09C67BFD5891}" type="pres">
+      <dgm:prSet presAssocID="{3312B9C3-8797-4893-AEC0-5FB653C71542}" presName="node" presStyleLbl="node1" presStyleIdx="0" presStyleCnt="1" custScaleX="94336" custScaleY="59831" custLinFactNeighborX="-1270" custLinFactNeighborY="-2637">
+        <dgm:presLayoutVars>
+          <dgm:bulletEnabled val="1"/>
+        </dgm:presLayoutVars>
+      </dgm:prSet>
+      <dgm:spPr/>
+      <dgm:t>
+        <a:bodyPr/>
+        <a:lstStyle/>
+        <a:p>
+          <a:endParaRPr lang="en-US"/>
+        </a:p>
+      </dgm:t>
+    </dgm:pt>
+  </dgm:ptLst>
+  <dgm:cxnLst>
+    <dgm:cxn modelId="{6CCFFD60-37E3-492F-9C02-CAC93D47DE90}" type="presOf" srcId="{3312B9C3-8797-4893-AEC0-5FB653C71542}" destId="{164F2190-72A8-4411-8F51-09C67BFD5891}" srcOrd="0" destOrd="0" presId="urn:microsoft.com/office/officeart/2005/8/layout/default"/>
+    <dgm:cxn modelId="{69EBC230-5B1B-4DF9-AE4D-91836EDB3648}" type="presOf" srcId="{B78FD200-18F4-4EF3-A55B-7692DC7CA203}" destId="{10297CC6-5F13-482E-899B-3EA7F0C6DB6E}" srcOrd="0" destOrd="0" presId="urn:microsoft.com/office/officeart/2005/8/layout/default"/>
+    <dgm:cxn modelId="{90E65122-932D-4450-88DB-3FD6C00B238D}" srcId="{B78FD200-18F4-4EF3-A55B-7692DC7CA203}" destId="{3312B9C3-8797-4893-AEC0-5FB653C71542}" srcOrd="0" destOrd="0" parTransId="{B217D511-2174-4269-B866-F89B4C6A7C26}" sibTransId="{524F040F-D017-4B0C-9991-1F31DC7B2B77}"/>
+    <dgm:cxn modelId="{1A411905-AA4F-4A7D-87C1-5A83C8988F41}" type="presParOf" srcId="{10297CC6-5F13-482E-899B-3EA7F0C6DB6E}" destId="{164F2190-72A8-4411-8F51-09C67BFD5891}" srcOrd="0" destOrd="0" presId="urn:microsoft.com/office/officeart/2005/8/layout/default"/>
+  </dgm:cxnLst>
+  <dgm:bg/>
+  <dgm:whole/>
+  <dgm:extLst>
+    <a:ext uri="http://schemas.microsoft.com/office/drawing/2008/diagram">
+      <dsp:dataModelExt xmlns:dsp="http://schemas.microsoft.com/office/drawing/2008/diagram" relId="rId11" minVer="http://schemas.openxmlformats.org/drawingml/2006/diagram"/>
     </a:ext>
   </dgm:extLst>
 </dgm:dataModel>
@@ -1254,8 +2197,8 @@
       </dsp:nvSpPr>
       <dsp:spPr>
         <a:xfrm>
-          <a:off x="1142985" y="0"/>
-          <a:ext cx="3124228" cy="838213"/>
+          <a:off x="1370285" y="0"/>
+          <a:ext cx="2669628" cy="716246"/>
         </a:xfrm>
         <a:prstGeom prst="rect">
           <a:avLst/>
@@ -1326,8 +2269,8 @@
         </a:p>
       </dsp:txBody>
       <dsp:txXfrm>
-        <a:off x="1142985" y="0"/>
-        <a:ext cx="3124228" cy="838213"/>
+        <a:off x="1370285" y="0"/>
+        <a:ext cx="2669628" cy="716246"/>
       </dsp:txXfrm>
     </dsp:sp>
     <dsp:sp modelId="{0300182E-7333-1F49-938F-FFA3A9E5F799}">
@@ -1337,8 +2280,8 @@
       </dsp:nvSpPr>
       <dsp:spPr>
         <a:xfrm>
-          <a:off x="1142985" y="0"/>
-          <a:ext cx="3124228" cy="838213"/>
+          <a:off x="1370285" y="0"/>
+          <a:ext cx="2669628" cy="716246"/>
         </a:xfrm>
         <a:prstGeom prst="rect">
           <a:avLst/>
@@ -1377,12 +2320,12 @@
         </a:fontRef>
       </dsp:style>
       <dsp:txBody>
-        <a:bodyPr spcFirstLastPara="0" vert="horz" wrap="square" lIns="129540" tIns="129540" rIns="129540" bIns="129540" numCol="1" spcCol="1270" anchor="ctr" anchorCtr="0">
+        <a:bodyPr spcFirstLastPara="0" vert="horz" wrap="square" lIns="110490" tIns="110490" rIns="110490" bIns="110490" numCol="1" spcCol="1270" anchor="ctr" anchorCtr="0">
           <a:noAutofit/>
         </a:bodyPr>
         <a:lstStyle/>
         <a:p>
-          <a:pPr lvl="0" algn="ctr" defTabSz="1511300">
+          <a:pPr lvl="0" algn="ctr" defTabSz="1289050">
             <a:lnSpc>
               <a:spcPct val="90000"/>
             </a:lnSpc>
@@ -1394,14 +2337,14 @@
             </a:spcAft>
           </a:pPr>
           <a:r>
-            <a:rPr lang="en-US" sz="3400" kern="1200" dirty="0" err="1" smtClean="0">
+            <a:rPr lang="en-US" sz="2900" kern="1200" dirty="0" err="1" smtClean="0">
               <a:solidFill>
                 <a:srgbClr val="000002"/>
               </a:solidFill>
             </a:rPr>
             <a:t>Background.java</a:t>
           </a:r>
-          <a:endParaRPr lang="en-US" sz="3400" kern="1200" dirty="0">
+          <a:endParaRPr lang="en-US" sz="2900" kern="1200" dirty="0">
             <a:solidFill>
               <a:srgbClr val="000002"/>
             </a:solidFill>
@@ -1409,8 +2352,8 @@
         </a:p>
       </dsp:txBody>
       <dsp:txXfrm>
-        <a:off x="1142985" y="0"/>
-        <a:ext cx="3124228" cy="838213"/>
+        <a:off x="1370285" y="0"/>
+        <a:ext cx="2669628" cy="716246"/>
       </dsp:txXfrm>
     </dsp:sp>
     <dsp:sp modelId="{4EA83997-DB78-D545-A427-6C8032B1DEF2}">
@@ -1420,8 +2363,8 @@
       </dsp:nvSpPr>
       <dsp:spPr>
         <a:xfrm>
-          <a:off x="2285971" y="1981210"/>
-          <a:ext cx="3124228" cy="838213"/>
+          <a:off x="2412072" y="1652497"/>
+          <a:ext cx="2669628" cy="716246"/>
         </a:xfrm>
         <a:prstGeom prst="rect">
           <a:avLst/>
@@ -1460,12 +2403,12 @@
         </a:fontRef>
       </dsp:style>
       <dsp:txBody>
-        <a:bodyPr spcFirstLastPara="0" vert="horz" wrap="square" lIns="129540" tIns="129540" rIns="129540" bIns="129540" numCol="1" spcCol="1270" anchor="ctr" anchorCtr="0">
+        <a:bodyPr spcFirstLastPara="0" vert="horz" wrap="square" lIns="110490" tIns="110490" rIns="110490" bIns="110490" numCol="1" spcCol="1270" anchor="ctr" anchorCtr="0">
           <a:noAutofit/>
         </a:bodyPr>
         <a:lstStyle/>
         <a:p>
-          <a:pPr lvl="0" algn="ctr" defTabSz="1511300">
+          <a:pPr lvl="0" algn="ctr" defTabSz="1289050">
             <a:lnSpc>
               <a:spcPct val="90000"/>
             </a:lnSpc>
@@ -1477,14 +2420,14 @@
             </a:spcAft>
           </a:pPr>
           <a:r>
-            <a:rPr lang="en-US" sz="3400" kern="1200" dirty="0" err="1" smtClean="0">
+            <a:rPr lang="en-US" sz="2900" kern="1200" dirty="0" err="1" smtClean="0">
               <a:solidFill>
                 <a:srgbClr val="000002"/>
               </a:solidFill>
             </a:rPr>
             <a:t>Game.java</a:t>
           </a:r>
-          <a:endParaRPr lang="en-US" sz="3400" kern="1200" dirty="0">
+          <a:endParaRPr lang="en-US" sz="2900" kern="1200" dirty="0">
             <a:solidFill>
               <a:srgbClr val="000002"/>
             </a:solidFill>
@@ -1492,8 +2435,8 @@
         </a:p>
       </dsp:txBody>
       <dsp:txXfrm>
-        <a:off x="2285971" y="1981210"/>
-        <a:ext cx="3124228" cy="838213"/>
+        <a:off x="2412072" y="1652497"/>
+        <a:ext cx="2669628" cy="716246"/>
       </dsp:txXfrm>
     </dsp:sp>
     <dsp:sp modelId="{F9693215-31D5-3B4F-9465-A28F29478F15}">
@@ -1503,8 +2446,8 @@
       </dsp:nvSpPr>
       <dsp:spPr>
         <a:xfrm>
-          <a:off x="2285971" y="5714984"/>
-          <a:ext cx="3124228" cy="838213"/>
+          <a:off x="1371580" y="4998753"/>
+          <a:ext cx="2669628" cy="716246"/>
         </a:xfrm>
         <a:prstGeom prst="rect">
           <a:avLst/>
@@ -1543,12 +2486,12 @@
         </a:fontRef>
       </dsp:style>
       <dsp:txBody>
-        <a:bodyPr spcFirstLastPara="0" vert="horz" wrap="square" lIns="129540" tIns="129540" rIns="129540" bIns="129540" numCol="1" spcCol="1270" anchor="ctr" anchorCtr="0">
+        <a:bodyPr spcFirstLastPara="0" vert="horz" wrap="square" lIns="110490" tIns="110490" rIns="110490" bIns="110490" numCol="1" spcCol="1270" anchor="ctr" anchorCtr="0">
           <a:noAutofit/>
         </a:bodyPr>
         <a:lstStyle/>
         <a:p>
-          <a:pPr lvl="0" algn="ctr" defTabSz="1511300">
+          <a:pPr lvl="0" algn="ctr" defTabSz="1289050">
             <a:lnSpc>
               <a:spcPct val="90000"/>
             </a:lnSpc>
@@ -1560,14 +2503,14 @@
             </a:spcAft>
           </a:pPr>
           <a:r>
-            <a:rPr lang="en-US" sz="3400" kern="1200" dirty="0" err="1" smtClean="0">
+            <a:rPr lang="en-US" sz="2900" kern="1200" dirty="0" smtClean="0">
               <a:solidFill>
                 <a:srgbClr val="000002"/>
               </a:solidFill>
             </a:rPr>
-            <a:t>Stalin.java</a:t>
+            <a:t>Menu.java</a:t>
           </a:r>
-          <a:endParaRPr lang="en-US" sz="3400" kern="1200" dirty="0">
+          <a:endParaRPr lang="en-US" sz="2900" kern="1200" dirty="0">
             <a:solidFill>
               <a:srgbClr val="000002"/>
             </a:solidFill>
@@ -1575,8 +2518,8 @@
         </a:p>
       </dsp:txBody>
       <dsp:txXfrm>
-        <a:off x="2285971" y="5714984"/>
-        <a:ext cx="3124228" cy="838213"/>
+        <a:off x="1371580" y="4998753"/>
+        <a:ext cx="2669628" cy="716246"/>
       </dsp:txXfrm>
     </dsp:sp>
     <dsp:sp modelId="{14132242-5052-2745-9F5D-A16798AFBC85}">
@@ -1586,8 +2529,8 @@
       </dsp:nvSpPr>
       <dsp:spPr>
         <a:xfrm>
-          <a:off x="0" y="3187771"/>
-          <a:ext cx="3276633" cy="1930272"/>
+          <a:off x="393613" y="2683494"/>
+          <a:ext cx="2799857" cy="1649403"/>
         </a:xfrm>
         <a:prstGeom prst="rect">
           <a:avLst/>
@@ -1626,12 +2569,12 @@
         </a:fontRef>
       </dsp:style>
       <dsp:txBody>
-        <a:bodyPr spcFirstLastPara="0" vert="horz" wrap="square" lIns="129540" tIns="129540" rIns="129540" bIns="129540" numCol="1" spcCol="1270" anchor="ctr" anchorCtr="0">
+        <a:bodyPr spcFirstLastPara="0" vert="horz" wrap="square" lIns="110490" tIns="110490" rIns="110490" bIns="110490" numCol="1" spcCol="1270" anchor="ctr" anchorCtr="0">
           <a:noAutofit/>
         </a:bodyPr>
         <a:lstStyle/>
         <a:p>
-          <a:pPr lvl="0" algn="ctr" defTabSz="1511300">
+          <a:pPr lvl="0" algn="ctr" defTabSz="1289050">
             <a:lnSpc>
               <a:spcPct val="90000"/>
             </a:lnSpc>
@@ -1643,7 +2586,7 @@
             </a:spcAft>
           </a:pPr>
           <a:r>
-            <a:rPr lang="en-US" sz="3400" kern="1200" dirty="0" err="1" smtClean="0">
+            <a:rPr lang="en-US" sz="2900" kern="1200" dirty="0" err="1" smtClean="0">
               <a:solidFill>
                 <a:srgbClr val="000002"/>
               </a:solidFill>
@@ -1651,7 +2594,7 @@
             <a:t>JPanel</a:t>
           </a:r>
           <a:r>
-            <a:rPr lang="en-US" sz="3400" kern="1200" dirty="0" smtClean="0">
+            <a:rPr lang="en-US" sz="2900" kern="1200" dirty="0" smtClean="0">
               <a:solidFill>
                 <a:srgbClr val="000002"/>
               </a:solidFill>
@@ -1659,7 +2602,7 @@
             <a:t>, </a:t>
           </a:r>
           <a:r>
-            <a:rPr lang="en-US" sz="3400" kern="1200" dirty="0" err="1" smtClean="0">
+            <a:rPr lang="en-US" sz="2900" kern="1200" dirty="0" err="1" smtClean="0">
               <a:solidFill>
                 <a:srgbClr val="000002"/>
               </a:solidFill>
@@ -1667,7 +2610,7 @@
             <a:t>ActionListener</a:t>
           </a:r>
           <a:r>
-            <a:rPr lang="en-US" sz="3400" kern="1200" dirty="0" smtClean="0">
+            <a:rPr lang="en-US" sz="2900" kern="1200" dirty="0" smtClean="0">
               <a:solidFill>
                 <a:srgbClr val="000002"/>
               </a:solidFill>
@@ -1675,14 +2618,14 @@
             <a:t>, </a:t>
           </a:r>
           <a:r>
-            <a:rPr lang="en-US" sz="3400" kern="1200" dirty="0" err="1" smtClean="0">
+            <a:rPr lang="en-US" sz="2900" kern="1200" dirty="0" err="1" smtClean="0">
               <a:solidFill>
                 <a:srgbClr val="000002"/>
               </a:solidFill>
             </a:rPr>
             <a:t>MouseListener</a:t>
           </a:r>
-          <a:endParaRPr lang="en-US" sz="3400" kern="1200" dirty="0">
+          <a:endParaRPr lang="en-US" sz="2900" kern="1200" dirty="0">
             <a:solidFill>
               <a:srgbClr val="000002"/>
             </a:solidFill>
@@ -1690,8 +2633,188 @@
         </a:p>
       </dsp:txBody>
       <dsp:txXfrm>
-        <a:off x="0" y="3187771"/>
-        <a:ext cx="3276633" cy="1930272"/>
+        <a:off x="393613" y="2683494"/>
+        <a:ext cx="2799857" cy="1649403"/>
+      </dsp:txXfrm>
+    </dsp:sp>
+    <dsp:sp modelId="{C6397C1A-B597-4FD3-AC6A-5152DF77DCD5}">
+      <dsp:nvSpPr>
+        <dsp:cNvPr id="0" name=""/>
+        <dsp:cNvSpPr/>
+      </dsp:nvSpPr>
+      <dsp:spPr>
+        <a:xfrm>
+          <a:off x="2412072" y="6121285"/>
+          <a:ext cx="2669628" cy="716246"/>
+        </a:xfrm>
+        <a:prstGeom prst="rect">
+          <a:avLst/>
+        </a:prstGeom>
+        <a:solidFill>
+          <a:schemeClr val="accent1">
+            <a:hueOff val="0"/>
+            <a:satOff val="0"/>
+            <a:lumOff val="0"/>
+            <a:alphaOff val="0"/>
+          </a:schemeClr>
+        </a:solidFill>
+        <a:ln>
+          <a:noFill/>
+        </a:ln>
+        <a:effectLst>
+          <a:outerShdw blurRad="38100" dist="30000" dir="5400000" rotWithShape="0">
+            <a:srgbClr val="000000">
+              <a:alpha val="45000"/>
+            </a:srgbClr>
+          </a:outerShdw>
+        </a:effectLst>
+      </dsp:spPr>
+      <dsp:style>
+        <a:lnRef idx="0">
+          <a:scrgbClr r="0" g="0" b="0"/>
+        </a:lnRef>
+        <a:fillRef idx="3">
+          <a:scrgbClr r="0" g="0" b="0"/>
+        </a:fillRef>
+        <a:effectRef idx="2">
+          <a:scrgbClr r="0" g="0" b="0"/>
+        </a:effectRef>
+        <a:fontRef idx="minor">
+          <a:schemeClr val="lt1"/>
+        </a:fontRef>
+      </dsp:style>
+      <dsp:txBody>
+        <a:bodyPr spcFirstLastPara="0" vert="horz" wrap="square" lIns="110490" tIns="110490" rIns="110490" bIns="110490" numCol="1" spcCol="1270" anchor="ctr" anchorCtr="0">
+          <a:noAutofit/>
+        </a:bodyPr>
+        <a:lstStyle/>
+        <a:p>
+          <a:pPr lvl="0" algn="ctr" defTabSz="1289050">
+            <a:lnSpc>
+              <a:spcPct val="90000"/>
+            </a:lnSpc>
+            <a:spcBef>
+              <a:spcPct val="0"/>
+            </a:spcBef>
+            <a:spcAft>
+              <a:spcPct val="35000"/>
+            </a:spcAft>
+          </a:pPr>
+          <a:r>
+            <a:rPr lang="en-US" sz="2900" kern="1200" dirty="0" smtClean="0">
+              <a:solidFill>
+                <a:srgbClr val="000002"/>
+              </a:solidFill>
+            </a:rPr>
+            <a:t>Stalin.java</a:t>
+          </a:r>
+          <a:endParaRPr lang="en-US" sz="2900" kern="1200" dirty="0">
+            <a:solidFill>
+              <a:srgbClr val="000002"/>
+            </a:solidFill>
+          </a:endParaRPr>
+        </a:p>
+      </dsp:txBody>
+      <dsp:txXfrm>
+        <a:off x="2412072" y="6121285"/>
+        <a:ext cx="2669628" cy="716246"/>
+      </dsp:txXfrm>
+    </dsp:sp>
+  </dsp:spTree>
+</dsp:drawing>
+</file>
+
+<file path=ppt/diagrams/drawing2.xml><?xml version="1.0" encoding="utf-8"?>
+<dsp:drawing xmlns:dgm="http://schemas.openxmlformats.org/drawingml/2006/diagram" xmlns:dsp="http://schemas.microsoft.com/office/drawing/2008/diagram" xmlns:a="http://schemas.openxmlformats.org/drawingml/2006/main">
+  <dsp:spTree>
+    <dsp:nvGrpSpPr>
+      <dsp:cNvPr id="0" name=""/>
+      <dsp:cNvGrpSpPr/>
+    </dsp:nvGrpSpPr>
+    <dsp:grpSpPr/>
+    <dsp:sp modelId="{164F2190-72A8-4411-8F51-09C67BFD5891}">
+      <dsp:nvSpPr>
+        <dsp:cNvPr id="0" name=""/>
+        <dsp:cNvSpPr/>
+      </dsp:nvSpPr>
+      <dsp:spPr>
+        <a:xfrm>
+          <a:off x="76175" y="457187"/>
+          <a:ext cx="4600578" cy="1750702"/>
+        </a:xfrm>
+        <a:prstGeom prst="rect">
+          <a:avLst/>
+        </a:prstGeom>
+        <a:solidFill>
+          <a:schemeClr val="accent1">
+            <a:hueOff val="0"/>
+            <a:satOff val="0"/>
+            <a:lumOff val="0"/>
+            <a:alphaOff val="0"/>
+          </a:schemeClr>
+        </a:solidFill>
+        <a:ln w="19050" cap="flat" cmpd="sng" algn="ctr">
+          <a:solidFill>
+            <a:schemeClr val="lt1">
+              <a:hueOff val="0"/>
+              <a:satOff val="0"/>
+              <a:lumOff val="0"/>
+              <a:alphaOff val="0"/>
+            </a:schemeClr>
+          </a:solidFill>
+          <a:prstDash val="solid"/>
+        </a:ln>
+        <a:effectLst/>
+      </dsp:spPr>
+      <dsp:style>
+        <a:lnRef idx="2">
+          <a:scrgbClr r="0" g="0" b="0"/>
+        </a:lnRef>
+        <a:fillRef idx="1">
+          <a:scrgbClr r="0" g="0" b="0"/>
+        </a:fillRef>
+        <a:effectRef idx="0">
+          <a:scrgbClr r="0" g="0" b="0"/>
+        </a:effectRef>
+        <a:fontRef idx="minor">
+          <a:schemeClr val="lt1"/>
+        </a:fontRef>
+      </dsp:style>
+      <dsp:txBody>
+        <a:bodyPr spcFirstLastPara="0" vert="horz" wrap="square" lIns="152400" tIns="152400" rIns="152400" bIns="152400" numCol="1" spcCol="1270" anchor="ctr" anchorCtr="0">
+          <a:noAutofit/>
+        </a:bodyPr>
+        <a:lstStyle/>
+        <a:p>
+          <a:pPr lvl="0" algn="ctr" defTabSz="1778000">
+            <a:lnSpc>
+              <a:spcPct val="90000"/>
+            </a:lnSpc>
+            <a:spcBef>
+              <a:spcPct val="0"/>
+            </a:spcBef>
+            <a:spcAft>
+              <a:spcPct val="35000"/>
+            </a:spcAft>
+          </a:pPr>
+          <a:r>
+            <a:rPr lang="en-US" sz="4000" kern="1200" dirty="0" smtClean="0">
+              <a:solidFill>
+                <a:srgbClr val="000002"/>
+              </a:solidFill>
+            </a:rPr>
+            <a:t>“A game for true patriots”</a:t>
+          </a:r>
+          <a:endParaRPr lang="en-US" sz="4000" kern="1200" dirty="0">
+            <a:solidFill>
+              <a:srgbClr val="000002"/>
+            </a:solidFill>
+          </a:endParaRPr>
+        </a:p>
+      </dsp:txBody>
+      <dsp:txXfrm>
+        <a:off x="76175" y="457187"/>
+        <a:ext cx="4600578" cy="1750702"/>
       </dsp:txXfrm>
     </dsp:sp>
   </dsp:spTree>
@@ -1699,6 +2822,153 @@
 </file>
 
 <file path=ppt/diagrams/layout1.xml><?xml version="1.0" encoding="utf-8"?>
+<dgm:layoutDef xmlns:dgm="http://schemas.openxmlformats.org/drawingml/2006/diagram" xmlns:a="http://schemas.openxmlformats.org/drawingml/2006/main" uniqueId="urn:microsoft.com/office/officeart/2005/8/layout/default">
+  <dgm:title val=""/>
+  <dgm:desc val=""/>
+  <dgm:catLst>
+    <dgm:cat type="list" pri="400"/>
+  </dgm:catLst>
+  <dgm:sampData>
+    <dgm:dataModel>
+      <dgm:ptLst>
+        <dgm:pt modelId="0" type="doc"/>
+        <dgm:pt modelId="1">
+          <dgm:prSet phldr="1"/>
+        </dgm:pt>
+        <dgm:pt modelId="2">
+          <dgm:prSet phldr="1"/>
+        </dgm:pt>
+        <dgm:pt modelId="3">
+          <dgm:prSet phldr="1"/>
+        </dgm:pt>
+        <dgm:pt modelId="4">
+          <dgm:prSet phldr="1"/>
+        </dgm:pt>
+        <dgm:pt modelId="5">
+          <dgm:prSet phldr="1"/>
+        </dgm:pt>
+      </dgm:ptLst>
+      <dgm:cxnLst>
+        <dgm:cxn modelId="6" srcId="0" destId="1" srcOrd="0" destOrd="0"/>
+        <dgm:cxn modelId="7" srcId="0" destId="2" srcOrd="1" destOrd="0"/>
+        <dgm:cxn modelId="8" srcId="0" destId="3" srcOrd="2" destOrd="0"/>
+        <dgm:cxn modelId="9" srcId="0" destId="4" srcOrd="3" destOrd="0"/>
+        <dgm:cxn modelId="10" srcId="0" destId="5" srcOrd="4" destOrd="0"/>
+      </dgm:cxnLst>
+      <dgm:bg/>
+      <dgm:whole/>
+    </dgm:dataModel>
+  </dgm:sampData>
+  <dgm:styleData>
+    <dgm:dataModel>
+      <dgm:ptLst>
+        <dgm:pt modelId="0" type="doc"/>
+        <dgm:pt modelId="1"/>
+        <dgm:pt modelId="2"/>
+      </dgm:ptLst>
+      <dgm:cxnLst>
+        <dgm:cxn modelId="3" srcId="0" destId="1" srcOrd="0" destOrd="0"/>
+        <dgm:cxn modelId="4" srcId="0" destId="2" srcOrd="1" destOrd="0"/>
+      </dgm:cxnLst>
+      <dgm:bg/>
+      <dgm:whole/>
+    </dgm:dataModel>
+  </dgm:styleData>
+  <dgm:clrData>
+    <dgm:dataModel>
+      <dgm:ptLst>
+        <dgm:pt modelId="0" type="doc"/>
+        <dgm:pt modelId="1"/>
+        <dgm:pt modelId="2"/>
+        <dgm:pt modelId="3"/>
+        <dgm:pt modelId="4"/>
+        <dgm:pt modelId="5"/>
+        <dgm:pt modelId="6"/>
+      </dgm:ptLst>
+      <dgm:cxnLst>
+        <dgm:cxn modelId="7" srcId="0" destId="1" srcOrd="0" destOrd="0"/>
+        <dgm:cxn modelId="8" srcId="0" destId="2" srcOrd="1" destOrd="0"/>
+        <dgm:cxn modelId="9" srcId="0" destId="3" srcOrd="2" destOrd="0"/>
+        <dgm:cxn modelId="10" srcId="0" destId="4" srcOrd="3" destOrd="0"/>
+        <dgm:cxn modelId="11" srcId="0" destId="5" srcOrd="4" destOrd="0"/>
+        <dgm:cxn modelId="12" srcId="0" destId="6" srcOrd="5" destOrd="0"/>
+      </dgm:cxnLst>
+      <dgm:bg/>
+      <dgm:whole/>
+    </dgm:dataModel>
+  </dgm:clrData>
+  <dgm:layoutNode name="diagram">
+    <dgm:varLst>
+      <dgm:dir/>
+      <dgm:resizeHandles val="exact"/>
+    </dgm:varLst>
+    <dgm:choose name="Name0">
+      <dgm:if name="Name1" func="var" arg="dir" op="equ" val="norm">
+        <dgm:alg type="snake">
+          <dgm:param type="grDir" val="tL"/>
+          <dgm:param type="flowDir" val="row"/>
+          <dgm:param type="contDir" val="sameDir"/>
+          <dgm:param type="off" val="ctr"/>
+        </dgm:alg>
+      </dgm:if>
+      <dgm:else name="Name2">
+        <dgm:alg type="snake">
+          <dgm:param type="grDir" val="tR"/>
+          <dgm:param type="flowDir" val="row"/>
+          <dgm:param type="contDir" val="sameDir"/>
+          <dgm:param type="off" val="ctr"/>
+        </dgm:alg>
+      </dgm:else>
+    </dgm:choose>
+    <dgm:shape xmlns:r="http://schemas.openxmlformats.org/officeDocument/2006/relationships" r:blip="">
+      <dgm:adjLst/>
+    </dgm:shape>
+    <dgm:presOf/>
+    <dgm:constrLst>
+      <dgm:constr type="w" for="ch" forName="node" refType="w"/>
+      <dgm:constr type="h" for="ch" forName="node" refType="w" refFor="ch" refForName="node" fact="0.6"/>
+      <dgm:constr type="w" for="ch" forName="sibTrans" refType="w" refFor="ch" refForName="node" fact="0.1"/>
+      <dgm:constr type="sp" refType="w" refFor="ch" refForName="sibTrans"/>
+      <dgm:constr type="primFontSz" for="ch" forName="node" op="equ" val="65"/>
+    </dgm:constrLst>
+    <dgm:ruleLst/>
+    <dgm:forEach name="Name3" axis="ch" ptType="node">
+      <dgm:layoutNode name="node">
+        <dgm:varLst>
+          <dgm:bulletEnabled val="1"/>
+        </dgm:varLst>
+        <dgm:alg type="tx"/>
+        <dgm:shape xmlns:r="http://schemas.openxmlformats.org/officeDocument/2006/relationships" type="rect" r:blip="">
+          <dgm:adjLst/>
+        </dgm:shape>
+        <dgm:presOf axis="desOrSelf" ptType="node"/>
+        <dgm:constrLst>
+          <dgm:constr type="lMarg" refType="primFontSz" fact="0.3"/>
+          <dgm:constr type="rMarg" refType="primFontSz" fact="0.3"/>
+          <dgm:constr type="tMarg" refType="primFontSz" fact="0.3"/>
+          <dgm:constr type="bMarg" refType="primFontSz" fact="0.3"/>
+        </dgm:constrLst>
+        <dgm:ruleLst>
+          <dgm:rule type="primFontSz" val="5" fact="NaN" max="NaN"/>
+        </dgm:ruleLst>
+      </dgm:layoutNode>
+      <dgm:forEach name="Name4" axis="followSib" ptType="sibTrans" cnt="1">
+        <dgm:layoutNode name="sibTrans">
+          <dgm:alg type="sp"/>
+          <dgm:shape xmlns:r="http://schemas.openxmlformats.org/officeDocument/2006/relationships" r:blip="">
+            <dgm:adjLst/>
+          </dgm:shape>
+          <dgm:presOf/>
+          <dgm:constrLst/>
+          <dgm:ruleLst/>
+        </dgm:layoutNode>
+      </dgm:forEach>
+    </dgm:forEach>
+  </dgm:layoutNode>
+</dgm:layoutDef>
+</file>
+
+<file path=ppt/diagrams/layout2.xml><?xml version="1.0" encoding="utf-8"?>
 <dgm:layoutDef xmlns:dgm="http://schemas.openxmlformats.org/drawingml/2006/diagram" xmlns:a="http://schemas.openxmlformats.org/drawingml/2006/main" uniqueId="urn:microsoft.com/office/officeart/2005/8/layout/default">
   <dgm:title val=""/>
   <dgm:desc val=""/>
@@ -2879,6 +4149,1040 @@
 </dgm:styleDef>
 </file>
 
+<file path=ppt/diagrams/quickStyle2.xml><?xml version="1.0" encoding="utf-8"?>
+<dgm:styleDef xmlns:dgm="http://schemas.openxmlformats.org/drawingml/2006/diagram" xmlns:a="http://schemas.openxmlformats.org/drawingml/2006/main" uniqueId="urn:microsoft.com/office/officeart/2005/8/quickstyle/simple1">
+  <dgm:title val=""/>
+  <dgm:desc val=""/>
+  <dgm:catLst>
+    <dgm:cat type="simple" pri="10100"/>
+  </dgm:catLst>
+  <dgm:scene3d>
+    <a:camera prst="orthographicFront"/>
+    <a:lightRig rig="threePt" dir="t"/>
+  </dgm:scene3d>
+  <dgm:styleLbl name="node0">
+    <dgm:scene3d>
+      <a:camera prst="orthographicFront"/>
+      <a:lightRig rig="threePt" dir="t"/>
+    </dgm:scene3d>
+    <dgm:sp3d/>
+    <dgm:txPr/>
+    <dgm:style>
+      <a:lnRef idx="2">
+        <a:scrgbClr r="0" g="0" b="0"/>
+      </a:lnRef>
+      <a:fillRef idx="1">
+        <a:scrgbClr r="0" g="0" b="0"/>
+      </a:fillRef>
+      <a:effectRef idx="0">
+        <a:scrgbClr r="0" g="0" b="0"/>
+      </a:effectRef>
+      <a:fontRef idx="minor">
+        <a:schemeClr val="lt1"/>
+      </a:fontRef>
+    </dgm:style>
+  </dgm:styleLbl>
+  <dgm:styleLbl name="lnNode1">
+    <dgm:scene3d>
+      <a:camera prst="orthographicFront"/>
+      <a:lightRig rig="threePt" dir="t"/>
+    </dgm:scene3d>
+    <dgm:sp3d/>
+    <dgm:txPr/>
+    <dgm:style>
+      <a:lnRef idx="2">
+        <a:scrgbClr r="0" g="0" b="0"/>
+      </a:lnRef>
+      <a:fillRef idx="1">
+        <a:scrgbClr r="0" g="0" b="0"/>
+      </a:fillRef>
+      <a:effectRef idx="0">
+        <a:scrgbClr r="0" g="0" b="0"/>
+      </a:effectRef>
+      <a:fontRef idx="minor">
+        <a:schemeClr val="lt1"/>
+      </a:fontRef>
+    </dgm:style>
+  </dgm:styleLbl>
+  <dgm:styleLbl name="vennNode1">
+    <dgm:scene3d>
+      <a:camera prst="orthographicFront"/>
+      <a:lightRig rig="threePt" dir="t"/>
+    </dgm:scene3d>
+    <dgm:sp3d/>
+    <dgm:txPr/>
+    <dgm:style>
+      <a:lnRef idx="2">
+        <a:scrgbClr r="0" g="0" b="0"/>
+      </a:lnRef>
+      <a:fillRef idx="1">
+        <a:scrgbClr r="0" g="0" b="0"/>
+      </a:fillRef>
+      <a:effectRef idx="0">
+        <a:scrgbClr r="0" g="0" b="0"/>
+      </a:effectRef>
+      <a:fontRef idx="minor">
+        <a:schemeClr val="tx1"/>
+      </a:fontRef>
+    </dgm:style>
+  </dgm:styleLbl>
+  <dgm:styleLbl name="alignNode1">
+    <dgm:scene3d>
+      <a:camera prst="orthographicFront"/>
+      <a:lightRig rig="threePt" dir="t"/>
+    </dgm:scene3d>
+    <dgm:sp3d/>
+    <dgm:txPr/>
+    <dgm:style>
+      <a:lnRef idx="2">
+        <a:scrgbClr r="0" g="0" b="0"/>
+      </a:lnRef>
+      <a:fillRef idx="1">
+        <a:scrgbClr r="0" g="0" b="0"/>
+      </a:fillRef>
+      <a:effectRef idx="0">
+        <a:scrgbClr r="0" g="0" b="0"/>
+      </a:effectRef>
+      <a:fontRef idx="minor">
+        <a:schemeClr val="lt1"/>
+      </a:fontRef>
+    </dgm:style>
+  </dgm:styleLbl>
+  <dgm:styleLbl name="node1">
+    <dgm:scene3d>
+      <a:camera prst="orthographicFront"/>
+      <a:lightRig rig="threePt" dir="t"/>
+    </dgm:scene3d>
+    <dgm:sp3d/>
+    <dgm:txPr/>
+    <dgm:style>
+      <a:lnRef idx="2">
+        <a:scrgbClr r="0" g="0" b="0"/>
+      </a:lnRef>
+      <a:fillRef idx="1">
+        <a:scrgbClr r="0" g="0" b="0"/>
+      </a:fillRef>
+      <a:effectRef idx="0">
+        <a:scrgbClr r="0" g="0" b="0"/>
+      </a:effectRef>
+      <a:fontRef idx="minor">
+        <a:schemeClr val="lt1"/>
+      </a:fontRef>
+    </dgm:style>
+  </dgm:styleLbl>
+  <dgm:styleLbl name="node2">
+    <dgm:scene3d>
+      <a:camera prst="orthographicFront"/>
+      <a:lightRig rig="threePt" dir="t"/>
+    </dgm:scene3d>
+    <dgm:sp3d/>
+    <dgm:txPr/>
+    <dgm:style>
+      <a:lnRef idx="2">
+        <a:scrgbClr r="0" g="0" b="0"/>
+      </a:lnRef>
+      <a:fillRef idx="1">
+        <a:scrgbClr r="0" g="0" b="0"/>
+      </a:fillRef>
+      <a:effectRef idx="0">
+        <a:scrgbClr r="0" g="0" b="0"/>
+      </a:effectRef>
+      <a:fontRef idx="minor">
+        <a:schemeClr val="lt1"/>
+      </a:fontRef>
+    </dgm:style>
+  </dgm:styleLbl>
+  <dgm:styleLbl name="node3">
+    <dgm:scene3d>
+      <a:camera prst="orthographicFront"/>
+      <a:lightRig rig="threePt" dir="t"/>
+    </dgm:scene3d>
+    <dgm:sp3d/>
+    <dgm:txPr/>
+    <dgm:style>
+      <a:lnRef idx="2">
+        <a:scrgbClr r="0" g="0" b="0"/>
+      </a:lnRef>
+      <a:fillRef idx="1">
+        <a:scrgbClr r="0" g="0" b="0"/>
+      </a:fillRef>
+      <a:effectRef idx="0">
+        <a:scrgbClr r="0" g="0" b="0"/>
+      </a:effectRef>
+      <a:fontRef idx="minor">
+        <a:schemeClr val="lt1"/>
+      </a:fontRef>
+    </dgm:style>
+  </dgm:styleLbl>
+  <dgm:styleLbl name="node4">
+    <dgm:scene3d>
+      <a:camera prst="orthographicFront"/>
+      <a:lightRig rig="threePt" dir="t"/>
+    </dgm:scene3d>
+    <dgm:sp3d/>
+    <dgm:txPr/>
+    <dgm:style>
+      <a:lnRef idx="2">
+        <a:scrgbClr r="0" g="0" b="0"/>
+      </a:lnRef>
+      <a:fillRef idx="1">
+        <a:scrgbClr r="0" g="0" b="0"/>
+      </a:fillRef>
+      <a:effectRef idx="0">
+        <a:scrgbClr r="0" g="0" b="0"/>
+      </a:effectRef>
+      <a:fontRef idx="minor">
+        <a:schemeClr val="lt1"/>
+      </a:fontRef>
+    </dgm:style>
+  </dgm:styleLbl>
+  <dgm:styleLbl name="fgImgPlace1">
+    <dgm:scene3d>
+      <a:camera prst="orthographicFront"/>
+      <a:lightRig rig="threePt" dir="t"/>
+    </dgm:scene3d>
+    <dgm:sp3d/>
+    <dgm:txPr/>
+    <dgm:style>
+      <a:lnRef idx="2">
+        <a:scrgbClr r="0" g="0" b="0"/>
+      </a:lnRef>
+      <a:fillRef idx="1">
+        <a:scrgbClr r="0" g="0" b="0"/>
+      </a:fillRef>
+      <a:effectRef idx="0">
+        <a:scrgbClr r="0" g="0" b="0"/>
+      </a:effectRef>
+      <a:fontRef idx="minor"/>
+    </dgm:style>
+  </dgm:styleLbl>
+  <dgm:styleLbl name="alignImgPlace1">
+    <dgm:scene3d>
+      <a:camera prst="orthographicFront"/>
+      <a:lightRig rig="threePt" dir="t"/>
+    </dgm:scene3d>
+    <dgm:sp3d/>
+    <dgm:txPr/>
+    <dgm:style>
+      <a:lnRef idx="2">
+        <a:scrgbClr r="0" g="0" b="0"/>
+      </a:lnRef>
+      <a:fillRef idx="1">
+        <a:scrgbClr r="0" g="0" b="0"/>
+      </a:fillRef>
+      <a:effectRef idx="0">
+        <a:scrgbClr r="0" g="0" b="0"/>
+      </a:effectRef>
+      <a:fontRef idx="minor"/>
+    </dgm:style>
+  </dgm:styleLbl>
+  <dgm:styleLbl name="bgImgPlace1">
+    <dgm:scene3d>
+      <a:camera prst="orthographicFront"/>
+      <a:lightRig rig="threePt" dir="t"/>
+    </dgm:scene3d>
+    <dgm:sp3d/>
+    <dgm:txPr/>
+    <dgm:style>
+      <a:lnRef idx="2">
+        <a:scrgbClr r="0" g="0" b="0"/>
+      </a:lnRef>
+      <a:fillRef idx="1">
+        <a:scrgbClr r="0" g="0" b="0"/>
+      </a:fillRef>
+      <a:effectRef idx="0">
+        <a:scrgbClr r="0" g="0" b="0"/>
+      </a:effectRef>
+      <a:fontRef idx="minor"/>
+    </dgm:style>
+  </dgm:styleLbl>
+  <dgm:styleLbl name="sibTrans2D1">
+    <dgm:scene3d>
+      <a:camera prst="orthographicFront"/>
+      <a:lightRig rig="threePt" dir="t"/>
+    </dgm:scene3d>
+    <dgm:sp3d/>
+    <dgm:txPr/>
+    <dgm:style>
+      <a:lnRef idx="0">
+        <a:scrgbClr r="0" g="0" b="0"/>
+      </a:lnRef>
+      <a:fillRef idx="1">
+        <a:scrgbClr r="0" g="0" b="0"/>
+      </a:fillRef>
+      <a:effectRef idx="0">
+        <a:scrgbClr r="0" g="0" b="0"/>
+      </a:effectRef>
+      <a:fontRef idx="minor">
+        <a:schemeClr val="lt1"/>
+      </a:fontRef>
+    </dgm:style>
+  </dgm:styleLbl>
+  <dgm:styleLbl name="fgSibTrans2D1">
+    <dgm:scene3d>
+      <a:camera prst="orthographicFront"/>
+      <a:lightRig rig="threePt" dir="t"/>
+    </dgm:scene3d>
+    <dgm:sp3d/>
+    <dgm:txPr/>
+    <dgm:style>
+      <a:lnRef idx="0">
+        <a:scrgbClr r="0" g="0" b="0"/>
+      </a:lnRef>
+      <a:fillRef idx="1">
+        <a:scrgbClr r="0" g="0" b="0"/>
+      </a:fillRef>
+      <a:effectRef idx="0">
+        <a:scrgbClr r="0" g="0" b="0"/>
+      </a:effectRef>
+      <a:fontRef idx="minor">
+        <a:schemeClr val="lt1"/>
+      </a:fontRef>
+    </dgm:style>
+  </dgm:styleLbl>
+  <dgm:styleLbl name="bgSibTrans2D1">
+    <dgm:scene3d>
+      <a:camera prst="orthographicFront"/>
+      <a:lightRig rig="threePt" dir="t"/>
+    </dgm:scene3d>
+    <dgm:sp3d/>
+    <dgm:txPr/>
+    <dgm:style>
+      <a:lnRef idx="0">
+        <a:scrgbClr r="0" g="0" b="0"/>
+      </a:lnRef>
+      <a:fillRef idx="1">
+        <a:scrgbClr r="0" g="0" b="0"/>
+      </a:fillRef>
+      <a:effectRef idx="0">
+        <a:scrgbClr r="0" g="0" b="0"/>
+      </a:effectRef>
+      <a:fontRef idx="minor">
+        <a:schemeClr val="lt1"/>
+      </a:fontRef>
+    </dgm:style>
+  </dgm:styleLbl>
+  <dgm:styleLbl name="sibTrans1D1">
+    <dgm:scene3d>
+      <a:camera prst="orthographicFront"/>
+      <a:lightRig rig="threePt" dir="t"/>
+    </dgm:scene3d>
+    <dgm:sp3d/>
+    <dgm:txPr/>
+    <dgm:style>
+      <a:lnRef idx="1">
+        <a:scrgbClr r="0" g="0" b="0"/>
+      </a:lnRef>
+      <a:fillRef idx="0">
+        <a:scrgbClr r="0" g="0" b="0"/>
+      </a:fillRef>
+      <a:effectRef idx="0">
+        <a:scrgbClr r="0" g="0" b="0"/>
+      </a:effectRef>
+      <a:fontRef idx="minor"/>
+    </dgm:style>
+  </dgm:styleLbl>
+  <dgm:styleLbl name="callout">
+    <dgm:scene3d>
+      <a:camera prst="orthographicFront"/>
+      <a:lightRig rig="threePt" dir="t"/>
+    </dgm:scene3d>
+    <dgm:sp3d/>
+    <dgm:txPr/>
+    <dgm:style>
+      <a:lnRef idx="2">
+        <a:scrgbClr r="0" g="0" b="0"/>
+      </a:lnRef>
+      <a:fillRef idx="1">
+        <a:scrgbClr r="0" g="0" b="0"/>
+      </a:fillRef>
+      <a:effectRef idx="0">
+        <a:scrgbClr r="0" g="0" b="0"/>
+      </a:effectRef>
+      <a:fontRef idx="minor"/>
+    </dgm:style>
+  </dgm:styleLbl>
+  <dgm:styleLbl name="asst0">
+    <dgm:scene3d>
+      <a:camera prst="orthographicFront"/>
+      <a:lightRig rig="threePt" dir="t"/>
+    </dgm:scene3d>
+    <dgm:sp3d/>
+    <dgm:txPr/>
+    <dgm:style>
+      <a:lnRef idx="2">
+        <a:scrgbClr r="0" g="0" b="0"/>
+      </a:lnRef>
+      <a:fillRef idx="1">
+        <a:scrgbClr r="0" g="0" b="0"/>
+      </a:fillRef>
+      <a:effectRef idx="0">
+        <a:scrgbClr r="0" g="0" b="0"/>
+      </a:effectRef>
+      <a:fontRef idx="minor">
+        <a:schemeClr val="lt1"/>
+      </a:fontRef>
+    </dgm:style>
+  </dgm:styleLbl>
+  <dgm:styleLbl name="asst1">
+    <dgm:scene3d>
+      <a:camera prst="orthographicFront"/>
+      <a:lightRig rig="threePt" dir="t"/>
+    </dgm:scene3d>
+    <dgm:sp3d/>
+    <dgm:txPr/>
+    <dgm:style>
+      <a:lnRef idx="2">
+        <a:scrgbClr r="0" g="0" b="0"/>
+      </a:lnRef>
+      <a:fillRef idx="1">
+        <a:scrgbClr r="0" g="0" b="0"/>
+      </a:fillRef>
+      <a:effectRef idx="0">
+        <a:scrgbClr r="0" g="0" b="0"/>
+      </a:effectRef>
+      <a:fontRef idx="minor">
+        <a:schemeClr val="lt1"/>
+      </a:fontRef>
+    </dgm:style>
+  </dgm:styleLbl>
+  <dgm:styleLbl name="asst2">
+    <dgm:scene3d>
+      <a:camera prst="orthographicFront"/>
+      <a:lightRig rig="threePt" dir="t"/>
+    </dgm:scene3d>
+    <dgm:sp3d/>
+    <dgm:txPr/>
+    <dgm:style>
+      <a:lnRef idx="2">
+        <a:scrgbClr r="0" g="0" b="0"/>
+      </a:lnRef>
+      <a:fillRef idx="1">
+        <a:scrgbClr r="0" g="0" b="0"/>
+      </a:fillRef>
+      <a:effectRef idx="0">
+        <a:scrgbClr r="0" g="0" b="0"/>
+      </a:effectRef>
+      <a:fontRef idx="minor">
+        <a:schemeClr val="lt1"/>
+      </a:fontRef>
+    </dgm:style>
+  </dgm:styleLbl>
+  <dgm:styleLbl name="asst3">
+    <dgm:scene3d>
+      <a:camera prst="orthographicFront"/>
+      <a:lightRig rig="threePt" dir="t"/>
+    </dgm:scene3d>
+    <dgm:sp3d/>
+    <dgm:txPr/>
+    <dgm:style>
+      <a:lnRef idx="2">
+        <a:scrgbClr r="0" g="0" b="0"/>
+      </a:lnRef>
+      <a:fillRef idx="1">
+        <a:scrgbClr r="0" g="0" b="0"/>
+      </a:fillRef>
+      <a:effectRef idx="0">
+        <a:scrgbClr r="0" g="0" b="0"/>
+      </a:effectRef>
+      <a:fontRef idx="minor">
+        <a:schemeClr val="lt1"/>
+      </a:fontRef>
+    </dgm:style>
+  </dgm:styleLbl>
+  <dgm:styleLbl name="asst4">
+    <dgm:scene3d>
+      <a:camera prst="orthographicFront"/>
+      <a:lightRig rig="threePt" dir="t"/>
+    </dgm:scene3d>
+    <dgm:sp3d/>
+    <dgm:txPr/>
+    <dgm:style>
+      <a:lnRef idx="2">
+        <a:scrgbClr r="0" g="0" b="0"/>
+      </a:lnRef>
+      <a:fillRef idx="1">
+        <a:scrgbClr r="0" g="0" b="0"/>
+      </a:fillRef>
+      <a:effectRef idx="0">
+        <a:scrgbClr r="0" g="0" b="0"/>
+      </a:effectRef>
+      <a:fontRef idx="minor">
+        <a:schemeClr val="lt1"/>
+      </a:fontRef>
+    </dgm:style>
+  </dgm:styleLbl>
+  <dgm:styleLbl name="parChTrans2D1">
+    <dgm:scene3d>
+      <a:camera prst="orthographicFront"/>
+      <a:lightRig rig="threePt" dir="t"/>
+    </dgm:scene3d>
+    <dgm:sp3d/>
+    <dgm:txPr/>
+    <dgm:style>
+      <a:lnRef idx="2">
+        <a:scrgbClr r="0" g="0" b="0"/>
+      </a:lnRef>
+      <a:fillRef idx="1">
+        <a:scrgbClr r="0" g="0" b="0"/>
+      </a:fillRef>
+      <a:effectRef idx="0">
+        <a:scrgbClr r="0" g="0" b="0"/>
+      </a:effectRef>
+      <a:fontRef idx="minor">
+        <a:schemeClr val="lt1"/>
+      </a:fontRef>
+    </dgm:style>
+  </dgm:styleLbl>
+  <dgm:styleLbl name="parChTrans2D2">
+    <dgm:scene3d>
+      <a:camera prst="orthographicFront"/>
+      <a:lightRig rig="threePt" dir="t"/>
+    </dgm:scene3d>
+    <dgm:sp3d/>
+    <dgm:txPr/>
+    <dgm:style>
+      <a:lnRef idx="2">
+        <a:scrgbClr r="0" g="0" b="0"/>
+      </a:lnRef>
+      <a:fillRef idx="1">
+        <a:scrgbClr r="0" g="0" b="0"/>
+      </a:fillRef>
+      <a:effectRef idx="0">
+        <a:scrgbClr r="0" g="0" b="0"/>
+      </a:effectRef>
+      <a:fontRef idx="minor">
+        <a:schemeClr val="lt1"/>
+      </a:fontRef>
+    </dgm:style>
+  </dgm:styleLbl>
+  <dgm:styleLbl name="parChTrans2D3">
+    <dgm:scene3d>
+      <a:camera prst="orthographicFront"/>
+      <a:lightRig rig="threePt" dir="t"/>
+    </dgm:scene3d>
+    <dgm:sp3d/>
+    <dgm:txPr/>
+    <dgm:style>
+      <a:lnRef idx="2">
+        <a:scrgbClr r="0" g="0" b="0"/>
+      </a:lnRef>
+      <a:fillRef idx="1">
+        <a:scrgbClr r="0" g="0" b="0"/>
+      </a:fillRef>
+      <a:effectRef idx="0">
+        <a:scrgbClr r="0" g="0" b="0"/>
+      </a:effectRef>
+      <a:fontRef idx="minor">
+        <a:schemeClr val="lt1"/>
+      </a:fontRef>
+    </dgm:style>
+  </dgm:styleLbl>
+  <dgm:styleLbl name="parChTrans2D4">
+    <dgm:scene3d>
+      <a:camera prst="orthographicFront"/>
+      <a:lightRig rig="threePt" dir="t"/>
+    </dgm:scene3d>
+    <dgm:sp3d/>
+    <dgm:txPr/>
+    <dgm:style>
+      <a:lnRef idx="2">
+        <a:scrgbClr r="0" g="0" b="0"/>
+      </a:lnRef>
+      <a:fillRef idx="1">
+        <a:scrgbClr r="0" g="0" b="0"/>
+      </a:fillRef>
+      <a:effectRef idx="0">
+        <a:scrgbClr r="0" g="0" b="0"/>
+      </a:effectRef>
+      <a:fontRef idx="minor">
+        <a:schemeClr val="lt1"/>
+      </a:fontRef>
+    </dgm:style>
+  </dgm:styleLbl>
+  <dgm:styleLbl name="parChTrans1D1">
+    <dgm:scene3d>
+      <a:camera prst="orthographicFront"/>
+      <a:lightRig rig="threePt" dir="t"/>
+    </dgm:scene3d>
+    <dgm:sp3d/>
+    <dgm:txPr/>
+    <dgm:style>
+      <a:lnRef idx="2">
+        <a:scrgbClr r="0" g="0" b="0"/>
+      </a:lnRef>
+      <a:fillRef idx="0">
+        <a:scrgbClr r="0" g="0" b="0"/>
+      </a:fillRef>
+      <a:effectRef idx="0">
+        <a:scrgbClr r="0" g="0" b="0"/>
+      </a:effectRef>
+      <a:fontRef idx="minor"/>
+    </dgm:style>
+  </dgm:styleLbl>
+  <dgm:styleLbl name="parChTrans1D2">
+    <dgm:scene3d>
+      <a:camera prst="orthographicFront"/>
+      <a:lightRig rig="threePt" dir="t"/>
+    </dgm:scene3d>
+    <dgm:sp3d/>
+    <dgm:txPr/>
+    <dgm:style>
+      <a:lnRef idx="2">
+        <a:scrgbClr r="0" g="0" b="0"/>
+      </a:lnRef>
+      <a:fillRef idx="0">
+        <a:scrgbClr r="0" g="0" b="0"/>
+      </a:fillRef>
+      <a:effectRef idx="0">
+        <a:scrgbClr r="0" g="0" b="0"/>
+      </a:effectRef>
+      <a:fontRef idx="minor"/>
+    </dgm:style>
+  </dgm:styleLbl>
+  <dgm:styleLbl name="parChTrans1D3">
+    <dgm:scene3d>
+      <a:camera prst="orthographicFront"/>
+      <a:lightRig rig="threePt" dir="t"/>
+    </dgm:scene3d>
+    <dgm:sp3d/>
+    <dgm:txPr/>
+    <dgm:style>
+      <a:lnRef idx="2">
+        <a:scrgbClr r="0" g="0" b="0"/>
+      </a:lnRef>
+      <a:fillRef idx="0">
+        <a:scrgbClr r="0" g="0" b="0"/>
+      </a:fillRef>
+      <a:effectRef idx="0">
+        <a:scrgbClr r="0" g="0" b="0"/>
+      </a:effectRef>
+      <a:fontRef idx="minor"/>
+    </dgm:style>
+  </dgm:styleLbl>
+  <dgm:styleLbl name="parChTrans1D4">
+    <dgm:scene3d>
+      <a:camera prst="orthographicFront"/>
+      <a:lightRig rig="threePt" dir="t"/>
+    </dgm:scene3d>
+    <dgm:sp3d/>
+    <dgm:txPr/>
+    <dgm:style>
+      <a:lnRef idx="2">
+        <a:scrgbClr r="0" g="0" b="0"/>
+      </a:lnRef>
+      <a:fillRef idx="0">
+        <a:scrgbClr r="0" g="0" b="0"/>
+      </a:fillRef>
+      <a:effectRef idx="0">
+        <a:scrgbClr r="0" g="0" b="0"/>
+      </a:effectRef>
+      <a:fontRef idx="minor"/>
+    </dgm:style>
+  </dgm:styleLbl>
+  <dgm:styleLbl name="fgAcc1">
+    <dgm:scene3d>
+      <a:camera prst="orthographicFront"/>
+      <a:lightRig rig="threePt" dir="t"/>
+    </dgm:scene3d>
+    <dgm:sp3d/>
+    <dgm:txPr/>
+    <dgm:style>
+      <a:lnRef idx="2">
+        <a:scrgbClr r="0" g="0" b="0"/>
+      </a:lnRef>
+      <a:fillRef idx="1">
+        <a:scrgbClr r="0" g="0" b="0"/>
+      </a:fillRef>
+      <a:effectRef idx="0">
+        <a:scrgbClr r="0" g="0" b="0"/>
+      </a:effectRef>
+      <a:fontRef idx="minor"/>
+    </dgm:style>
+  </dgm:styleLbl>
+  <dgm:styleLbl name="conFgAcc1">
+    <dgm:scene3d>
+      <a:camera prst="orthographicFront"/>
+      <a:lightRig rig="threePt" dir="t"/>
+    </dgm:scene3d>
+    <dgm:sp3d/>
+    <dgm:txPr/>
+    <dgm:style>
+      <a:lnRef idx="2">
+        <a:scrgbClr r="0" g="0" b="0"/>
+      </a:lnRef>
+      <a:fillRef idx="1">
+        <a:scrgbClr r="0" g="0" b="0"/>
+      </a:fillRef>
+      <a:effectRef idx="0">
+        <a:scrgbClr r="0" g="0" b="0"/>
+      </a:effectRef>
+      <a:fontRef idx="minor"/>
+    </dgm:style>
+  </dgm:styleLbl>
+  <dgm:styleLbl name="alignAcc1">
+    <dgm:scene3d>
+      <a:camera prst="orthographicFront"/>
+      <a:lightRig rig="threePt" dir="t"/>
+    </dgm:scene3d>
+    <dgm:sp3d/>
+    <dgm:txPr/>
+    <dgm:style>
+      <a:lnRef idx="2">
+        <a:scrgbClr r="0" g="0" b="0"/>
+      </a:lnRef>
+      <a:fillRef idx="1">
+        <a:scrgbClr r="0" g="0" b="0"/>
+      </a:fillRef>
+      <a:effectRef idx="0">
+        <a:scrgbClr r="0" g="0" b="0"/>
+      </a:effectRef>
+      <a:fontRef idx="minor"/>
+    </dgm:style>
+  </dgm:styleLbl>
+  <dgm:styleLbl name="trAlignAcc1">
+    <dgm:scene3d>
+      <a:camera prst="orthographicFront"/>
+      <a:lightRig rig="threePt" dir="t"/>
+    </dgm:scene3d>
+    <dgm:sp3d/>
+    <dgm:txPr/>
+    <dgm:style>
+      <a:lnRef idx="1">
+        <a:scrgbClr r="0" g="0" b="0"/>
+      </a:lnRef>
+      <a:fillRef idx="1">
+        <a:scrgbClr r="0" g="0" b="0"/>
+      </a:fillRef>
+      <a:effectRef idx="0">
+        <a:scrgbClr r="0" g="0" b="0"/>
+      </a:effectRef>
+      <a:fontRef idx="minor"/>
+    </dgm:style>
+  </dgm:styleLbl>
+  <dgm:styleLbl name="bgAcc1">
+    <dgm:scene3d>
+      <a:camera prst="orthographicFront"/>
+      <a:lightRig rig="threePt" dir="t"/>
+    </dgm:scene3d>
+    <dgm:sp3d/>
+    <dgm:txPr/>
+    <dgm:style>
+      <a:lnRef idx="2">
+        <a:scrgbClr r="0" g="0" b="0"/>
+      </a:lnRef>
+      <a:fillRef idx="1">
+        <a:scrgbClr r="0" g="0" b="0"/>
+      </a:fillRef>
+      <a:effectRef idx="0">
+        <a:scrgbClr r="0" g="0" b="0"/>
+      </a:effectRef>
+      <a:fontRef idx="minor"/>
+    </dgm:style>
+  </dgm:styleLbl>
+  <dgm:styleLbl name="solidFgAcc1">
+    <dgm:scene3d>
+      <a:camera prst="orthographicFront"/>
+      <a:lightRig rig="threePt" dir="t"/>
+    </dgm:scene3d>
+    <dgm:sp3d/>
+    <dgm:txPr/>
+    <dgm:style>
+      <a:lnRef idx="2">
+        <a:scrgbClr r="0" g="0" b="0"/>
+      </a:lnRef>
+      <a:fillRef idx="1">
+        <a:scrgbClr r="0" g="0" b="0"/>
+      </a:fillRef>
+      <a:effectRef idx="0">
+        <a:scrgbClr r="0" g="0" b="0"/>
+      </a:effectRef>
+      <a:fontRef idx="minor"/>
+    </dgm:style>
+  </dgm:styleLbl>
+  <dgm:styleLbl name="solidAlignAcc1">
+    <dgm:scene3d>
+      <a:camera prst="orthographicFront"/>
+      <a:lightRig rig="threePt" dir="t"/>
+    </dgm:scene3d>
+    <dgm:sp3d/>
+    <dgm:txPr/>
+    <dgm:style>
+      <a:lnRef idx="2">
+        <a:scrgbClr r="0" g="0" b="0"/>
+      </a:lnRef>
+      <a:fillRef idx="1">
+        <a:scrgbClr r="0" g="0" b="0"/>
+      </a:fillRef>
+      <a:effectRef idx="0">
+        <a:scrgbClr r="0" g="0" b="0"/>
+      </a:effectRef>
+      <a:fontRef idx="minor"/>
+    </dgm:style>
+  </dgm:styleLbl>
+  <dgm:styleLbl name="solidBgAcc1">
+    <dgm:scene3d>
+      <a:camera prst="orthographicFront"/>
+      <a:lightRig rig="threePt" dir="t"/>
+    </dgm:scene3d>
+    <dgm:sp3d/>
+    <dgm:txPr/>
+    <dgm:style>
+      <a:lnRef idx="2">
+        <a:scrgbClr r="0" g="0" b="0"/>
+      </a:lnRef>
+      <a:fillRef idx="1">
+        <a:scrgbClr r="0" g="0" b="0"/>
+      </a:fillRef>
+      <a:effectRef idx="0">
+        <a:scrgbClr r="0" g="0" b="0"/>
+      </a:effectRef>
+      <a:fontRef idx="minor"/>
+    </dgm:style>
+  </dgm:styleLbl>
+  <dgm:styleLbl name="fgAccFollowNode1">
+    <dgm:scene3d>
+      <a:camera prst="orthographicFront"/>
+      <a:lightRig rig="threePt" dir="t"/>
+    </dgm:scene3d>
+    <dgm:sp3d/>
+    <dgm:txPr/>
+    <dgm:style>
+      <a:lnRef idx="2">
+        <a:scrgbClr r="0" g="0" b="0"/>
+      </a:lnRef>
+      <a:fillRef idx="1">
+        <a:scrgbClr r="0" g="0" b="0"/>
+      </a:fillRef>
+      <a:effectRef idx="0">
+        <a:scrgbClr r="0" g="0" b="0"/>
+      </a:effectRef>
+      <a:fontRef idx="minor"/>
+    </dgm:style>
+  </dgm:styleLbl>
+  <dgm:styleLbl name="alignAccFollowNode1">
+    <dgm:scene3d>
+      <a:camera prst="orthographicFront"/>
+      <a:lightRig rig="threePt" dir="t"/>
+    </dgm:scene3d>
+    <dgm:sp3d/>
+    <dgm:txPr/>
+    <dgm:style>
+      <a:lnRef idx="2">
+        <a:scrgbClr r="0" g="0" b="0"/>
+      </a:lnRef>
+      <a:fillRef idx="1">
+        <a:scrgbClr r="0" g="0" b="0"/>
+      </a:fillRef>
+      <a:effectRef idx="0">
+        <a:scrgbClr r="0" g="0" b="0"/>
+      </a:effectRef>
+      <a:fontRef idx="minor"/>
+    </dgm:style>
+  </dgm:styleLbl>
+  <dgm:styleLbl name="bgAccFollowNode1">
+    <dgm:scene3d>
+      <a:camera prst="orthographicFront"/>
+      <a:lightRig rig="threePt" dir="t"/>
+    </dgm:scene3d>
+    <dgm:sp3d/>
+    <dgm:txPr/>
+    <dgm:style>
+      <a:lnRef idx="2">
+        <a:scrgbClr r="0" g="0" b="0"/>
+      </a:lnRef>
+      <a:fillRef idx="1">
+        <a:scrgbClr r="0" g="0" b="0"/>
+      </a:fillRef>
+      <a:effectRef idx="0">
+        <a:scrgbClr r="0" g="0" b="0"/>
+      </a:effectRef>
+      <a:fontRef idx="minor"/>
+    </dgm:style>
+  </dgm:styleLbl>
+  <dgm:styleLbl name="fgAcc0">
+    <dgm:scene3d>
+      <a:camera prst="orthographicFront"/>
+      <a:lightRig rig="threePt" dir="t"/>
+    </dgm:scene3d>
+    <dgm:sp3d/>
+    <dgm:txPr/>
+    <dgm:style>
+      <a:lnRef idx="2">
+        <a:scrgbClr r="0" g="0" b="0"/>
+      </a:lnRef>
+      <a:fillRef idx="1">
+        <a:scrgbClr r="0" g="0" b="0"/>
+      </a:fillRef>
+      <a:effectRef idx="0">
+        <a:scrgbClr r="0" g="0" b="0"/>
+      </a:effectRef>
+      <a:fontRef idx="minor"/>
+    </dgm:style>
+  </dgm:styleLbl>
+  <dgm:styleLbl name="fgAcc2">
+    <dgm:scene3d>
+      <a:camera prst="orthographicFront"/>
+      <a:lightRig rig="threePt" dir="t"/>
+    </dgm:scene3d>
+    <dgm:sp3d/>
+    <dgm:txPr/>
+    <dgm:style>
+      <a:lnRef idx="2">
+        <a:scrgbClr r="0" g="0" b="0"/>
+      </a:lnRef>
+      <a:fillRef idx="1">
+        <a:scrgbClr r="0" g="0" b="0"/>
+      </a:fillRef>
+      <a:effectRef idx="0">
+        <a:scrgbClr r="0" g="0" b="0"/>
+      </a:effectRef>
+      <a:fontRef idx="minor"/>
+    </dgm:style>
+  </dgm:styleLbl>
+  <dgm:styleLbl name="fgAcc3">
+    <dgm:scene3d>
+      <a:camera prst="orthographicFront"/>
+      <a:lightRig rig="threePt" dir="t"/>
+    </dgm:scene3d>
+    <dgm:sp3d/>
+    <dgm:txPr/>
+    <dgm:style>
+      <a:lnRef idx="2">
+        <a:scrgbClr r="0" g="0" b="0"/>
+      </a:lnRef>
+      <a:fillRef idx="1">
+        <a:scrgbClr r="0" g="0" b="0"/>
+      </a:fillRef>
+      <a:effectRef idx="0">
+        <a:scrgbClr r="0" g="0" b="0"/>
+      </a:effectRef>
+      <a:fontRef idx="minor"/>
+    </dgm:style>
+  </dgm:styleLbl>
+  <dgm:styleLbl name="fgAcc4">
+    <dgm:scene3d>
+      <a:camera prst="orthographicFront"/>
+      <a:lightRig rig="threePt" dir="t"/>
+    </dgm:scene3d>
+    <dgm:sp3d/>
+    <dgm:txPr/>
+    <dgm:style>
+      <a:lnRef idx="2">
+        <a:scrgbClr r="0" g="0" b="0"/>
+      </a:lnRef>
+      <a:fillRef idx="1">
+        <a:scrgbClr r="0" g="0" b="0"/>
+      </a:fillRef>
+      <a:effectRef idx="0">
+        <a:scrgbClr r="0" g="0" b="0"/>
+      </a:effectRef>
+      <a:fontRef idx="minor"/>
+    </dgm:style>
+  </dgm:styleLbl>
+  <dgm:styleLbl name="bgShp">
+    <dgm:scene3d>
+      <a:camera prst="orthographicFront"/>
+      <a:lightRig rig="threePt" dir="t"/>
+    </dgm:scene3d>
+    <dgm:sp3d/>
+    <dgm:txPr/>
+    <dgm:style>
+      <a:lnRef idx="0">
+        <a:scrgbClr r="0" g="0" b="0"/>
+      </a:lnRef>
+      <a:fillRef idx="1">
+        <a:scrgbClr r="0" g="0" b="0"/>
+      </a:fillRef>
+      <a:effectRef idx="0">
+        <a:scrgbClr r="0" g="0" b="0"/>
+      </a:effectRef>
+      <a:fontRef idx="minor"/>
+    </dgm:style>
+  </dgm:styleLbl>
+  <dgm:styleLbl name="dkBgShp">
+    <dgm:scene3d>
+      <a:camera prst="orthographicFront"/>
+      <a:lightRig rig="threePt" dir="t"/>
+    </dgm:scene3d>
+    <dgm:sp3d/>
+    <dgm:txPr/>
+    <dgm:style>
+      <a:lnRef idx="0">
+        <a:scrgbClr r="0" g="0" b="0"/>
+      </a:lnRef>
+      <a:fillRef idx="1">
+        <a:scrgbClr r="0" g="0" b="0"/>
+      </a:fillRef>
+      <a:effectRef idx="0">
+        <a:scrgbClr r="0" g="0" b="0"/>
+      </a:effectRef>
+      <a:fontRef idx="minor"/>
+    </dgm:style>
+  </dgm:styleLbl>
+  <dgm:styleLbl name="trBgShp">
+    <dgm:scene3d>
+      <a:camera prst="orthographicFront"/>
+      <a:lightRig rig="threePt" dir="t"/>
+    </dgm:scene3d>
+    <dgm:sp3d/>
+    <dgm:txPr/>
+    <dgm:style>
+      <a:lnRef idx="0">
+        <a:scrgbClr r="0" g="0" b="0"/>
+      </a:lnRef>
+      <a:fillRef idx="1">
+        <a:scrgbClr r="0" g="0" b="0"/>
+      </a:fillRef>
+      <a:effectRef idx="0">
+        <a:scrgbClr r="0" g="0" b="0"/>
+      </a:effectRef>
+      <a:fontRef idx="minor"/>
+    </dgm:style>
+  </dgm:styleLbl>
+  <dgm:styleLbl name="fgShp">
+    <dgm:scene3d>
+      <a:camera prst="orthographicFront"/>
+      <a:lightRig rig="threePt" dir="t"/>
+    </dgm:scene3d>
+    <dgm:sp3d/>
+    <dgm:txPr/>
+    <dgm:style>
+      <a:lnRef idx="2">
+        <a:scrgbClr r="0" g="0" b="0"/>
+      </a:lnRef>
+      <a:fillRef idx="1">
+        <a:scrgbClr r="0" g="0" b="0"/>
+      </a:fillRef>
+      <a:effectRef idx="0">
+        <a:scrgbClr r="0" g="0" b="0"/>
+      </a:effectRef>
+      <a:fontRef idx="minor"/>
+    </dgm:style>
+  </dgm:styleLbl>
+  <dgm:styleLbl name="revTx">
+    <dgm:scene3d>
+      <a:camera prst="orthographicFront"/>
+      <a:lightRig rig="threePt" dir="t"/>
+    </dgm:scene3d>
+    <dgm:sp3d/>
+    <dgm:txPr/>
+    <dgm:style>
+      <a:lnRef idx="0">
+        <a:scrgbClr r="0" g="0" b="0"/>
+      </a:lnRef>
+      <a:fillRef idx="0">
+        <a:scrgbClr r="0" g="0" b="0"/>
+      </a:fillRef>
+      <a:effectRef idx="0">
+        <a:scrgbClr r="0" g="0" b="0"/>
+      </a:effectRef>
+      <a:fontRef idx="minor"/>
+    </dgm:style>
+  </dgm:styleLbl>
+</dgm:styleDef>
+</file>
+
 <file path=ppt/slideLayouts/slideLayout1.xml><?xml version="1.0" encoding="utf-8"?>
 <p:sldLayout xmlns:a="http://schemas.openxmlformats.org/drawingml/2006/main" xmlns:r="http://schemas.openxmlformats.org/officeDocument/2006/relationships" xmlns:p="http://schemas.openxmlformats.org/presentationml/2006/main" preserve="1" userDrawn="1">
   <p:cSld name="Horizontal Middle Column">
@@ -3804,7 +6108,7 @@
   <p:timing>
     <p:tnLst>
       <p:par>
-        <p:cTn xmlns:p14="http://schemas.microsoft.com/office/powerpoint/2010/main" id="1" dur="indefinite" restart="never" nodeType="tmRoot"/>
+        <p:cTn id="1" dur="indefinite" restart="never" nodeType="tmRoot"/>
       </p:par>
     </p:tnLst>
   </p:timing>
@@ -4770,7 +7074,7 @@
   <p:timing>
     <p:tnLst>
       <p:par>
-        <p:cTn xmlns:p14="http://schemas.microsoft.com/office/powerpoint/2010/main" id="1" dur="indefinite" restart="never" nodeType="tmRoot"/>
+        <p:cTn id="1" dur="indefinite" restart="never" nodeType="tmRoot"/>
       </p:par>
     </p:tnLst>
   </p:timing>
@@ -5741,7 +8045,7 @@
   <p:timing>
     <p:tnLst>
       <p:par>
-        <p:cTn xmlns:p14="http://schemas.microsoft.com/office/powerpoint/2010/main" id="1" dur="indefinite" restart="never" nodeType="tmRoot"/>
+        <p:cTn id="1" dur="indefinite" restart="never" nodeType="tmRoot"/>
       </p:par>
     </p:tnLst>
   </p:timing>
@@ -6713,7 +9017,7 @@
   <p:timing>
     <p:tnLst>
       <p:par>
-        <p:cTn xmlns:p14="http://schemas.microsoft.com/office/powerpoint/2010/main" id="1" dur="indefinite" restart="never" nodeType="tmRoot"/>
+        <p:cTn id="1" dur="indefinite" restart="never" nodeType="tmRoot"/>
       </p:par>
     </p:tnLst>
   </p:timing>
@@ -7980,7 +10284,7 @@
               <a:graphicData uri="http://schemas.openxmlformats.org/presentationml/2006/ole">
                 <mc:AlternateContent xmlns:mc="http://schemas.openxmlformats.org/markup-compatibility/2006">
                   <mc:Choice xmlns:v="urn:schemas-microsoft-com:vml" Requires="v">
-                    <p:oleObj spid="_x0000_s7268" name="Image" r:id="rId9" imgW="1828440" imgH="1117440" progId="Photoshop.Image.13">
+                    <p:oleObj spid="_x0000_s7276" name="Image" r:id="rId9" imgW="1828440" imgH="1117440" progId="Photoshop.Image.13">
                       <p:embed/>
                     </p:oleObj>
                   </mc:Choice>
@@ -8037,7 +10341,7 @@
               <a:graphicData uri="http://schemas.openxmlformats.org/presentationml/2006/ole">
                 <mc:AlternateContent xmlns:mc="http://schemas.openxmlformats.org/markup-compatibility/2006">
                   <mc:Choice xmlns:v="urn:schemas-microsoft-com:vml" Requires="v">
-                    <p:oleObj spid="_x0000_s7269" name="Image" r:id="rId11" imgW="1828440" imgH="1117440" progId="Photoshop.Image.13">
+                    <p:oleObj spid="_x0000_s7277" name="Image" r:id="rId11" imgW="1828440" imgH="1117440" progId="Photoshop.Image.13">
                       <p:embed/>
                     </p:oleObj>
                   </mc:Choice>
@@ -9059,7 +11363,7 @@
             <a:graphicData uri="http://schemas.openxmlformats.org/presentationml/2006/ole">
               <mc:AlternateContent xmlns:mc="http://schemas.openxmlformats.org/markup-compatibility/2006">
                 <mc:Choice xmlns:v="urn:schemas-microsoft-com:vml" Requires="v">
-                  <p:oleObj spid="_x0000_s7270" name="Image" r:id="rId13" imgW="4571280" imgH="1688760" progId="Photoshop.Image.13">
+                  <p:oleObj spid="_x0000_s7278" name="Image" r:id="rId13" imgW="4571280" imgH="1688760" progId="Photoshop.Image.13">
                     <p:embed/>
                   </p:oleObj>
                 </mc:Choice>
@@ -9143,7 +11447,7 @@
             <a:graphicData uri="http://schemas.openxmlformats.org/presentationml/2006/ole">
               <mc:AlternateContent xmlns:mc="http://schemas.openxmlformats.org/markup-compatibility/2006">
                 <mc:Choice xmlns:v="urn:schemas-microsoft-com:vml" Requires="v">
-                  <p:oleObj spid="_x0000_s7271" name="Image" r:id="rId16" imgW="1574280" imgH="1053720" progId="Photoshop.Image.13">
+                  <p:oleObj spid="_x0000_s7279" name="Image" r:id="rId16" imgW="1574280" imgH="1053720" progId="Photoshop.Image.13">
                     <p:embed/>
                   </p:oleObj>
                 </mc:Choice>
@@ -9354,7 +11658,7 @@
           </a:prstGeom>
           <a:noFill/>
           <a:extLst>
-            <a:ext uri="{909E8E84-426E-40dd-AFC4-6F175D3DCCD1}">
+            <a:ext uri="{909E8E84-426E-40DD-AFC4-6F175D3DCCD1}">
               <a14:hiddenFill xmlns:a14="http://schemas.microsoft.com/office/drawing/2010/main">
                 <a:solidFill>
                   <a:srgbClr val="FFFFFF"/>
@@ -9532,7 +11836,7 @@
   <p:timing>
     <p:tnLst>
       <p:par>
-        <p:cTn xmlns:p14="http://schemas.microsoft.com/office/powerpoint/2010/main" id="1" dur="indefinite" restart="never" nodeType="tmRoot"/>
+        <p:cTn id="1" dur="indefinite" restart="never" nodeType="tmRoot"/>
       </p:par>
     </p:tnLst>
   </p:timing>
@@ -11078,7 +13382,7 @@
               <a:graphicData uri="http://schemas.openxmlformats.org/presentationml/2006/ole">
                 <mc:AlternateContent xmlns:mc="http://schemas.openxmlformats.org/markup-compatibility/2006">
                   <mc:Choice xmlns:v="urn:schemas-microsoft-com:vml" Requires="v">
-                    <p:oleObj spid="_x0000_s5224" name="Image" r:id="rId8" imgW="1828440" imgH="1117440" progId="Photoshop.Image.13">
+                    <p:oleObj spid="_x0000_s5232" name="Image" r:id="rId8" imgW="1828440" imgH="1117440" progId="Photoshop.Image.13">
                       <p:embed/>
                     </p:oleObj>
                   </mc:Choice>
@@ -11135,7 +13439,7 @@
               <a:graphicData uri="http://schemas.openxmlformats.org/presentationml/2006/ole">
                 <mc:AlternateContent xmlns:mc="http://schemas.openxmlformats.org/markup-compatibility/2006">
                   <mc:Choice xmlns:v="urn:schemas-microsoft-com:vml" Requires="v">
-                    <p:oleObj spid="_x0000_s5225" name="Image" r:id="rId10" imgW="1828440" imgH="1117440" progId="Photoshop.Image.13">
+                    <p:oleObj spid="_x0000_s5233" name="Image" r:id="rId10" imgW="1828440" imgH="1117440" progId="Photoshop.Image.13">
                       <p:embed/>
                     </p:oleObj>
                   </mc:Choice>
@@ -12157,7 +14461,7 @@
             <a:graphicData uri="http://schemas.openxmlformats.org/presentationml/2006/ole">
               <mc:AlternateContent xmlns:mc="http://schemas.openxmlformats.org/markup-compatibility/2006">
                 <mc:Choice xmlns:v="urn:schemas-microsoft-com:vml" Requires="v">
-                  <p:oleObj spid="_x0000_s5226" name="Image" r:id="rId12" imgW="4571280" imgH="1688760" progId="Photoshop.Image.13">
+                  <p:oleObj spid="_x0000_s5234" name="Image" r:id="rId12" imgW="4571280" imgH="1688760" progId="Photoshop.Image.13">
                     <p:embed/>
                   </p:oleObj>
                 </mc:Choice>
@@ -12241,7 +14545,7 @@
             <a:graphicData uri="http://schemas.openxmlformats.org/presentationml/2006/ole">
               <mc:AlternateContent xmlns:mc="http://schemas.openxmlformats.org/markup-compatibility/2006">
                 <mc:Choice xmlns:v="urn:schemas-microsoft-com:vml" Requires="v">
-                  <p:oleObj spid="_x0000_s5227" name="Image" r:id="rId15" imgW="1574280" imgH="1053720" progId="Photoshop.Image.13">
+                  <p:oleObj spid="_x0000_s5235" name="Image" r:id="rId15" imgW="1574280" imgH="1053720" progId="Photoshop.Image.13">
                     <p:embed/>
                   </p:oleObj>
                 </mc:Choice>
@@ -12452,7 +14756,7 @@
           </a:prstGeom>
           <a:noFill/>
           <a:extLst>
-            <a:ext uri="{909E8E84-426E-40dd-AFC4-6F175D3DCCD1}">
+            <a:ext uri="{909E8E84-426E-40DD-AFC4-6F175D3DCCD1}">
               <a14:hiddenFill xmlns:a14="http://schemas.microsoft.com/office/drawing/2010/main">
                 <a:solidFill>
                   <a:srgbClr val="FFFFFF"/>
@@ -12670,7 +14974,7 @@
   <p:timing>
     <p:tnLst>
       <p:par>
-        <p:cTn xmlns:p14="http://schemas.microsoft.com/office/powerpoint/2010/main" id="1" dur="indefinite" restart="never" nodeType="tmRoot"/>
+        <p:cTn id="1" dur="indefinite" restart="never" nodeType="tmRoot"/>
       </p:par>
     </p:tnLst>
   </p:timing>
@@ -14216,7 +16520,7 @@
               <a:graphicData uri="http://schemas.openxmlformats.org/presentationml/2006/ole">
                 <mc:AlternateContent xmlns:mc="http://schemas.openxmlformats.org/markup-compatibility/2006">
                   <mc:Choice xmlns:v="urn:schemas-microsoft-com:vml" Requires="v">
-                    <p:oleObj spid="_x0000_s6248" name="Image" r:id="rId8" imgW="1828440" imgH="1117440" progId="Photoshop.Image.13">
+                    <p:oleObj spid="_x0000_s6256" name="Image" r:id="rId8" imgW="1828440" imgH="1117440" progId="Photoshop.Image.13">
                       <p:embed/>
                     </p:oleObj>
                   </mc:Choice>
@@ -14273,7 +16577,7 @@
               <a:graphicData uri="http://schemas.openxmlformats.org/presentationml/2006/ole">
                 <mc:AlternateContent xmlns:mc="http://schemas.openxmlformats.org/markup-compatibility/2006">
                   <mc:Choice xmlns:v="urn:schemas-microsoft-com:vml" Requires="v">
-                    <p:oleObj spid="_x0000_s6249" name="Image" r:id="rId10" imgW="1828440" imgH="1117440" progId="Photoshop.Image.13">
+                    <p:oleObj spid="_x0000_s6257" name="Image" r:id="rId10" imgW="1828440" imgH="1117440" progId="Photoshop.Image.13">
                       <p:embed/>
                     </p:oleObj>
                   </mc:Choice>
@@ -15295,7 +17599,7 @@
             <a:graphicData uri="http://schemas.openxmlformats.org/presentationml/2006/ole">
               <mc:AlternateContent xmlns:mc="http://schemas.openxmlformats.org/markup-compatibility/2006">
                 <mc:Choice xmlns:v="urn:schemas-microsoft-com:vml" Requires="v">
-                  <p:oleObj spid="_x0000_s6250" name="Image" r:id="rId12" imgW="4571280" imgH="1688760" progId="Photoshop.Image.13">
+                  <p:oleObj spid="_x0000_s6258" name="Image" r:id="rId12" imgW="4571280" imgH="1688760" progId="Photoshop.Image.13">
                     <p:embed/>
                   </p:oleObj>
                 </mc:Choice>
@@ -15379,7 +17683,7 @@
             <a:graphicData uri="http://schemas.openxmlformats.org/presentationml/2006/ole">
               <mc:AlternateContent xmlns:mc="http://schemas.openxmlformats.org/markup-compatibility/2006">
                 <mc:Choice xmlns:v="urn:schemas-microsoft-com:vml" Requires="v">
-                  <p:oleObj spid="_x0000_s6251" name="Image" r:id="rId15" imgW="1574280" imgH="1053720" progId="Photoshop.Image.13">
+                  <p:oleObj spid="_x0000_s6259" name="Image" r:id="rId15" imgW="1574280" imgH="1053720" progId="Photoshop.Image.13">
                     <p:embed/>
                   </p:oleObj>
                 </mc:Choice>
@@ -15590,7 +17894,7 @@
           </a:prstGeom>
           <a:noFill/>
           <a:extLst>
-            <a:ext uri="{909E8E84-426E-40dd-AFC4-6F175D3DCCD1}">
+            <a:ext uri="{909E8E84-426E-40DD-AFC4-6F175D3DCCD1}">
               <a14:hiddenFill xmlns:a14="http://schemas.microsoft.com/office/drawing/2010/main">
                 <a:solidFill>
                   <a:srgbClr val="FFFFFF"/>
@@ -15779,7 +18083,7 @@
   <p:timing>
     <p:tnLst>
       <p:par>
-        <p:cTn xmlns:p14="http://schemas.microsoft.com/office/powerpoint/2010/main" id="1" dur="indefinite" restart="never" nodeType="tmRoot"/>
+        <p:cTn id="1" dur="indefinite" restart="never" nodeType="tmRoot"/>
       </p:par>
     </p:tnLst>
   </p:timing>
@@ -16249,7 +18553,7 @@
         <p:spPr>
           <a:xfrm>
             <a:off x="7241977" y="4488877"/>
-            <a:ext cx="6474023" cy="6749030"/>
+            <a:ext cx="6474023" cy="7610803"/>
           </a:xfrm>
         </p:spPr>
         <p:txBody>
@@ -16262,7 +18566,23 @@
                   <a:srgbClr val="000002"/>
                 </a:solidFill>
               </a:rPr>
-              <a:t>Our game contains three classes. </a:t>
+              <a:t>Our game </a:t>
+            </a:r>
+            <a:r>
+              <a:rPr lang="en-US" sz="2800" dirty="0" smtClean="0">
+                <a:solidFill>
+                  <a:srgbClr val="000002"/>
+                </a:solidFill>
+              </a:rPr>
+              <a:t>currently contains four classes</a:t>
+            </a:r>
+            <a:r>
+              <a:rPr lang="en-US" sz="2800" dirty="0" smtClean="0">
+                <a:solidFill>
+                  <a:srgbClr val="000002"/>
+                </a:solidFill>
+              </a:rPr>
+              <a:t>. </a:t>
             </a:r>
             <a:r>
               <a:rPr lang="en-US" sz="2800" dirty="0" err="1" smtClean="0">
@@ -16310,15 +18630,15 @@
                   <a:srgbClr val="000002"/>
                 </a:solidFill>
               </a:rPr>
-              <a:t> is the class that does most of the work. This class deals with the spawning of the Stalin clones, the AI movements of the clones, and the hit detection when the mouse is clicked. Lastly, the </a:t>
+              <a:t> is the class that does most of the work. This class deals with the spawning of the Stalin clones, the AI movements of the clones, and the hit detection when the mouse is clicked. </a:t>
             </a:r>
             <a:r>
-              <a:rPr lang="en-US" sz="2800" dirty="0" err="1" smtClean="0">
+              <a:rPr lang="en-US" sz="2800" dirty="0">
                 <a:solidFill>
                   <a:srgbClr val="000002"/>
                 </a:solidFill>
               </a:rPr>
-              <a:t>Stalin.java</a:t>
+              <a:t>T</a:t>
             </a:r>
             <a:r>
               <a:rPr lang="en-US" sz="2800" dirty="0" smtClean="0">
@@ -16326,7 +18646,63 @@
                   <a:srgbClr val="000002"/>
                 </a:solidFill>
               </a:rPr>
-              <a:t> class constructs the individual Stalin objects. Aside from these three classes, our game extends/implements the following classes: </a:t>
+              <a:t>he </a:t>
+            </a:r>
+            <a:r>
+              <a:rPr lang="en-US" sz="2800" dirty="0" smtClean="0">
+                <a:solidFill>
+                  <a:srgbClr val="000002"/>
+                </a:solidFill>
+              </a:rPr>
+              <a:t>Stalin.java class constructs the individual Stalin </a:t>
+            </a:r>
+            <a:r>
+              <a:rPr lang="en-US" sz="2800" dirty="0" smtClean="0">
+                <a:solidFill>
+                  <a:srgbClr val="000002"/>
+                </a:solidFill>
+              </a:rPr>
+              <a:t>objects, and the Menu.java class creates the menu image before and after the game. Aside </a:t>
+            </a:r>
+            <a:r>
+              <a:rPr lang="en-US" sz="2800" dirty="0" smtClean="0">
+                <a:solidFill>
+                  <a:srgbClr val="000002"/>
+                </a:solidFill>
+              </a:rPr>
+              <a:t>from these </a:t>
+            </a:r>
+            <a:r>
+              <a:rPr lang="en-US" sz="2800" dirty="0" smtClean="0">
+                <a:solidFill>
+                  <a:srgbClr val="000002"/>
+                </a:solidFill>
+              </a:rPr>
+              <a:t>four classes</a:t>
+            </a:r>
+            <a:r>
+              <a:rPr lang="en-US" sz="2800" dirty="0" smtClean="0">
+                <a:solidFill>
+                  <a:srgbClr val="000002"/>
+                </a:solidFill>
+              </a:rPr>
+              <a:t>, our game extends/implements the following </a:t>
+            </a:r>
+            <a:r>
+              <a:rPr lang="en-US" sz="2800" dirty="0" smtClean="0">
+                <a:solidFill>
+                  <a:srgbClr val="000002"/>
+                </a:solidFill>
+              </a:rPr>
+              <a:t>default classes</a:t>
+            </a:r>
+            <a:r>
+              <a:rPr lang="en-US" sz="2800" dirty="0" smtClean="0">
+                <a:solidFill>
+                  <a:srgbClr val="000002"/>
+                </a:solidFill>
+              </a:rPr>
+              <a:t>: </a:t>
             </a:r>
             <a:r>
               <a:rPr lang="en-US" sz="2800" dirty="0" err="1" smtClean="0">
@@ -16446,7 +18822,7 @@
                   <a:srgbClr val="000002"/>
                 </a:solidFill>
               </a:rPr>
-              <a:t>Once we decided to create this game, th</a:t>
+              <a:t>Once we decided to create this game, the first thing we did was go through a tutorial of how to make the game “Pong” because the basic principles of both games are similar. After that, we made our code structure plan and began to write the game code, with the simpler parts coming first. One area we struggled with at first was using basic graphics. We resorted to the textbook and test code a lot, which slowed our game development. When we reached our first evaluation, we had been working on six classes, and we thought we were close to finishing the rough state of the game. However, we realized that we had too many classes, which made it difficult and confusing to connect all of the pieces. Eventually, we decided that </a:t>
             </a:r>
             <a:r>
               <a:rPr lang="en-US" sz="2800" dirty="0" smtClean="0">
@@ -16454,7 +18830,15 @@
                   <a:srgbClr val="000002"/>
                 </a:solidFill>
               </a:rPr>
-              <a:t>e first thing we did was go through a tutorial of how to make the game “Pong” because the basic principles of both games are similar. After that, we made our code structure plan and began to write the game code, with the simpler parts coming first. One area we struggled with at first was using basic graphics. We resorted to the textbook and test code a lot, which slowed our game development. When we reached our first evaluation, we had been working on six classes, and we thought we were close to finishing the rough state of the game. However, we realized that we had too many classes, which made it difficult and confusing to connect all of the pieces. Eventually, we decided that we only needed to have three classes. We ended up removing the class we spent the most time on, and simply implemented an interface to solve the problem. After we completed the very basic state of the game, we started to work on adding simple features to improve it, such as a score counter and a game menu.</a:t>
+              <a:t>we didn’t need several of the classes. </a:t>
+            </a:r>
+            <a:r>
+              <a:rPr lang="en-US" sz="2800" dirty="0" smtClean="0">
+                <a:solidFill>
+                  <a:srgbClr val="000002"/>
+                </a:solidFill>
+              </a:rPr>
+              <a:t>We ended up removing the class we spent the most time on, and simply implemented an interface to solve the problem. After we completed the very basic state of the game, we started to work on adding simple features to improve it, such as a score counter and a game menu.</a:t>
             </a:r>
             <a:endParaRPr lang="en-US" sz="2800" dirty="0">
               <a:solidFill>
@@ -16682,25 +19066,6 @@
       </p:sp>
       <p:sp>
         <p:nvSpPr>
-          <p:cNvPr id="48" name="Text Placeholder 47"/>
-          <p:cNvSpPr>
-            <a:spLocks noGrp="1"/>
-          </p:cNvSpPr>
-          <p:nvPr>
-            <p:ph type="body" sz="quarter" idx="30"/>
-          </p:nvPr>
-        </p:nvSpPr>
-        <p:spPr/>
-        <p:txBody>
-          <a:bodyPr/>
-          <a:lstStyle/>
-          <a:p>
-            <a:endParaRPr lang="en-US" dirty="0"/>
-          </a:p>
-        </p:txBody>
-      </p:sp>
-      <p:sp>
-        <p:nvSpPr>
           <p:cNvPr id="49" name="Text Placeholder 48"/>
           <p:cNvSpPr>
             <a:spLocks noGrp="1"/>
@@ -16799,7 +19164,7 @@
           <p:nvPr>
             <p:extLst>
               <p:ext uri="{D42A27DB-BD31-4B8C-83A1-F6EECF244321}">
-                <p14:modId xmlns:p14="http://schemas.microsoft.com/office/powerpoint/2010/main" val="3364570182"/>
+                <p14:modId xmlns:p14="http://schemas.microsoft.com/office/powerpoint/2010/main" val="2725584962"/>
               </p:ext>
             </p:extLst>
           </p:nvPr>
@@ -16822,8 +19187,8 @@
         </p:nvCxnSpPr>
         <p:spPr>
           <a:xfrm flipV="1">
-            <a:off x="18440400" y="8305800"/>
-            <a:ext cx="0" cy="1905000"/>
+            <a:off x="18669000" y="7924800"/>
+            <a:ext cx="0" cy="2743200"/>
           </a:xfrm>
           <a:prstGeom prst="straightConnector1">
             <a:avLst/>
@@ -16858,8 +19223,8 @@
         </p:nvCxnSpPr>
         <p:spPr>
           <a:xfrm flipV="1">
-            <a:off x="14782800" y="7315200"/>
-            <a:ext cx="1219200" cy="609600"/>
+            <a:off x="15443200" y="7010400"/>
+            <a:ext cx="711200" cy="482600"/>
           </a:xfrm>
           <a:prstGeom prst="straightConnector1">
             <a:avLst/>
@@ -16894,8 +19259,66 @@
         </p:nvCxnSpPr>
         <p:spPr>
           <a:xfrm flipV="1">
-            <a:off x="17297400" y="6096000"/>
-            <a:ext cx="0" cy="685800"/>
+            <a:off x="17297400" y="5810250"/>
+            <a:ext cx="0" cy="647700"/>
+          </a:xfrm>
+          <a:prstGeom prst="straightConnector1">
+            <a:avLst/>
+          </a:prstGeom>
+          <a:ln>
+            <a:solidFill>
+              <a:srgbClr val="000002"/>
+            </a:solidFill>
+            <a:tailEnd type="arrow"/>
+          </a:ln>
+        </p:spPr>
+        <p:style>
+          <a:lnRef idx="2">
+            <a:schemeClr val="accent1"/>
+          </a:lnRef>
+          <a:fillRef idx="0">
+            <a:schemeClr val="accent1"/>
+          </a:fillRef>
+          <a:effectRef idx="1">
+            <a:schemeClr val="accent1"/>
+          </a:effectRef>
+          <a:fontRef idx="minor">
+            <a:schemeClr val="tx1"/>
+          </a:fontRef>
+        </p:style>
+      </p:cxnSp>
+      <p:graphicFrame>
+        <p:nvGraphicFramePr>
+          <p:cNvPr id="3" name="Diagram 2"/>
+          <p:cNvGraphicFramePr/>
+          <p:nvPr>
+            <p:extLst>
+              <p:ext uri="{D42A27DB-BD31-4B8C-83A1-F6EECF244321}">
+                <p14:modId xmlns:p14="http://schemas.microsoft.com/office/powerpoint/2010/main" val="2786249803"/>
+              </p:ext>
+            </p:extLst>
+          </p:nvPr>
+        </p:nvGraphicFramePr>
+        <p:xfrm>
+          <a:off x="21412200" y="16078200"/>
+          <a:ext cx="4876800" cy="2819400"/>
+        </p:xfrm>
+        <a:graphic>
+          <a:graphicData uri="http://schemas.openxmlformats.org/drawingml/2006/diagram">
+            <dgm:relIds xmlns:dgm="http://schemas.openxmlformats.org/drawingml/2006/diagram" xmlns:r="http://schemas.openxmlformats.org/officeDocument/2006/relationships" r:dm="rId7" r:lo="rId8" r:qs="rId9" r:cs="rId10"/>
+          </a:graphicData>
+        </a:graphic>
+      </p:graphicFrame>
+      <p:cxnSp>
+        <p:nvCxnSpPr>
+          <p:cNvPr id="30" name="Straight Arrow Connector 29"/>
+          <p:cNvCxnSpPr/>
+          <p:nvPr/>
+        </p:nvCxnSpPr>
+        <p:spPr>
+          <a:xfrm flipV="1">
+            <a:off x="17754600" y="7696200"/>
+            <a:ext cx="0" cy="1905000"/>
           </a:xfrm>
           <a:prstGeom prst="straightConnector1">
             <a:avLst/>
@@ -16935,7 +19358,7 @@
   <p:timing>
     <p:tnLst>
       <p:par>
-        <p:cTn xmlns:p14="http://schemas.microsoft.com/office/powerpoint/2010/main" id="1" dur="indefinite" restart="never" nodeType="tmRoot"/>
+        <p:cTn id="1" dur="indefinite" restart="never" nodeType="tmRoot"/>
       </p:par>
     </p:tnLst>
   </p:timing>

--- a/Communist Poster.pptx
+++ b/Communist Poster.pptx
@@ -2149,6 +2149,13 @@
         </dgm:presLayoutVars>
       </dgm:prSet>
       <dgm:spPr/>
+      <dgm:t>
+        <a:bodyPr/>
+        <a:lstStyle/>
+        <a:p>
+          <a:endParaRPr lang="en-US"/>
+        </a:p>
+      </dgm:t>
     </dgm:pt>
     <dgm:pt modelId="{164F2190-72A8-4411-8F51-09C67BFD5891}" type="pres">
       <dgm:prSet presAssocID="{3312B9C3-8797-4893-AEC0-5FB653C71542}" presName="node" presStyleLbl="node1" presStyleIdx="0" presStyleCnt="1" custScaleX="94336" custScaleY="59831" custLinFactNeighborX="-1270" custLinFactNeighborY="-2637">
@@ -2167,9 +2174,9 @@
     </dgm:pt>
   </dgm:ptLst>
   <dgm:cxnLst>
+    <dgm:cxn modelId="{90E65122-932D-4450-88DB-3FD6C00B238D}" srcId="{B78FD200-18F4-4EF3-A55B-7692DC7CA203}" destId="{3312B9C3-8797-4893-AEC0-5FB653C71542}" srcOrd="0" destOrd="0" parTransId="{B217D511-2174-4269-B866-F89B4C6A7C26}" sibTransId="{524F040F-D017-4B0C-9991-1F31DC7B2B77}"/>
     <dgm:cxn modelId="{6CCFFD60-37E3-492F-9C02-CAC93D47DE90}" type="presOf" srcId="{3312B9C3-8797-4893-AEC0-5FB653C71542}" destId="{164F2190-72A8-4411-8F51-09C67BFD5891}" srcOrd="0" destOrd="0" presId="urn:microsoft.com/office/officeart/2005/8/layout/default"/>
     <dgm:cxn modelId="{69EBC230-5B1B-4DF9-AE4D-91836EDB3648}" type="presOf" srcId="{B78FD200-18F4-4EF3-A55B-7692DC7CA203}" destId="{10297CC6-5F13-482E-899B-3EA7F0C6DB6E}" srcOrd="0" destOrd="0" presId="urn:microsoft.com/office/officeart/2005/8/layout/default"/>
-    <dgm:cxn modelId="{90E65122-932D-4450-88DB-3FD6C00B238D}" srcId="{B78FD200-18F4-4EF3-A55B-7692DC7CA203}" destId="{3312B9C3-8797-4893-AEC0-5FB653C71542}" srcOrd="0" destOrd="0" parTransId="{B217D511-2174-4269-B866-F89B4C6A7C26}" sibTransId="{524F040F-D017-4B0C-9991-1F31DC7B2B77}"/>
     <dgm:cxn modelId="{1A411905-AA4F-4A7D-87C1-5A83C8988F41}" type="presParOf" srcId="{10297CC6-5F13-482E-899B-3EA7F0C6DB6E}" destId="{164F2190-72A8-4411-8F51-09C67BFD5891}" srcOrd="0" destOrd="0" presId="urn:microsoft.com/office/officeart/2005/8/layout/default"/>
   </dgm:cxnLst>
   <dgm:bg/>
@@ -10284,7 +10291,7 @@
               <a:graphicData uri="http://schemas.openxmlformats.org/presentationml/2006/ole">
                 <mc:AlternateContent xmlns:mc="http://schemas.openxmlformats.org/markup-compatibility/2006">
                   <mc:Choice xmlns:v="urn:schemas-microsoft-com:vml" Requires="v">
-                    <p:oleObj spid="_x0000_s7276" name="Image" r:id="rId9" imgW="1828440" imgH="1117440" progId="Photoshop.Image.13">
+                    <p:oleObj spid="_x0000_s7288" name="Image" r:id="rId9" imgW="1828440" imgH="1117440" progId="Photoshop.Image.13">
                       <p:embed/>
                     </p:oleObj>
                   </mc:Choice>
@@ -10341,7 +10348,7 @@
               <a:graphicData uri="http://schemas.openxmlformats.org/presentationml/2006/ole">
                 <mc:AlternateContent xmlns:mc="http://schemas.openxmlformats.org/markup-compatibility/2006">
                   <mc:Choice xmlns:v="urn:schemas-microsoft-com:vml" Requires="v">
-                    <p:oleObj spid="_x0000_s7277" name="Image" r:id="rId11" imgW="1828440" imgH="1117440" progId="Photoshop.Image.13">
+                    <p:oleObj spid="_x0000_s7289" name="Image" r:id="rId11" imgW="1828440" imgH="1117440" progId="Photoshop.Image.13">
                       <p:embed/>
                     </p:oleObj>
                   </mc:Choice>
@@ -11363,7 +11370,7 @@
             <a:graphicData uri="http://schemas.openxmlformats.org/presentationml/2006/ole">
               <mc:AlternateContent xmlns:mc="http://schemas.openxmlformats.org/markup-compatibility/2006">
                 <mc:Choice xmlns:v="urn:schemas-microsoft-com:vml" Requires="v">
-                  <p:oleObj spid="_x0000_s7278" name="Image" r:id="rId13" imgW="4571280" imgH="1688760" progId="Photoshop.Image.13">
+                  <p:oleObj spid="_x0000_s7290" name="Image" r:id="rId13" imgW="4571280" imgH="1688760" progId="Photoshop.Image.13">
                     <p:embed/>
                   </p:oleObj>
                 </mc:Choice>
@@ -11447,7 +11454,7 @@
             <a:graphicData uri="http://schemas.openxmlformats.org/presentationml/2006/ole">
               <mc:AlternateContent xmlns:mc="http://schemas.openxmlformats.org/markup-compatibility/2006">
                 <mc:Choice xmlns:v="urn:schemas-microsoft-com:vml" Requires="v">
-                  <p:oleObj spid="_x0000_s7279" name="Image" r:id="rId16" imgW="1574280" imgH="1053720" progId="Photoshop.Image.13">
+                  <p:oleObj spid="_x0000_s7291" name="Image" r:id="rId16" imgW="1574280" imgH="1053720" progId="Photoshop.Image.13">
                     <p:embed/>
                   </p:oleObj>
                 </mc:Choice>
@@ -13382,7 +13389,7 @@
               <a:graphicData uri="http://schemas.openxmlformats.org/presentationml/2006/ole">
                 <mc:AlternateContent xmlns:mc="http://schemas.openxmlformats.org/markup-compatibility/2006">
                   <mc:Choice xmlns:v="urn:schemas-microsoft-com:vml" Requires="v">
-                    <p:oleObj spid="_x0000_s5232" name="Image" r:id="rId8" imgW="1828440" imgH="1117440" progId="Photoshop.Image.13">
+                    <p:oleObj spid="_x0000_s5244" name="Image" r:id="rId8" imgW="1828440" imgH="1117440" progId="Photoshop.Image.13">
                       <p:embed/>
                     </p:oleObj>
                   </mc:Choice>
@@ -13439,7 +13446,7 @@
               <a:graphicData uri="http://schemas.openxmlformats.org/presentationml/2006/ole">
                 <mc:AlternateContent xmlns:mc="http://schemas.openxmlformats.org/markup-compatibility/2006">
                   <mc:Choice xmlns:v="urn:schemas-microsoft-com:vml" Requires="v">
-                    <p:oleObj spid="_x0000_s5233" name="Image" r:id="rId10" imgW="1828440" imgH="1117440" progId="Photoshop.Image.13">
+                    <p:oleObj spid="_x0000_s5245" name="Image" r:id="rId10" imgW="1828440" imgH="1117440" progId="Photoshop.Image.13">
                       <p:embed/>
                     </p:oleObj>
                   </mc:Choice>
@@ -14461,7 +14468,7 @@
             <a:graphicData uri="http://schemas.openxmlformats.org/presentationml/2006/ole">
               <mc:AlternateContent xmlns:mc="http://schemas.openxmlformats.org/markup-compatibility/2006">
                 <mc:Choice xmlns:v="urn:schemas-microsoft-com:vml" Requires="v">
-                  <p:oleObj spid="_x0000_s5234" name="Image" r:id="rId12" imgW="4571280" imgH="1688760" progId="Photoshop.Image.13">
+                  <p:oleObj spid="_x0000_s5246" name="Image" r:id="rId12" imgW="4571280" imgH="1688760" progId="Photoshop.Image.13">
                     <p:embed/>
                   </p:oleObj>
                 </mc:Choice>
@@ -14545,7 +14552,7 @@
             <a:graphicData uri="http://schemas.openxmlformats.org/presentationml/2006/ole">
               <mc:AlternateContent xmlns:mc="http://schemas.openxmlformats.org/markup-compatibility/2006">
                 <mc:Choice xmlns:v="urn:schemas-microsoft-com:vml" Requires="v">
-                  <p:oleObj spid="_x0000_s5235" name="Image" r:id="rId15" imgW="1574280" imgH="1053720" progId="Photoshop.Image.13">
+                  <p:oleObj spid="_x0000_s5247" name="Image" r:id="rId15" imgW="1574280" imgH="1053720" progId="Photoshop.Image.13">
                     <p:embed/>
                   </p:oleObj>
                 </mc:Choice>
@@ -16520,7 +16527,7 @@
               <a:graphicData uri="http://schemas.openxmlformats.org/presentationml/2006/ole">
                 <mc:AlternateContent xmlns:mc="http://schemas.openxmlformats.org/markup-compatibility/2006">
                   <mc:Choice xmlns:v="urn:schemas-microsoft-com:vml" Requires="v">
-                    <p:oleObj spid="_x0000_s6256" name="Image" r:id="rId8" imgW="1828440" imgH="1117440" progId="Photoshop.Image.13">
+                    <p:oleObj spid="_x0000_s6268" name="Image" r:id="rId8" imgW="1828440" imgH="1117440" progId="Photoshop.Image.13">
                       <p:embed/>
                     </p:oleObj>
                   </mc:Choice>
@@ -16577,7 +16584,7 @@
               <a:graphicData uri="http://schemas.openxmlformats.org/presentationml/2006/ole">
                 <mc:AlternateContent xmlns:mc="http://schemas.openxmlformats.org/markup-compatibility/2006">
                   <mc:Choice xmlns:v="urn:schemas-microsoft-com:vml" Requires="v">
-                    <p:oleObj spid="_x0000_s6257" name="Image" r:id="rId10" imgW="1828440" imgH="1117440" progId="Photoshop.Image.13">
+                    <p:oleObj spid="_x0000_s6269" name="Image" r:id="rId10" imgW="1828440" imgH="1117440" progId="Photoshop.Image.13">
                       <p:embed/>
                     </p:oleObj>
                   </mc:Choice>
@@ -17599,7 +17606,7 @@
             <a:graphicData uri="http://schemas.openxmlformats.org/presentationml/2006/ole">
               <mc:AlternateContent xmlns:mc="http://schemas.openxmlformats.org/markup-compatibility/2006">
                 <mc:Choice xmlns:v="urn:schemas-microsoft-com:vml" Requires="v">
-                  <p:oleObj spid="_x0000_s6258" name="Image" r:id="rId12" imgW="4571280" imgH="1688760" progId="Photoshop.Image.13">
+                  <p:oleObj spid="_x0000_s6270" name="Image" r:id="rId12" imgW="4571280" imgH="1688760" progId="Photoshop.Image.13">
                     <p:embed/>
                   </p:oleObj>
                 </mc:Choice>
@@ -17683,7 +17690,7 @@
             <a:graphicData uri="http://schemas.openxmlformats.org/presentationml/2006/ole">
               <mc:AlternateContent xmlns:mc="http://schemas.openxmlformats.org/markup-compatibility/2006">
                 <mc:Choice xmlns:v="urn:schemas-microsoft-com:vml" Requires="v">
-                  <p:oleObj spid="_x0000_s6259" name="Image" r:id="rId15" imgW="1574280" imgH="1053720" progId="Photoshop.Image.13">
+                  <p:oleObj spid="_x0000_s6271" name="Image" r:id="rId15" imgW="1574280" imgH="1053720" progId="Photoshop.Image.13">
                     <p:embed/>
                   </p:oleObj>
                 </mc:Choice>
@@ -18470,7 +18477,7 @@
         </p:nvSpPr>
         <p:spPr>
           <a:xfrm>
-            <a:off x="533400" y="11049000"/>
+            <a:off x="533400" y="12819993"/>
             <a:ext cx="6286500" cy="6587446"/>
           </a:xfrm>
         </p:spPr>
@@ -18499,7 +18506,23 @@
                   <a:srgbClr val="000002"/>
                 </a:solidFill>
               </a:rPr>
-              <a:t>In addition, our game is very much geared towards people who love simple shooter games. Communist Hunt is a game you can play casually, but can also be competitive. Players can challenge friends to beat their time or accuracy. </a:t>
+              <a:t>In addition, our game is very much geared towards people who love simple shooter games. </a:t>
+            </a:r>
+            <a:r>
+              <a:rPr lang="en-US" sz="2800" dirty="0" smtClean="0">
+                <a:solidFill>
+                  <a:srgbClr val="000002"/>
+                </a:solidFill>
+              </a:rPr>
+              <a:t>Communist hunt can be played casually</a:t>
+            </a:r>
+            <a:r>
+              <a:rPr lang="en-US" sz="2800" dirty="0" smtClean="0">
+                <a:solidFill>
+                  <a:srgbClr val="000002"/>
+                </a:solidFill>
+              </a:rPr>
+              <a:t>, but can also be competitive. Players can challenge friends to beat their time or accuracy. </a:t>
             </a:r>
           </a:p>
         </p:txBody>
@@ -18516,7 +18539,7 @@
         </p:nvSpPr>
         <p:spPr>
           <a:xfrm>
-            <a:off x="609600" y="10439400"/>
+            <a:off x="533400" y="12205380"/>
             <a:ext cx="6281539" cy="606730"/>
           </a:xfrm>
         </p:spPr>
@@ -18566,23 +18589,7 @@
                   <a:srgbClr val="000002"/>
                 </a:solidFill>
               </a:rPr>
-              <a:t>Our game </a:t>
-            </a:r>
-            <a:r>
-              <a:rPr lang="en-US" sz="2800" dirty="0" smtClean="0">
-                <a:solidFill>
-                  <a:srgbClr val="000002"/>
-                </a:solidFill>
-              </a:rPr>
-              <a:t>currently contains four classes</a:t>
-            </a:r>
-            <a:r>
-              <a:rPr lang="en-US" sz="2800" dirty="0" smtClean="0">
-                <a:solidFill>
-                  <a:srgbClr val="000002"/>
-                </a:solidFill>
-              </a:rPr>
-              <a:t>. </a:t>
+              <a:t>Our game currently contains four classes. </a:t>
             </a:r>
             <a:r>
               <a:rPr lang="en-US" sz="2800" dirty="0" err="1" smtClean="0">
@@ -18646,63 +18653,7 @@
                   <a:srgbClr val="000002"/>
                 </a:solidFill>
               </a:rPr>
-              <a:t>he </a:t>
-            </a:r>
-            <a:r>
-              <a:rPr lang="en-US" sz="2800" dirty="0" smtClean="0">
-                <a:solidFill>
-                  <a:srgbClr val="000002"/>
-                </a:solidFill>
-              </a:rPr>
-              <a:t>Stalin.java class constructs the individual Stalin </a:t>
-            </a:r>
-            <a:r>
-              <a:rPr lang="en-US" sz="2800" dirty="0" smtClean="0">
-                <a:solidFill>
-                  <a:srgbClr val="000002"/>
-                </a:solidFill>
-              </a:rPr>
-              <a:t>objects, and the Menu.java class creates the menu image before and after the game. Aside </a:t>
-            </a:r>
-            <a:r>
-              <a:rPr lang="en-US" sz="2800" dirty="0" smtClean="0">
-                <a:solidFill>
-                  <a:srgbClr val="000002"/>
-                </a:solidFill>
-              </a:rPr>
-              <a:t>from these </a:t>
-            </a:r>
-            <a:r>
-              <a:rPr lang="en-US" sz="2800" dirty="0" smtClean="0">
-                <a:solidFill>
-                  <a:srgbClr val="000002"/>
-                </a:solidFill>
-              </a:rPr>
-              <a:t>four classes</a:t>
-            </a:r>
-            <a:r>
-              <a:rPr lang="en-US" sz="2800" dirty="0" smtClean="0">
-                <a:solidFill>
-                  <a:srgbClr val="000002"/>
-                </a:solidFill>
-              </a:rPr>
-              <a:t>, our game extends/implements the following </a:t>
-            </a:r>
-            <a:r>
-              <a:rPr lang="en-US" sz="2800" dirty="0" smtClean="0">
-                <a:solidFill>
-                  <a:srgbClr val="000002"/>
-                </a:solidFill>
-              </a:rPr>
-              <a:t>default classes</a:t>
-            </a:r>
-            <a:r>
-              <a:rPr lang="en-US" sz="2800" dirty="0" smtClean="0">
-                <a:solidFill>
-                  <a:srgbClr val="000002"/>
-                </a:solidFill>
-              </a:rPr>
-              <a:t>: </a:t>
+              <a:t>he Stalin.java class constructs the individual Stalin objects, and the Menu.java class creates the menu image before and after the game. Aside from these four classes, our game extends/implements the following default classes: </a:t>
             </a:r>
             <a:r>
               <a:rPr lang="en-US" sz="2800" dirty="0" err="1" smtClean="0">
@@ -18822,23 +18773,7 @@
                   <a:srgbClr val="000002"/>
                 </a:solidFill>
               </a:rPr>
-              <a:t>Once we decided to create this game, the first thing we did was go through a tutorial of how to make the game “Pong” because the basic principles of both games are similar. After that, we made our code structure plan and began to write the game code, with the simpler parts coming first. One area we struggled with at first was using basic graphics. We resorted to the textbook and test code a lot, which slowed our game development. When we reached our first evaluation, we had been working on six classes, and we thought we were close to finishing the rough state of the game. However, we realized that we had too many classes, which made it difficult and confusing to connect all of the pieces. Eventually, we decided that </a:t>
-            </a:r>
-            <a:r>
-              <a:rPr lang="en-US" sz="2800" dirty="0" smtClean="0">
-                <a:solidFill>
-                  <a:srgbClr val="000002"/>
-                </a:solidFill>
-              </a:rPr>
-              <a:t>we didn’t need several of the classes. </a:t>
-            </a:r>
-            <a:r>
-              <a:rPr lang="en-US" sz="2800" dirty="0" smtClean="0">
-                <a:solidFill>
-                  <a:srgbClr val="000002"/>
-                </a:solidFill>
-              </a:rPr>
-              <a:t>We ended up removing the class we spent the most time on, and simply implemented an interface to solve the problem. After we completed the very basic state of the game, we started to work on adding simple features to improve it, such as a score counter and a game menu.</a:t>
+              <a:t>Once we decided to create this game, the first thing we did was go through a tutorial of how to make the game “Pong” because the basic principles of both games are similar. After that, we made our code structure plan and began to write the game code, with the simpler parts coming first. One area we struggled with at first was using basic graphics. We resorted to the textbook and test code a lot, which slowed our game development. When we reached our first evaluation, we had been working on six classes, and we thought we were close to finishing the rough state of the game. However, we realized that we had too many classes, which made it difficult and confusing to connect all of the pieces. Eventually, we decided that we didn’t need several of the classes. We ended up removing the class we spent the most time on, and simply implemented an interface to solve the problem. After we completed the very basic state of the game, we started to work on adding simple features to improve it, such as a score counter and a game menu.</a:t>
             </a:r>
             <a:endParaRPr lang="en-US" sz="2800" dirty="0">
               <a:solidFill>
@@ -19345,6 +19280,107 @@
           </a:fontRef>
         </p:style>
       </p:cxnSp>
+      <p:pic>
+        <p:nvPicPr>
+          <p:cNvPr id="4" name="Picture 3"/>
+          <p:cNvPicPr>
+            <a:picLocks noChangeAspect="1"/>
+          </p:cNvPicPr>
+          <p:nvPr/>
+        </p:nvPicPr>
+        <p:blipFill>
+          <a:blip r:embed="rId12">
+            <a:extLst>
+              <a:ext uri="{28A0092B-C50C-407E-A947-70E740481C1C}">
+                <a14:useLocalDpi xmlns:a14="http://schemas.microsoft.com/office/drawing/2010/main" val="0"/>
+              </a:ext>
+            </a:extLst>
+          </a:blip>
+          <a:stretch>
+            <a:fillRect/>
+          </a:stretch>
+        </p:blipFill>
+        <p:spPr>
+          <a:xfrm>
+            <a:off x="765312" y="114300"/>
+            <a:ext cx="2358887" cy="2712720"/>
+          </a:xfrm>
+          <a:prstGeom prst="rect">
+            <a:avLst/>
+          </a:prstGeom>
+        </p:spPr>
+      </p:pic>
+      <p:pic>
+        <p:nvPicPr>
+          <p:cNvPr id="6" name="Picture 5"/>
+          <p:cNvPicPr>
+            <a:picLocks noChangeAspect="1"/>
+          </p:cNvPicPr>
+          <p:nvPr/>
+        </p:nvPicPr>
+        <p:blipFill>
+          <a:blip r:embed="rId13" cstate="print">
+            <a:extLst>
+              <a:ext uri="{28A0092B-C50C-407E-A947-70E740481C1C}">
+                <a14:useLocalDpi xmlns:a14="http://schemas.microsoft.com/office/drawing/2010/main" val="0"/>
+              </a:ext>
+            </a:extLst>
+          </a:blip>
+          <a:stretch>
+            <a:fillRect/>
+          </a:stretch>
+        </p:blipFill>
+        <p:spPr>
+          <a:xfrm>
+            <a:off x="24003000" y="114300"/>
+            <a:ext cx="2667000" cy="2743200"/>
+          </a:xfrm>
+          <a:prstGeom prst="rect">
+            <a:avLst/>
+          </a:prstGeom>
+        </p:spPr>
+      </p:pic>
+      <p:pic>
+        <p:nvPicPr>
+          <p:cNvPr id="8194" name="Picture 2" descr="C:\Users\ROS_CR~1\AppData\Local\Temp\ScreenClip.png"/>
+          <p:cNvPicPr>
+            <a:picLocks noChangeAspect="1" noChangeArrowheads="1"/>
+          </p:cNvPicPr>
+          <p:nvPr/>
+        </p:nvPicPr>
+        <p:blipFill>
+          <a:blip r:embed="rId14" cstate="print">
+            <a:extLst>
+              <a:ext uri="{28A0092B-C50C-407E-A947-70E740481C1C}">
+                <a14:useLocalDpi xmlns:a14="http://schemas.microsoft.com/office/drawing/2010/main" val="0"/>
+              </a:ext>
+            </a:extLst>
+          </a:blip>
+          <a:srcRect/>
+          <a:stretch>
+            <a:fillRect/>
+          </a:stretch>
+        </p:blipFill>
+        <p:spPr bwMode="auto">
+          <a:xfrm>
+            <a:off x="2209800" y="10079421"/>
+            <a:ext cx="2863230" cy="2133600"/>
+          </a:xfrm>
+          <a:prstGeom prst="rect">
+            <a:avLst/>
+          </a:prstGeom>
+          <a:noFill/>
+          <a:extLst>
+            <a:ext uri="{909E8E84-426E-40DD-AFC4-6F175D3DCCD1}">
+              <a14:hiddenFill xmlns:a14="http://schemas.microsoft.com/office/drawing/2010/main">
+                <a:solidFill>
+                  <a:srgbClr val="FFFFFF"/>
+                </a:solidFill>
+              </a14:hiddenFill>
+            </a:ext>
+          </a:extLst>
+        </p:spPr>
+      </p:pic>
     </p:spTree>
     <p:extLst>
       <p:ext uri="{BB962C8B-B14F-4D97-AF65-F5344CB8AC3E}">
